--- a/course/public-speaking/visual-aid/example-visual-aid.pptx
+++ b/course/public-speaking/visual-aid/example-visual-aid.pptx
@@ -18,13 +18,14 @@
     <p:sldId id="261" r:id="rId11"/>
     <p:sldId id="262" r:id="rId12"/>
     <p:sldId id="263" r:id="rId13"/>
+    <p:sldId id="264" r:id="rId14"/>
   </p:sldIdLst>
   <p:sldSz cx="12192000" cy="6858000"/>
   <p:notesSz cx="6858000" cy="9144000"/>
 </p:presentation>
 </file>
 
-<file path=ppt/charts/chart2.xml><?xml version="1.0" encoding="utf-8"?>
+<file path=ppt/charts/chart1.xml><?xml version="1.0" encoding="utf-8"?>
 <c:chartSpace xmlns:c="http://schemas.openxmlformats.org/drawingml/2006/chart" xmlns:a="http://schemas.openxmlformats.org/drawingml/2006/main" xmlns:r="http://schemas.openxmlformats.org/officeDocument/2006/relationships">
   <c:lang val="en-US"/>
   <c:roundedCorners val="0"/>
@@ -99,6 +100,7 @@
                         <a:srgbClr val="000000"/>
                       </a:solidFill>
                       <a:latin typeface="Calibri"/>
+                      <a:ea typeface="DejaVu Sans"/>
                     </a:defRPr>
                   </a:pPr>
                 </a:p>
@@ -122,6 +124,7 @@
                       <a:srgbClr val="000000"/>
                     </a:solidFill>
                     <a:latin typeface="Calibri"/>
+                    <a:ea typeface="DejaVu Sans"/>
                   </a:defRPr>
                 </a:pPr>
               </a:p>
@@ -191,6 +194,7 @@
                       <a:srgbClr val="ffffff"/>
                     </a:solidFill>
                     <a:latin typeface="Calibri"/>
+                    <a:ea typeface="DejaVu Sans"/>
                   </a:defRPr>
                 </a:pPr>
               </a:p>
@@ -260,6 +264,7 @@
                       <a:srgbClr val="ffffff"/>
                     </a:solidFill>
                     <a:latin typeface="Calibri"/>
+                    <a:ea typeface="DejaVu Sans"/>
                   </a:defRPr>
                 </a:pPr>
               </a:p>
@@ -329,6 +334,7 @@
                       <a:srgbClr val="ffffff"/>
                     </a:solidFill>
                     <a:latin typeface="Calibri"/>
+                    <a:ea typeface="DejaVu Sans"/>
                   </a:defRPr>
                 </a:pPr>
               </a:p>
@@ -398,6 +404,7 @@
                       <a:srgbClr val="ffffff"/>
                     </a:solidFill>
                     <a:latin typeface="Calibri"/>
+                    <a:ea typeface="DejaVu Sans"/>
                   </a:defRPr>
                 </a:pPr>
               </a:p>
@@ -467,6 +474,7 @@
                       <a:srgbClr val="ffffff"/>
                     </a:solidFill>
                     <a:latin typeface="Calibri"/>
+                    <a:ea typeface="DejaVu Sans"/>
                   </a:defRPr>
                 </a:pPr>
               </a:p>
@@ -536,6 +544,7 @@
                       <a:srgbClr val="ffffff"/>
                     </a:solidFill>
                     <a:latin typeface="Calibri"/>
+                    <a:ea typeface="DejaVu Sans"/>
                   </a:defRPr>
                 </a:pPr>
               </a:p>
@@ -605,6 +614,7 @@
                       <a:srgbClr val="ffffff"/>
                     </a:solidFill>
                     <a:latin typeface="Calibri"/>
+                    <a:ea typeface="DejaVu Sans"/>
                   </a:defRPr>
                 </a:pPr>
               </a:p>
@@ -691,11 +701,12 @@
                 <a:lstStyle/>
                 <a:p>
                   <a:pPr>
-                    <a:defRPr b="1" lang="en-US" sz="2000" spc="-1" strike="noStrike">
+                    <a:defRPr b="0" lang="en-US" sz="1000" spc="-1" strike="noStrike">
                       <a:solidFill>
-                        <a:srgbClr val="ffffff"/>
+                        <a:srgbClr val="000000"/>
                       </a:solidFill>
-                      <a:latin typeface="Calibri"/>
+                      <a:latin typeface="Arial"/>
+                      <a:ea typeface="DejaVu Sans"/>
                     </a:defRPr>
                   </a:pPr>
                 </a:p>
@@ -743,6 +754,7 @@
                       <a:srgbClr val="ffffff"/>
                     </a:solidFill>
                     <a:latin typeface="Calibri"/>
+                    <a:ea typeface="DejaVu Sans"/>
                   </a:defRPr>
                 </a:pPr>
               </a:p>
@@ -834,6 +846,7 @@
                         <a:srgbClr val="000000"/>
                       </a:solidFill>
                       <a:latin typeface="Calibri"/>
+                      <a:ea typeface="DejaVu Sans"/>
                     </a:defRPr>
                   </a:pPr>
                 </a:p>
@@ -857,6 +870,7 @@
                       <a:srgbClr val="ffffff"/>
                     </a:solidFill>
                     <a:latin typeface="Calibri"/>
+                    <a:ea typeface="DejaVu Sans"/>
                   </a:defRPr>
                 </a:pPr>
               </a:p>
@@ -886,11 +900,11 @@
         </c:ser>
         <c:gapWidth val="65"/>
         <c:overlap val="0"/>
-        <c:axId val="46533269"/>
-        <c:axId val="83701025"/>
+        <c:axId val="12447539"/>
+        <c:axId val="51381842"/>
       </c:barChart>
       <c:catAx>
-        <c:axId val="46533269"/>
+        <c:axId val="12447539"/>
         <c:scaling>
           <c:orientation val="minMax"/>
         </c:scaling>
@@ -918,18 +932,19 @@
                   <a:srgbClr val="000000"/>
                 </a:solidFill>
                 <a:latin typeface="Calibri"/>
+                <a:ea typeface="DejaVu Sans"/>
               </a:defRPr>
             </a:pPr>
           </a:p>
         </c:txPr>
-        <c:crossAx val="83701025"/>
+        <c:crossAx val="51381842"/>
         <c:auto val="1"/>
         <c:lblAlgn val="ctr"/>
         <c:lblOffset val="100"/>
         <c:noMultiLvlLbl val="0"/>
       </c:catAx>
       <c:valAx>
-        <c:axId val="83701025"/>
+        <c:axId val="51381842"/>
         <c:scaling>
           <c:orientation val="minMax"/>
         </c:scaling>
@@ -957,11 +972,12 @@
                   <a:srgbClr val="000000"/>
                 </a:solidFill>
                 <a:latin typeface="Calibri"/>
+                <a:ea typeface="DejaVu Sans"/>
               </a:defRPr>
             </a:pPr>
           </a:p>
         </c:txPr>
-        <c:crossAx val="46533269"/>
+        <c:crossAx val="12447539"/>
         <c:crossBetween val="between"/>
       </c:valAx>
       <c:spPr>
@@ -1017,7 +1033,7 @@
       </p:grpSpPr>
       <p:sp>
         <p:nvSpPr>
-          <p:cNvPr id="123" name="PlaceHolder 1"/>
+          <p:cNvPr id="114" name="PlaceHolder 1"/>
           <p:cNvSpPr>
             <a:spLocks noGrp="1"/>
           </p:cNvSpPr>
@@ -1039,27 +1055,22 @@
             <a:noAutofit/>
           </a:bodyPr>
           <a:p>
+            <a:pPr algn="ctr"/>
             <a:r>
-              <a:rPr b="0" lang="en-US" sz="1800" spc="-1" strike="noStrike">
-                <a:solidFill>
-                  <a:srgbClr val="000000"/>
-                </a:solidFill>
-                <a:latin typeface="Calibri"/>
+              <a:rPr b="0" lang="en-US" sz="4400" spc="-1" strike="noStrike">
+                <a:latin typeface="Arial"/>
               </a:rPr>
               <a:t>Click to move the slide</a:t>
             </a:r>
-            <a:endParaRPr b="0" lang="en-US" sz="1800" spc="-1" strike="noStrike">
-              <a:solidFill>
-                <a:srgbClr val="000000"/>
-              </a:solidFill>
-              <a:latin typeface="Calibri"/>
-            </a:endParaRPr>
-          </a:p>
-        </p:txBody>
-      </p:sp>
-      <p:sp>
-        <p:nvSpPr>
-          <p:cNvPr id="124" name="PlaceHolder 2"/>
+            <a:endParaRPr b="0" lang="en-US" sz="4400" spc="-1" strike="noStrike">
+              <a:latin typeface="Arial"/>
+            </a:endParaRPr>
+          </a:p>
+        </p:txBody>
+      </p:sp>
+      <p:sp>
+        <p:nvSpPr>
+          <p:cNvPr id="115" name="PlaceHolder 2"/>
           <p:cNvSpPr>
             <a:spLocks noGrp="1"/>
           </p:cNvSpPr>
@@ -1095,7 +1106,7 @@
       </p:sp>
       <p:sp>
         <p:nvSpPr>
-          <p:cNvPr id="125" name="PlaceHolder 3"/>
+          <p:cNvPr id="116" name="PlaceHolder 3"/>
           <p:cNvSpPr>
             <a:spLocks noGrp="1"/>
           </p:cNvSpPr>
@@ -1131,7 +1142,7 @@
       </p:sp>
       <p:sp>
         <p:nvSpPr>
-          <p:cNvPr id="126" name="PlaceHolder 4"/>
+          <p:cNvPr id="117" name="PlaceHolder 4"/>
           <p:cNvSpPr>
             <a:spLocks noGrp="1"/>
           </p:cNvSpPr>
@@ -1168,7 +1179,7 @@
       </p:sp>
       <p:sp>
         <p:nvSpPr>
-          <p:cNvPr id="127" name="PlaceHolder 5"/>
+          <p:cNvPr id="118" name="PlaceHolder 5"/>
           <p:cNvSpPr>
             <a:spLocks noGrp="1"/>
           </p:cNvSpPr>
@@ -1204,7 +1215,7 @@
       </p:sp>
       <p:sp>
         <p:nvSpPr>
-          <p:cNvPr id="128" name="PlaceHolder 6"/>
+          <p:cNvPr id="119" name="PlaceHolder 6"/>
           <p:cNvSpPr>
             <a:spLocks noGrp="1"/>
           </p:cNvSpPr>
@@ -1227,7 +1238,7 @@
           </a:bodyPr>
           <a:p>
             <a:pPr algn="r"/>
-            <a:fld id="{D8EE49AA-C4EE-4795-9699-5FEABF9A4EFB}" type="slidenum">
+            <a:fld id="{F050FEA3-99C9-43BF-B1C2-1BC5EE92635C}" type="slidenum">
               <a:rPr b="0" lang="en-US" sz="1400" spc="-1" strike="noStrike">
                 <a:latin typeface="Times New Roman"/>
               </a:rPr>
@@ -1264,7 +1275,7 @@
       </p:grpSpPr>
       <p:sp>
         <p:nvSpPr>
-          <p:cNvPr id="159" name="PlaceHolder 1"/>
+          <p:cNvPr id="151" name="PlaceHolder 1"/>
           <p:cNvSpPr>
             <a:spLocks noGrp="1"/>
           </p:cNvSpPr>
@@ -1275,16 +1286,16 @@
         <p:spPr>
           <a:xfrm>
             <a:off x="685800" y="1143000"/>
-            <a:ext cx="5486040" cy="3085920"/>
-          </a:xfrm>
-          <a:prstGeom prst="rect">
-            <a:avLst/>
-          </a:prstGeom>
-        </p:spPr>
-      </p:sp>
-      <p:sp>
-        <p:nvSpPr>
-          <p:cNvPr id="160" name="PlaceHolder 2"/>
+            <a:ext cx="5485680" cy="3085560"/>
+          </a:xfrm>
+          <a:prstGeom prst="rect">
+            <a:avLst/>
+          </a:prstGeom>
+        </p:spPr>
+      </p:sp>
+      <p:sp>
+        <p:nvSpPr>
+          <p:cNvPr id="152" name="PlaceHolder 2"/>
           <p:cNvSpPr>
             <a:spLocks noGrp="1"/>
           </p:cNvSpPr>
@@ -1295,21 +1306,24 @@
         <p:spPr>
           <a:xfrm>
             <a:off x="685800" y="4400640"/>
-            <a:ext cx="5486040" cy="3600000"/>
-          </a:xfrm>
-          <a:prstGeom prst="rect">
-            <a:avLst/>
-          </a:prstGeom>
-        </p:spPr>
-        <p:txBody>
-          <a:bodyPr>
+            <a:ext cx="5485680" cy="3599640"/>
+          </a:xfrm>
+          <a:prstGeom prst="rect">
+            <a:avLst/>
+          </a:prstGeom>
+        </p:spPr>
+        <p:txBody>
+          <a:bodyPr lIns="0" rIns="0" tIns="0" bIns="0">
             <a:noAutofit/>
           </a:bodyPr>
           <a:p>
-            <a:pPr marL="216000" indent="-216000">
+            <a:pPr marL="216000" indent="-215640">
               <a:lnSpc>
                 <a:spcPct val="100000"/>
               </a:lnSpc>
+              <a:tabLst>
+                <a:tab algn="l" pos="0"/>
+              </a:tabLst>
             </a:pPr>
             <a:r>
               <a:rPr b="0" lang="en-US" sz="2000" spc="-1" strike="noStrike">
@@ -1325,14 +1339,14 @@
       </p:sp>
       <p:sp>
         <p:nvSpPr>
-          <p:cNvPr id="161" name="TextShape 3"/>
-          <p:cNvSpPr txBox="1"/>
+          <p:cNvPr id="153" name="CustomShape 3"/>
+          <p:cNvSpPr/>
           <p:nvPr/>
         </p:nvSpPr>
         <p:spPr>
           <a:xfrm>
             <a:off x="3884760" y="8685360"/>
-            <a:ext cx="2971440" cy="458280"/>
+            <a:ext cx="2971080" cy="457920"/>
           </a:xfrm>
           <a:prstGeom prst="rect">
             <a:avLst/>
@@ -1342,8 +1356,14 @@
             <a:noFill/>
           </a:ln>
         </p:spPr>
-        <p:txBody>
-          <a:bodyPr anchor="b">
+        <p:style>
+          <a:lnRef idx="0"/>
+          <a:fillRef idx="0"/>
+          <a:effectRef idx="0"/>
+          <a:fontRef idx="minor"/>
+        </p:style>
+        <p:txBody>
+          <a:bodyPr lIns="90000" rIns="90000" tIns="45000" bIns="45000" anchor="b">
             <a:noAutofit/>
           </a:bodyPr>
           <a:p>
@@ -1352,7 +1372,7 @@
                 <a:spcPct val="100000"/>
               </a:lnSpc>
             </a:pPr>
-            <a:fld id="{51E17FFF-B0F1-415D-9852-7E70F0B813B9}" type="slidenum">
+            <a:fld id="{A37AFA7C-928D-4339-AE21-93A87AB6EC46}" type="slidenum">
               <a:rPr b="0" lang="en-US" sz="1200" spc="-1" strike="noStrike">
                 <a:solidFill>
                   <a:srgbClr val="000000"/>
@@ -1363,7 +1383,7 @@
               <a:t>&lt;number&gt;</a:t>
             </a:fld>
             <a:endParaRPr b="0" lang="en-US" sz="1200" spc="-1" strike="noStrike">
-              <a:latin typeface="Times New Roman"/>
+              <a:latin typeface="Arial"/>
             </a:endParaRPr>
           </a:p>
         </p:txBody>
@@ -1373,7 +1393,7 @@
 </p:notes>
 </file>
 
-<file path=ppt/notesSlides/notesSlide3.xml><?xml version="1.0" encoding="utf-8"?>
+<file path=ppt/notesSlides/notesSlide6.xml><?xml version="1.0" encoding="utf-8"?>
 <p:notes xmlns:a="http://schemas.openxmlformats.org/drawingml/2006/main" xmlns:p="http://schemas.openxmlformats.org/presentationml/2006/main" xmlns:r="http://schemas.openxmlformats.org/officeDocument/2006/relationships" xmlns:p14="http://schemas.microsoft.com/office/powerpoint/2010/main" xmlns:p15="http://schemas.microsoft.com/office/powerpoint/2012/main" xmlns:mc="http://schemas.openxmlformats.org/markup-compatibility/2006">
   <p:cSld>
     <p:spTree>
@@ -1392,7 +1412,7 @@
       </p:grpSpPr>
       <p:sp>
         <p:nvSpPr>
-          <p:cNvPr id="162" name="PlaceHolder 1"/>
+          <p:cNvPr id="154" name="PlaceHolder 1"/>
           <p:cNvSpPr>
             <a:spLocks noGrp="1"/>
           </p:cNvSpPr>
@@ -1403,16 +1423,16 @@
         <p:spPr>
           <a:xfrm>
             <a:off x="685800" y="1143000"/>
-            <a:ext cx="5486040" cy="3085920"/>
-          </a:xfrm>
-          <a:prstGeom prst="rect">
-            <a:avLst/>
-          </a:prstGeom>
-        </p:spPr>
-      </p:sp>
-      <p:sp>
-        <p:nvSpPr>
-          <p:cNvPr id="163" name="PlaceHolder 2"/>
+            <a:ext cx="5485680" cy="3085560"/>
+          </a:xfrm>
+          <a:prstGeom prst="rect">
+            <a:avLst/>
+          </a:prstGeom>
+        </p:spPr>
+      </p:sp>
+      <p:sp>
+        <p:nvSpPr>
+          <p:cNvPr id="155" name="PlaceHolder 2"/>
           <p:cNvSpPr>
             <a:spLocks noGrp="1"/>
           </p:cNvSpPr>
@@ -1423,18 +1443,18 @@
         <p:spPr>
           <a:xfrm>
             <a:off x="685800" y="4400640"/>
-            <a:ext cx="5486040" cy="3600000"/>
-          </a:xfrm>
-          <a:prstGeom prst="rect">
-            <a:avLst/>
-          </a:prstGeom>
-        </p:spPr>
-        <p:txBody>
-          <a:bodyPr>
+            <a:ext cx="5485680" cy="3599640"/>
+          </a:xfrm>
+          <a:prstGeom prst="rect">
+            <a:avLst/>
+          </a:prstGeom>
+        </p:spPr>
+        <p:txBody>
+          <a:bodyPr lIns="0" rIns="0" tIns="0" bIns="0">
             <a:noAutofit/>
           </a:bodyPr>
           <a:p>
-            <a:pPr>
+            <a:pPr marL="216000" indent="-216000">
               <a:lnSpc>
                 <a:spcPct val="100000"/>
               </a:lnSpc>
@@ -1468,14 +1488,14 @@
       </p:sp>
       <p:sp>
         <p:nvSpPr>
-          <p:cNvPr id="164" name="TextShape 3"/>
-          <p:cNvSpPr txBox="1"/>
+          <p:cNvPr id="156" name="CustomShape 3"/>
+          <p:cNvSpPr/>
           <p:nvPr/>
         </p:nvSpPr>
         <p:spPr>
           <a:xfrm>
             <a:off x="3884760" y="8685360"/>
-            <a:ext cx="2971440" cy="458280"/>
+            <a:ext cx="2971080" cy="457920"/>
           </a:xfrm>
           <a:prstGeom prst="rect">
             <a:avLst/>
@@ -1485,8 +1505,14 @@
             <a:noFill/>
           </a:ln>
         </p:spPr>
-        <p:txBody>
-          <a:bodyPr anchor="b">
+        <p:style>
+          <a:lnRef idx="0"/>
+          <a:fillRef idx="0"/>
+          <a:effectRef idx="0"/>
+          <a:fontRef idx="minor"/>
+        </p:style>
+        <p:txBody>
+          <a:bodyPr lIns="90000" rIns="90000" tIns="45000" bIns="45000" anchor="b">
             <a:noAutofit/>
           </a:bodyPr>
           <a:p>
@@ -1495,7 +1521,7 @@
                 <a:spcPct val="100000"/>
               </a:lnSpc>
             </a:pPr>
-            <a:fld id="{BFAE4164-A56C-4A44-AC98-25B7A7AA0AB6}" type="slidenum">
+            <a:fld id="{1F225661-72BD-4EA7-96F1-4A165E114DF8}" type="slidenum">
               <a:rPr b="0" lang="en-US" sz="1200" spc="-1" strike="noStrike">
                 <a:solidFill>
                   <a:srgbClr val="000000"/>
@@ -1506,7 +1532,7 @@
               <a:t>&lt;number&gt;</a:t>
             </a:fld>
             <a:endParaRPr b="0" lang="en-US" sz="1200" spc="-1" strike="noStrike">
-              <a:latin typeface="Times New Roman"/>
+              <a:latin typeface="Arial"/>
             </a:endParaRPr>
           </a:p>
         </p:txBody>
@@ -1516,7 +1542,7 @@
 </p:notes>
 </file>
 
-<file path=ppt/notesSlides/notesSlide4.xml><?xml version="1.0" encoding="utf-8"?>
+<file path=ppt/notesSlides/notesSlide7.xml><?xml version="1.0" encoding="utf-8"?>
 <p:notes xmlns:a="http://schemas.openxmlformats.org/drawingml/2006/main" xmlns:p="http://schemas.openxmlformats.org/presentationml/2006/main" xmlns:r="http://schemas.openxmlformats.org/officeDocument/2006/relationships" xmlns:p14="http://schemas.microsoft.com/office/powerpoint/2010/main" xmlns:p15="http://schemas.microsoft.com/office/powerpoint/2012/main" xmlns:mc="http://schemas.openxmlformats.org/markup-compatibility/2006">
   <p:cSld>
     <p:spTree>
@@ -1535,7 +1561,7 @@
       </p:grpSpPr>
       <p:sp>
         <p:nvSpPr>
-          <p:cNvPr id="165" name="PlaceHolder 1"/>
+          <p:cNvPr id="157" name="PlaceHolder 1"/>
           <p:cNvSpPr>
             <a:spLocks noGrp="1"/>
           </p:cNvSpPr>
@@ -1546,16 +1572,16 @@
         <p:spPr>
           <a:xfrm>
             <a:off x="685800" y="1143000"/>
-            <a:ext cx="5486040" cy="3085920"/>
-          </a:xfrm>
-          <a:prstGeom prst="rect">
-            <a:avLst/>
-          </a:prstGeom>
-        </p:spPr>
-      </p:sp>
-      <p:sp>
-        <p:nvSpPr>
-          <p:cNvPr id="166" name="PlaceHolder 2"/>
+            <a:ext cx="5485680" cy="3085560"/>
+          </a:xfrm>
+          <a:prstGeom prst="rect">
+            <a:avLst/>
+          </a:prstGeom>
+        </p:spPr>
+      </p:sp>
+      <p:sp>
+        <p:nvSpPr>
+          <p:cNvPr id="158" name="PlaceHolder 2"/>
           <p:cNvSpPr>
             <a:spLocks noGrp="1"/>
           </p:cNvSpPr>
@@ -1566,18 +1592,18 @@
         <p:spPr>
           <a:xfrm>
             <a:off x="685800" y="4400640"/>
-            <a:ext cx="5486040" cy="3600000"/>
-          </a:xfrm>
-          <a:prstGeom prst="rect">
-            <a:avLst/>
-          </a:prstGeom>
-        </p:spPr>
-        <p:txBody>
-          <a:bodyPr>
+            <a:ext cx="5485680" cy="3599640"/>
+          </a:xfrm>
+          <a:prstGeom prst="rect">
+            <a:avLst/>
+          </a:prstGeom>
+        </p:spPr>
+        <p:txBody>
+          <a:bodyPr lIns="0" rIns="0" tIns="0" bIns="0">
             <a:noAutofit/>
           </a:bodyPr>
           <a:p>
-            <a:pPr>
+            <a:pPr marL="216000" indent="-216000">
               <a:lnSpc>
                 <a:spcPct val="100000"/>
               </a:lnSpc>
@@ -1608,7 +1634,7 @@
             </a:endParaRPr>
           </a:p>
           <a:p>
-            <a:pPr>
+            <a:pPr marL="216000" indent="-216000">
               <a:lnSpc>
                 <a:spcPct val="100000"/>
               </a:lnSpc>
@@ -1624,14 +1650,14 @@
       </p:sp>
       <p:sp>
         <p:nvSpPr>
-          <p:cNvPr id="167" name="TextShape 3"/>
-          <p:cNvSpPr txBox="1"/>
+          <p:cNvPr id="159" name="CustomShape 3"/>
+          <p:cNvSpPr/>
           <p:nvPr/>
         </p:nvSpPr>
         <p:spPr>
           <a:xfrm>
             <a:off x="3884760" y="8685360"/>
-            <a:ext cx="2971440" cy="458280"/>
+            <a:ext cx="2971080" cy="457920"/>
           </a:xfrm>
           <a:prstGeom prst="rect">
             <a:avLst/>
@@ -1641,8 +1667,14 @@
             <a:noFill/>
           </a:ln>
         </p:spPr>
-        <p:txBody>
-          <a:bodyPr anchor="b">
+        <p:style>
+          <a:lnRef idx="0"/>
+          <a:fillRef idx="0"/>
+          <a:effectRef idx="0"/>
+          <a:fontRef idx="minor"/>
+        </p:style>
+        <p:txBody>
+          <a:bodyPr lIns="90000" rIns="90000" tIns="45000" bIns="45000" anchor="b">
             <a:noAutofit/>
           </a:bodyPr>
           <a:p>
@@ -1651,7 +1683,7 @@
                 <a:spcPct val="100000"/>
               </a:lnSpc>
             </a:pPr>
-            <a:fld id="{141E774F-A007-4357-B3B1-EF0F386E987C}" type="slidenum">
+            <a:fld id="{3BE6572A-7885-4043-83B4-77E4E1D39A5E}" type="slidenum">
               <a:rPr b="0" lang="en-US" sz="1200" spc="-1" strike="noStrike">
                 <a:solidFill>
                   <a:srgbClr val="000000"/>
@@ -1662,7 +1694,7 @@
               <a:t>&lt;number&gt;</a:t>
             </a:fld>
             <a:endParaRPr b="0" lang="en-US" sz="1200" spc="-1" strike="noStrike">
-              <a:latin typeface="Times New Roman"/>
+              <a:latin typeface="Arial"/>
             </a:endParaRPr>
           </a:p>
         </p:txBody>
@@ -1672,7 +1704,7 @@
 </p:notes>
 </file>
 
-<file path=ppt/notesSlides/notesSlide5.xml><?xml version="1.0" encoding="utf-8"?>
+<file path=ppt/notesSlides/notesSlide8.xml><?xml version="1.0" encoding="utf-8"?>
 <p:notes xmlns:a="http://schemas.openxmlformats.org/drawingml/2006/main" xmlns:p="http://schemas.openxmlformats.org/presentationml/2006/main" xmlns:r="http://schemas.openxmlformats.org/officeDocument/2006/relationships" xmlns:p14="http://schemas.microsoft.com/office/powerpoint/2010/main" xmlns:p15="http://schemas.microsoft.com/office/powerpoint/2012/main" xmlns:mc="http://schemas.openxmlformats.org/markup-compatibility/2006">
   <p:cSld>
     <p:spTree>
@@ -1691,7 +1723,7 @@
       </p:grpSpPr>
       <p:sp>
         <p:nvSpPr>
-          <p:cNvPr id="168" name="PlaceHolder 1"/>
+          <p:cNvPr id="160" name="PlaceHolder 1"/>
           <p:cNvSpPr>
             <a:spLocks noGrp="1"/>
           </p:cNvSpPr>
@@ -1702,16 +1734,16 @@
         <p:spPr>
           <a:xfrm>
             <a:off x="685800" y="1143000"/>
-            <a:ext cx="5486040" cy="3085920"/>
-          </a:xfrm>
-          <a:prstGeom prst="rect">
-            <a:avLst/>
-          </a:prstGeom>
-        </p:spPr>
-      </p:sp>
-      <p:sp>
-        <p:nvSpPr>
-          <p:cNvPr id="169" name="PlaceHolder 2"/>
+            <a:ext cx="5485680" cy="3085560"/>
+          </a:xfrm>
+          <a:prstGeom prst="rect">
+            <a:avLst/>
+          </a:prstGeom>
+        </p:spPr>
+      </p:sp>
+      <p:sp>
+        <p:nvSpPr>
+          <p:cNvPr id="161" name="PlaceHolder 2"/>
           <p:cNvSpPr>
             <a:spLocks noGrp="1"/>
           </p:cNvSpPr>
@@ -1722,18 +1754,18 @@
         <p:spPr>
           <a:xfrm>
             <a:off x="685800" y="4400640"/>
-            <a:ext cx="5486040" cy="3600000"/>
-          </a:xfrm>
-          <a:prstGeom prst="rect">
-            <a:avLst/>
-          </a:prstGeom>
-        </p:spPr>
-        <p:txBody>
-          <a:bodyPr>
+            <a:ext cx="5485680" cy="3599640"/>
+          </a:xfrm>
+          <a:prstGeom prst="rect">
+            <a:avLst/>
+          </a:prstGeom>
+        </p:spPr>
+        <p:txBody>
+          <a:bodyPr lIns="0" rIns="0" tIns="0" bIns="0">
             <a:noAutofit/>
           </a:bodyPr>
           <a:p>
-            <a:pPr>
+            <a:pPr marL="216000" indent="-216000">
               <a:lnSpc>
                 <a:spcPct val="100000"/>
               </a:lnSpc>
@@ -1764,7 +1796,7 @@
             </a:endParaRPr>
           </a:p>
           <a:p>
-            <a:pPr>
+            <a:pPr marL="216000" indent="-216000">
               <a:lnSpc>
                 <a:spcPct val="100000"/>
               </a:lnSpc>
@@ -1780,14 +1812,14 @@
       </p:sp>
       <p:sp>
         <p:nvSpPr>
-          <p:cNvPr id="170" name="TextShape 3"/>
-          <p:cNvSpPr txBox="1"/>
+          <p:cNvPr id="162" name="CustomShape 3"/>
+          <p:cNvSpPr/>
           <p:nvPr/>
         </p:nvSpPr>
         <p:spPr>
           <a:xfrm>
             <a:off x="3884760" y="8685360"/>
-            <a:ext cx="2971440" cy="458280"/>
+            <a:ext cx="2971080" cy="457920"/>
           </a:xfrm>
           <a:prstGeom prst="rect">
             <a:avLst/>
@@ -1797,8 +1829,14 @@
             <a:noFill/>
           </a:ln>
         </p:spPr>
-        <p:txBody>
-          <a:bodyPr anchor="b">
+        <p:style>
+          <a:lnRef idx="0"/>
+          <a:fillRef idx="0"/>
+          <a:effectRef idx="0"/>
+          <a:fontRef idx="minor"/>
+        </p:style>
+        <p:txBody>
+          <a:bodyPr lIns="90000" rIns="90000" tIns="45000" bIns="45000" anchor="b">
             <a:noAutofit/>
           </a:bodyPr>
           <a:p>
@@ -1807,7 +1845,7 @@
                 <a:spcPct val="100000"/>
               </a:lnSpc>
             </a:pPr>
-            <a:fld id="{88DD27E1-209F-4773-AD2E-738D38186E34}" type="slidenum">
+            <a:fld id="{22DB113C-7E8F-4DBD-AD87-47C638BDAEE3}" type="slidenum">
               <a:rPr b="0" lang="en-US" sz="1200" spc="-1" strike="noStrike">
                 <a:solidFill>
                   <a:srgbClr val="000000"/>
@@ -1818,7 +1856,7 @@
               <a:t>&lt;number&gt;</a:t>
             </a:fld>
             <a:endParaRPr b="0" lang="en-US" sz="1200" spc="-1" strike="noStrike">
-              <a:latin typeface="Times New Roman"/>
+              <a:latin typeface="Arial"/>
             </a:endParaRPr>
           </a:p>
         </p:txBody>
@@ -1869,7 +1907,7 @@
       </p:grpSpPr>
       <p:sp>
         <p:nvSpPr>
-          <p:cNvPr id="26" name="PlaceHolder 1"/>
+          <p:cNvPr id="23" name="PlaceHolder 1"/>
           <p:cNvSpPr>
             <a:spLocks noGrp="1"/>
           </p:cNvSpPr>
@@ -1879,8 +1917,8 @@
         </p:nvSpPr>
         <p:spPr>
           <a:xfrm>
-            <a:off x="838080" y="365040"/>
-            <a:ext cx="10515240" cy="1325160"/>
+            <a:off x="609480" y="273600"/>
+            <a:ext cx="10972440" cy="1144800"/>
           </a:xfrm>
           <a:prstGeom prst="rect">
             <a:avLst/>
@@ -1891,18 +1929,16 @@
             <a:noAutofit/>
           </a:bodyPr>
           <a:p>
-            <a:endParaRPr b="0" lang="en-US" sz="1800" spc="-1" strike="noStrike">
-              <a:solidFill>
-                <a:srgbClr val="000000"/>
-              </a:solidFill>
-              <a:latin typeface="Calibri"/>
-            </a:endParaRPr>
-          </a:p>
-        </p:txBody>
-      </p:sp>
-      <p:sp>
-        <p:nvSpPr>
-          <p:cNvPr id="27" name="PlaceHolder 2"/>
+            <a:pPr algn="ctr"/>
+            <a:endParaRPr b="0" lang="en-US" sz="4400" spc="-1" strike="noStrike">
+              <a:latin typeface="Arial"/>
+            </a:endParaRPr>
+          </a:p>
+        </p:txBody>
+      </p:sp>
+      <p:sp>
+        <p:nvSpPr>
+          <p:cNvPr id="24" name="PlaceHolder 2"/>
           <p:cNvSpPr>
             <a:spLocks noGrp="1"/>
           </p:cNvSpPr>
@@ -1912,8 +1948,8 @@
         </p:nvSpPr>
         <p:spPr>
           <a:xfrm>
-            <a:off x="838080" y="1825560"/>
-            <a:ext cx="10515240" cy="2075040"/>
+            <a:off x="609480" y="1604520"/>
+            <a:ext cx="10972440" cy="1896840"/>
           </a:xfrm>
           <a:prstGeom prst="rect">
             <a:avLst/>
@@ -1924,18 +1960,15 @@
             <a:normAutofit/>
           </a:bodyPr>
           <a:p>
-            <a:endParaRPr b="0" lang="en-US" sz="2800" spc="-1" strike="noStrike">
-              <a:solidFill>
-                <a:srgbClr val="000000"/>
-              </a:solidFill>
-              <a:latin typeface="Calibri"/>
-            </a:endParaRPr>
-          </a:p>
-        </p:txBody>
-      </p:sp>
-      <p:sp>
-        <p:nvSpPr>
-          <p:cNvPr id="28" name="PlaceHolder 3"/>
+            <a:endParaRPr b="0" lang="en-US" sz="3200" spc="-1" strike="noStrike">
+              <a:latin typeface="Arial"/>
+            </a:endParaRPr>
+          </a:p>
+        </p:txBody>
+      </p:sp>
+      <p:sp>
+        <p:nvSpPr>
+          <p:cNvPr id="25" name="PlaceHolder 3"/>
           <p:cNvSpPr>
             <a:spLocks noGrp="1"/>
           </p:cNvSpPr>
@@ -1945,8 +1978,8 @@
         </p:nvSpPr>
         <p:spPr>
           <a:xfrm>
-            <a:off x="838080" y="4098240"/>
-            <a:ext cx="10515240" cy="2075040"/>
+            <a:off x="609480" y="3682080"/>
+            <a:ext cx="10972440" cy="1896840"/>
           </a:xfrm>
           <a:prstGeom prst="rect">
             <a:avLst/>
@@ -1957,11 +1990,8 @@
             <a:normAutofit/>
           </a:bodyPr>
           <a:p>
-            <a:endParaRPr b="0" lang="en-US" sz="2800" spc="-1" strike="noStrike">
-              <a:solidFill>
-                <a:srgbClr val="000000"/>
-              </a:solidFill>
-              <a:latin typeface="Calibri"/>
+            <a:endParaRPr b="0" lang="en-US" sz="3200" spc="-1" strike="noStrike">
+              <a:latin typeface="Arial"/>
             </a:endParaRPr>
           </a:p>
         </p:txBody>
@@ -1990,7 +2020,7 @@
       </p:grpSpPr>
       <p:sp>
         <p:nvSpPr>
-          <p:cNvPr id="29" name="PlaceHolder 1"/>
+          <p:cNvPr id="26" name="PlaceHolder 1"/>
           <p:cNvSpPr>
             <a:spLocks noGrp="1"/>
           </p:cNvSpPr>
@@ -2000,8 +2030,8 @@
         </p:nvSpPr>
         <p:spPr>
           <a:xfrm>
-            <a:off x="838080" y="365040"/>
-            <a:ext cx="10515240" cy="1325160"/>
+            <a:off x="609480" y="273600"/>
+            <a:ext cx="10972440" cy="1144800"/>
           </a:xfrm>
           <a:prstGeom prst="rect">
             <a:avLst/>
@@ -2012,18 +2042,16 @@
             <a:noAutofit/>
           </a:bodyPr>
           <a:p>
-            <a:endParaRPr b="0" lang="en-US" sz="1800" spc="-1" strike="noStrike">
-              <a:solidFill>
-                <a:srgbClr val="000000"/>
-              </a:solidFill>
-              <a:latin typeface="Calibri"/>
-            </a:endParaRPr>
-          </a:p>
-        </p:txBody>
-      </p:sp>
-      <p:sp>
-        <p:nvSpPr>
-          <p:cNvPr id="30" name="PlaceHolder 2"/>
+            <a:pPr algn="ctr"/>
+            <a:endParaRPr b="0" lang="en-US" sz="4400" spc="-1" strike="noStrike">
+              <a:latin typeface="Arial"/>
+            </a:endParaRPr>
+          </a:p>
+        </p:txBody>
+      </p:sp>
+      <p:sp>
+        <p:nvSpPr>
+          <p:cNvPr id="27" name="PlaceHolder 2"/>
           <p:cNvSpPr>
             <a:spLocks noGrp="1"/>
           </p:cNvSpPr>
@@ -2033,8 +2061,8 @@
         </p:nvSpPr>
         <p:spPr>
           <a:xfrm>
-            <a:off x="838080" y="1825560"/>
-            <a:ext cx="5131080" cy="2075040"/>
+            <a:off x="609480" y="1604520"/>
+            <a:ext cx="5354280" cy="1896840"/>
           </a:xfrm>
           <a:prstGeom prst="rect">
             <a:avLst/>
@@ -2045,18 +2073,15 @@
             <a:normAutofit/>
           </a:bodyPr>
           <a:p>
-            <a:endParaRPr b="0" lang="en-US" sz="2800" spc="-1" strike="noStrike">
-              <a:solidFill>
-                <a:srgbClr val="000000"/>
-              </a:solidFill>
-              <a:latin typeface="Calibri"/>
-            </a:endParaRPr>
-          </a:p>
-        </p:txBody>
-      </p:sp>
-      <p:sp>
-        <p:nvSpPr>
-          <p:cNvPr id="31" name="PlaceHolder 3"/>
+            <a:endParaRPr b="0" lang="en-US" sz="3200" spc="-1" strike="noStrike">
+              <a:latin typeface="Arial"/>
+            </a:endParaRPr>
+          </a:p>
+        </p:txBody>
+      </p:sp>
+      <p:sp>
+        <p:nvSpPr>
+          <p:cNvPr id="28" name="PlaceHolder 3"/>
           <p:cNvSpPr>
             <a:spLocks noGrp="1"/>
           </p:cNvSpPr>
@@ -2066,8 +2091,8 @@
         </p:nvSpPr>
         <p:spPr>
           <a:xfrm>
-            <a:off x="6226200" y="1825560"/>
-            <a:ext cx="5131080" cy="2075040"/>
+            <a:off x="6231960" y="1604520"/>
+            <a:ext cx="5354280" cy="1896840"/>
           </a:xfrm>
           <a:prstGeom prst="rect">
             <a:avLst/>
@@ -2078,18 +2103,15 @@
             <a:normAutofit/>
           </a:bodyPr>
           <a:p>
-            <a:endParaRPr b="0" lang="en-US" sz="2800" spc="-1" strike="noStrike">
-              <a:solidFill>
-                <a:srgbClr val="000000"/>
-              </a:solidFill>
-              <a:latin typeface="Calibri"/>
-            </a:endParaRPr>
-          </a:p>
-        </p:txBody>
-      </p:sp>
-      <p:sp>
-        <p:nvSpPr>
-          <p:cNvPr id="32" name="PlaceHolder 4"/>
+            <a:endParaRPr b="0" lang="en-US" sz="3200" spc="-1" strike="noStrike">
+              <a:latin typeface="Arial"/>
+            </a:endParaRPr>
+          </a:p>
+        </p:txBody>
+      </p:sp>
+      <p:sp>
+        <p:nvSpPr>
+          <p:cNvPr id="29" name="PlaceHolder 4"/>
           <p:cNvSpPr>
             <a:spLocks noGrp="1"/>
           </p:cNvSpPr>
@@ -2099,8 +2121,8 @@
         </p:nvSpPr>
         <p:spPr>
           <a:xfrm>
-            <a:off x="838080" y="4098240"/>
-            <a:ext cx="5131080" cy="2075040"/>
+            <a:off x="609480" y="3682080"/>
+            <a:ext cx="5354280" cy="1896840"/>
           </a:xfrm>
           <a:prstGeom prst="rect">
             <a:avLst/>
@@ -2111,18 +2133,15 @@
             <a:normAutofit/>
           </a:bodyPr>
           <a:p>
-            <a:endParaRPr b="0" lang="en-US" sz="2800" spc="-1" strike="noStrike">
-              <a:solidFill>
-                <a:srgbClr val="000000"/>
-              </a:solidFill>
-              <a:latin typeface="Calibri"/>
-            </a:endParaRPr>
-          </a:p>
-        </p:txBody>
-      </p:sp>
-      <p:sp>
-        <p:nvSpPr>
-          <p:cNvPr id="33" name="PlaceHolder 5"/>
+            <a:endParaRPr b="0" lang="en-US" sz="3200" spc="-1" strike="noStrike">
+              <a:latin typeface="Arial"/>
+            </a:endParaRPr>
+          </a:p>
+        </p:txBody>
+      </p:sp>
+      <p:sp>
+        <p:nvSpPr>
+          <p:cNvPr id="30" name="PlaceHolder 5"/>
           <p:cNvSpPr>
             <a:spLocks noGrp="1"/>
           </p:cNvSpPr>
@@ -2132,8 +2151,8 @@
         </p:nvSpPr>
         <p:spPr>
           <a:xfrm>
-            <a:off x="6226200" y="4098240"/>
-            <a:ext cx="5131080" cy="2075040"/>
+            <a:off x="6231960" y="3682080"/>
+            <a:ext cx="5354280" cy="1896840"/>
           </a:xfrm>
           <a:prstGeom prst="rect">
             <a:avLst/>
@@ -2144,11 +2163,8 @@
             <a:normAutofit/>
           </a:bodyPr>
           <a:p>
-            <a:endParaRPr b="0" lang="en-US" sz="2800" spc="-1" strike="noStrike">
-              <a:solidFill>
-                <a:srgbClr val="000000"/>
-              </a:solidFill>
-              <a:latin typeface="Calibri"/>
+            <a:endParaRPr b="0" lang="en-US" sz="3200" spc="-1" strike="noStrike">
+              <a:latin typeface="Arial"/>
             </a:endParaRPr>
           </a:p>
         </p:txBody>
@@ -2177,7 +2193,7 @@
       </p:grpSpPr>
       <p:sp>
         <p:nvSpPr>
-          <p:cNvPr id="34" name="PlaceHolder 1"/>
+          <p:cNvPr id="31" name="PlaceHolder 1"/>
           <p:cNvSpPr>
             <a:spLocks noGrp="1"/>
           </p:cNvSpPr>
@@ -2187,8 +2203,8 @@
         </p:nvSpPr>
         <p:spPr>
           <a:xfrm>
-            <a:off x="838080" y="365040"/>
-            <a:ext cx="10515240" cy="1325160"/>
+            <a:off x="609480" y="273600"/>
+            <a:ext cx="10972440" cy="1144800"/>
           </a:xfrm>
           <a:prstGeom prst="rect">
             <a:avLst/>
@@ -2199,18 +2215,16 @@
             <a:noAutofit/>
           </a:bodyPr>
           <a:p>
-            <a:endParaRPr b="0" lang="en-US" sz="1800" spc="-1" strike="noStrike">
-              <a:solidFill>
-                <a:srgbClr val="000000"/>
-              </a:solidFill>
-              <a:latin typeface="Calibri"/>
-            </a:endParaRPr>
-          </a:p>
-        </p:txBody>
-      </p:sp>
-      <p:sp>
-        <p:nvSpPr>
-          <p:cNvPr id="35" name="PlaceHolder 2"/>
+            <a:pPr algn="ctr"/>
+            <a:endParaRPr b="0" lang="en-US" sz="4400" spc="-1" strike="noStrike">
+              <a:latin typeface="Arial"/>
+            </a:endParaRPr>
+          </a:p>
+        </p:txBody>
+      </p:sp>
+      <p:sp>
+        <p:nvSpPr>
+          <p:cNvPr id="32" name="PlaceHolder 2"/>
           <p:cNvSpPr>
             <a:spLocks noGrp="1"/>
           </p:cNvSpPr>
@@ -2220,8 +2234,8 @@
         </p:nvSpPr>
         <p:spPr>
           <a:xfrm>
-            <a:off x="838080" y="1825560"/>
-            <a:ext cx="3385800" cy="2075040"/>
+            <a:off x="609480" y="1604520"/>
+            <a:ext cx="3533040" cy="1896840"/>
           </a:xfrm>
           <a:prstGeom prst="rect">
             <a:avLst/>
@@ -2232,18 +2246,15 @@
             <a:normAutofit/>
           </a:bodyPr>
           <a:p>
-            <a:endParaRPr b="0" lang="en-US" sz="2800" spc="-1" strike="noStrike">
-              <a:solidFill>
-                <a:srgbClr val="000000"/>
-              </a:solidFill>
-              <a:latin typeface="Calibri"/>
-            </a:endParaRPr>
-          </a:p>
-        </p:txBody>
-      </p:sp>
-      <p:sp>
-        <p:nvSpPr>
-          <p:cNvPr id="36" name="PlaceHolder 3"/>
+            <a:endParaRPr b="0" lang="en-US" sz="3200" spc="-1" strike="noStrike">
+              <a:latin typeface="Arial"/>
+            </a:endParaRPr>
+          </a:p>
+        </p:txBody>
+      </p:sp>
+      <p:sp>
+        <p:nvSpPr>
+          <p:cNvPr id="33" name="PlaceHolder 3"/>
           <p:cNvSpPr>
             <a:spLocks noGrp="1"/>
           </p:cNvSpPr>
@@ -2253,8 +2264,8 @@
         </p:nvSpPr>
         <p:spPr>
           <a:xfrm>
-            <a:off x="4393440" y="1825560"/>
-            <a:ext cx="3385800" cy="2075040"/>
+            <a:off x="4319640" y="1604520"/>
+            <a:ext cx="3533040" cy="1896840"/>
           </a:xfrm>
           <a:prstGeom prst="rect">
             <a:avLst/>
@@ -2265,18 +2276,15 @@
             <a:normAutofit/>
           </a:bodyPr>
           <a:p>
-            <a:endParaRPr b="0" lang="en-US" sz="2800" spc="-1" strike="noStrike">
-              <a:solidFill>
-                <a:srgbClr val="000000"/>
-              </a:solidFill>
-              <a:latin typeface="Calibri"/>
-            </a:endParaRPr>
-          </a:p>
-        </p:txBody>
-      </p:sp>
-      <p:sp>
-        <p:nvSpPr>
-          <p:cNvPr id="37" name="PlaceHolder 4"/>
+            <a:endParaRPr b="0" lang="en-US" sz="3200" spc="-1" strike="noStrike">
+              <a:latin typeface="Arial"/>
+            </a:endParaRPr>
+          </a:p>
+        </p:txBody>
+      </p:sp>
+      <p:sp>
+        <p:nvSpPr>
+          <p:cNvPr id="34" name="PlaceHolder 4"/>
           <p:cNvSpPr>
             <a:spLocks noGrp="1"/>
           </p:cNvSpPr>
@@ -2286,8 +2294,8 @@
         </p:nvSpPr>
         <p:spPr>
           <a:xfrm>
-            <a:off x="7949160" y="1825560"/>
-            <a:ext cx="3385800" cy="2075040"/>
+            <a:off x="8029800" y="1604520"/>
+            <a:ext cx="3533040" cy="1896840"/>
           </a:xfrm>
           <a:prstGeom prst="rect">
             <a:avLst/>
@@ -2298,18 +2306,15 @@
             <a:normAutofit/>
           </a:bodyPr>
           <a:p>
-            <a:endParaRPr b="0" lang="en-US" sz="2800" spc="-1" strike="noStrike">
-              <a:solidFill>
-                <a:srgbClr val="000000"/>
-              </a:solidFill>
-              <a:latin typeface="Calibri"/>
-            </a:endParaRPr>
-          </a:p>
-        </p:txBody>
-      </p:sp>
-      <p:sp>
-        <p:nvSpPr>
-          <p:cNvPr id="38" name="PlaceHolder 5"/>
+            <a:endParaRPr b="0" lang="en-US" sz="3200" spc="-1" strike="noStrike">
+              <a:latin typeface="Arial"/>
+            </a:endParaRPr>
+          </a:p>
+        </p:txBody>
+      </p:sp>
+      <p:sp>
+        <p:nvSpPr>
+          <p:cNvPr id="35" name="PlaceHolder 5"/>
           <p:cNvSpPr>
             <a:spLocks noGrp="1"/>
           </p:cNvSpPr>
@@ -2319,8 +2324,8 @@
         </p:nvSpPr>
         <p:spPr>
           <a:xfrm>
-            <a:off x="838080" y="4098240"/>
-            <a:ext cx="3385800" cy="2075040"/>
+            <a:off x="609480" y="3682080"/>
+            <a:ext cx="3533040" cy="1896840"/>
           </a:xfrm>
           <a:prstGeom prst="rect">
             <a:avLst/>
@@ -2331,18 +2336,15 @@
             <a:normAutofit/>
           </a:bodyPr>
           <a:p>
-            <a:endParaRPr b="0" lang="en-US" sz="2800" spc="-1" strike="noStrike">
-              <a:solidFill>
-                <a:srgbClr val="000000"/>
-              </a:solidFill>
-              <a:latin typeface="Calibri"/>
-            </a:endParaRPr>
-          </a:p>
-        </p:txBody>
-      </p:sp>
-      <p:sp>
-        <p:nvSpPr>
-          <p:cNvPr id="39" name="PlaceHolder 6"/>
+            <a:endParaRPr b="0" lang="en-US" sz="3200" spc="-1" strike="noStrike">
+              <a:latin typeface="Arial"/>
+            </a:endParaRPr>
+          </a:p>
+        </p:txBody>
+      </p:sp>
+      <p:sp>
+        <p:nvSpPr>
+          <p:cNvPr id="36" name="PlaceHolder 6"/>
           <p:cNvSpPr>
             <a:spLocks noGrp="1"/>
           </p:cNvSpPr>
@@ -2352,8 +2354,8 @@
         </p:nvSpPr>
         <p:spPr>
           <a:xfrm>
-            <a:off x="4393440" y="4098240"/>
-            <a:ext cx="3385800" cy="2075040"/>
+            <a:off x="4319640" y="3682080"/>
+            <a:ext cx="3533040" cy="1896840"/>
           </a:xfrm>
           <a:prstGeom prst="rect">
             <a:avLst/>
@@ -2364,18 +2366,15 @@
             <a:normAutofit/>
           </a:bodyPr>
           <a:p>
-            <a:endParaRPr b="0" lang="en-US" sz="2800" spc="-1" strike="noStrike">
-              <a:solidFill>
-                <a:srgbClr val="000000"/>
-              </a:solidFill>
-              <a:latin typeface="Calibri"/>
-            </a:endParaRPr>
-          </a:p>
-        </p:txBody>
-      </p:sp>
-      <p:sp>
-        <p:nvSpPr>
-          <p:cNvPr id="40" name="PlaceHolder 7"/>
+            <a:endParaRPr b="0" lang="en-US" sz="3200" spc="-1" strike="noStrike">
+              <a:latin typeface="Arial"/>
+            </a:endParaRPr>
+          </a:p>
+        </p:txBody>
+      </p:sp>
+      <p:sp>
+        <p:nvSpPr>
+          <p:cNvPr id="37" name="PlaceHolder 7"/>
           <p:cNvSpPr>
             <a:spLocks noGrp="1"/>
           </p:cNvSpPr>
@@ -2385,8 +2384,8 @@
         </p:nvSpPr>
         <p:spPr>
           <a:xfrm>
-            <a:off x="7949160" y="4098240"/>
-            <a:ext cx="3385800" cy="2075040"/>
+            <a:off x="8029800" y="3682080"/>
+            <a:ext cx="3533040" cy="1896840"/>
           </a:xfrm>
           <a:prstGeom prst="rect">
             <a:avLst/>
@@ -2397,11 +2396,8 @@
             <a:normAutofit/>
           </a:bodyPr>
           <a:p>
-            <a:endParaRPr b="0" lang="en-US" sz="2800" spc="-1" strike="noStrike">
-              <a:solidFill>
-                <a:srgbClr val="000000"/>
-              </a:solidFill>
-              <a:latin typeface="Calibri"/>
+            <a:endParaRPr b="0" lang="en-US" sz="3200" spc="-1" strike="noStrike">
+              <a:latin typeface="Arial"/>
             </a:endParaRPr>
           </a:p>
         </p:txBody>
@@ -2452,7 +2448,7 @@
       </p:grpSpPr>
       <p:sp>
         <p:nvSpPr>
-          <p:cNvPr id="46" name="PlaceHolder 1"/>
+          <p:cNvPr id="40" name="PlaceHolder 1"/>
           <p:cNvSpPr>
             <a:spLocks noGrp="1"/>
           </p:cNvSpPr>
@@ -2462,8 +2458,8 @@
         </p:nvSpPr>
         <p:spPr>
           <a:xfrm>
-            <a:off x="838080" y="365040"/>
-            <a:ext cx="10515240" cy="1325160"/>
+            <a:off x="609480" y="273600"/>
+            <a:ext cx="10972440" cy="1144800"/>
           </a:xfrm>
           <a:prstGeom prst="rect">
             <a:avLst/>
@@ -2474,18 +2470,16 @@
             <a:noAutofit/>
           </a:bodyPr>
           <a:p>
-            <a:endParaRPr b="0" lang="en-US" sz="1800" spc="-1" strike="noStrike">
-              <a:solidFill>
-                <a:srgbClr val="000000"/>
-              </a:solidFill>
-              <a:latin typeface="Calibri"/>
-            </a:endParaRPr>
-          </a:p>
-        </p:txBody>
-      </p:sp>
-      <p:sp>
-        <p:nvSpPr>
-          <p:cNvPr id="47" name="PlaceHolder 2"/>
+            <a:pPr algn="ctr"/>
+            <a:endParaRPr b="0" lang="en-US" sz="4400" spc="-1" strike="noStrike">
+              <a:latin typeface="Arial"/>
+            </a:endParaRPr>
+          </a:p>
+        </p:txBody>
+      </p:sp>
+      <p:sp>
+        <p:nvSpPr>
+          <p:cNvPr id="41" name="PlaceHolder 2"/>
           <p:cNvSpPr>
             <a:spLocks noGrp="1"/>
           </p:cNvSpPr>
@@ -2495,8 +2489,8 @@
         </p:nvSpPr>
         <p:spPr>
           <a:xfrm>
-            <a:off x="838080" y="1825560"/>
-            <a:ext cx="10515240" cy="4350960"/>
+            <a:off x="609480" y="1604520"/>
+            <a:ext cx="10972440" cy="3977280"/>
           </a:xfrm>
           <a:prstGeom prst="rect">
             <a:avLst/>
@@ -2538,7 +2532,7 @@
       </p:grpSpPr>
       <p:sp>
         <p:nvSpPr>
-          <p:cNvPr id="48" name="PlaceHolder 1"/>
+          <p:cNvPr id="42" name="PlaceHolder 1"/>
           <p:cNvSpPr>
             <a:spLocks noGrp="1"/>
           </p:cNvSpPr>
@@ -2548,8 +2542,8 @@
         </p:nvSpPr>
         <p:spPr>
           <a:xfrm>
-            <a:off x="838080" y="365040"/>
-            <a:ext cx="10515240" cy="1325160"/>
+            <a:off x="609480" y="273600"/>
+            <a:ext cx="10972440" cy="1144800"/>
           </a:xfrm>
           <a:prstGeom prst="rect">
             <a:avLst/>
@@ -2560,18 +2554,16 @@
             <a:noAutofit/>
           </a:bodyPr>
           <a:p>
-            <a:endParaRPr b="0" lang="en-US" sz="1800" spc="-1" strike="noStrike">
-              <a:solidFill>
-                <a:srgbClr val="000000"/>
-              </a:solidFill>
-              <a:latin typeface="Calibri"/>
-            </a:endParaRPr>
-          </a:p>
-        </p:txBody>
-      </p:sp>
-      <p:sp>
-        <p:nvSpPr>
-          <p:cNvPr id="49" name="PlaceHolder 2"/>
+            <a:pPr algn="ctr"/>
+            <a:endParaRPr b="0" lang="en-US" sz="4400" spc="-1" strike="noStrike">
+              <a:latin typeface="Arial"/>
+            </a:endParaRPr>
+          </a:p>
+        </p:txBody>
+      </p:sp>
+      <p:sp>
+        <p:nvSpPr>
+          <p:cNvPr id="43" name="PlaceHolder 2"/>
           <p:cNvSpPr>
             <a:spLocks noGrp="1"/>
           </p:cNvSpPr>
@@ -2581,8 +2573,8 @@
         </p:nvSpPr>
         <p:spPr>
           <a:xfrm>
-            <a:off x="838080" y="1825560"/>
-            <a:ext cx="10515240" cy="4350960"/>
+            <a:off x="609480" y="1604520"/>
+            <a:ext cx="10972440" cy="3977280"/>
           </a:xfrm>
           <a:prstGeom prst="rect">
             <a:avLst/>
@@ -2593,11 +2585,8 @@
             <a:normAutofit/>
           </a:bodyPr>
           <a:p>
-            <a:endParaRPr b="0" lang="en-US" sz="2800" spc="-1" strike="noStrike">
-              <a:solidFill>
-                <a:srgbClr val="000000"/>
-              </a:solidFill>
-              <a:latin typeface="Calibri"/>
+            <a:endParaRPr b="0" lang="en-US" sz="3200" spc="-1" strike="noStrike">
+              <a:latin typeface="Arial"/>
             </a:endParaRPr>
           </a:p>
         </p:txBody>
@@ -2626,7 +2615,7 @@
       </p:grpSpPr>
       <p:sp>
         <p:nvSpPr>
-          <p:cNvPr id="50" name="PlaceHolder 1"/>
+          <p:cNvPr id="44" name="PlaceHolder 1"/>
           <p:cNvSpPr>
             <a:spLocks noGrp="1"/>
           </p:cNvSpPr>
@@ -2636,8 +2625,8 @@
         </p:nvSpPr>
         <p:spPr>
           <a:xfrm>
-            <a:off x="838080" y="365040"/>
-            <a:ext cx="10515240" cy="1325160"/>
+            <a:off x="609480" y="273600"/>
+            <a:ext cx="10972440" cy="1144800"/>
           </a:xfrm>
           <a:prstGeom prst="rect">
             <a:avLst/>
@@ -2648,18 +2637,16 @@
             <a:noAutofit/>
           </a:bodyPr>
           <a:p>
-            <a:endParaRPr b="0" lang="en-US" sz="1800" spc="-1" strike="noStrike">
-              <a:solidFill>
-                <a:srgbClr val="000000"/>
-              </a:solidFill>
-              <a:latin typeface="Calibri"/>
-            </a:endParaRPr>
-          </a:p>
-        </p:txBody>
-      </p:sp>
-      <p:sp>
-        <p:nvSpPr>
-          <p:cNvPr id="51" name="PlaceHolder 2"/>
+            <a:pPr algn="ctr"/>
+            <a:endParaRPr b="0" lang="en-US" sz="4400" spc="-1" strike="noStrike">
+              <a:latin typeface="Arial"/>
+            </a:endParaRPr>
+          </a:p>
+        </p:txBody>
+      </p:sp>
+      <p:sp>
+        <p:nvSpPr>
+          <p:cNvPr id="45" name="PlaceHolder 2"/>
           <p:cNvSpPr>
             <a:spLocks noGrp="1"/>
           </p:cNvSpPr>
@@ -2669,8 +2656,8 @@
         </p:nvSpPr>
         <p:spPr>
           <a:xfrm>
-            <a:off x="838080" y="1825560"/>
-            <a:ext cx="5131080" cy="4350960"/>
+            <a:off x="609480" y="1604520"/>
+            <a:ext cx="5354280" cy="3977280"/>
           </a:xfrm>
           <a:prstGeom prst="rect">
             <a:avLst/>
@@ -2681,18 +2668,15 @@
             <a:normAutofit/>
           </a:bodyPr>
           <a:p>
-            <a:endParaRPr b="0" lang="en-US" sz="2800" spc="-1" strike="noStrike">
-              <a:solidFill>
-                <a:srgbClr val="000000"/>
-              </a:solidFill>
-              <a:latin typeface="Calibri"/>
-            </a:endParaRPr>
-          </a:p>
-        </p:txBody>
-      </p:sp>
-      <p:sp>
-        <p:nvSpPr>
-          <p:cNvPr id="52" name="PlaceHolder 3"/>
+            <a:endParaRPr b="0" lang="en-US" sz="3200" spc="-1" strike="noStrike">
+              <a:latin typeface="Arial"/>
+            </a:endParaRPr>
+          </a:p>
+        </p:txBody>
+      </p:sp>
+      <p:sp>
+        <p:nvSpPr>
+          <p:cNvPr id="46" name="PlaceHolder 3"/>
           <p:cNvSpPr>
             <a:spLocks noGrp="1"/>
           </p:cNvSpPr>
@@ -2702,8 +2686,8 @@
         </p:nvSpPr>
         <p:spPr>
           <a:xfrm>
-            <a:off x="6226200" y="1825560"/>
-            <a:ext cx="5131080" cy="4350960"/>
+            <a:off x="6231960" y="1604520"/>
+            <a:ext cx="5354280" cy="3977280"/>
           </a:xfrm>
           <a:prstGeom prst="rect">
             <a:avLst/>
@@ -2714,11 +2698,8 @@
             <a:normAutofit/>
           </a:bodyPr>
           <a:p>
-            <a:endParaRPr b="0" lang="en-US" sz="2800" spc="-1" strike="noStrike">
-              <a:solidFill>
-                <a:srgbClr val="000000"/>
-              </a:solidFill>
-              <a:latin typeface="Calibri"/>
+            <a:endParaRPr b="0" lang="en-US" sz="3200" spc="-1" strike="noStrike">
+              <a:latin typeface="Arial"/>
             </a:endParaRPr>
           </a:p>
         </p:txBody>
@@ -2747,7 +2728,7 @@
       </p:grpSpPr>
       <p:sp>
         <p:nvSpPr>
-          <p:cNvPr id="53" name="PlaceHolder 1"/>
+          <p:cNvPr id="47" name="PlaceHolder 1"/>
           <p:cNvSpPr>
             <a:spLocks noGrp="1"/>
           </p:cNvSpPr>
@@ -2757,8 +2738,8 @@
         </p:nvSpPr>
         <p:spPr>
           <a:xfrm>
-            <a:off x="838080" y="365040"/>
-            <a:ext cx="10515240" cy="1325160"/>
+            <a:off x="609480" y="273600"/>
+            <a:ext cx="10972440" cy="1144800"/>
           </a:xfrm>
           <a:prstGeom prst="rect">
             <a:avLst/>
@@ -2769,11 +2750,9 @@
             <a:noAutofit/>
           </a:bodyPr>
           <a:p>
-            <a:endParaRPr b="0" lang="en-US" sz="1800" spc="-1" strike="noStrike">
-              <a:solidFill>
-                <a:srgbClr val="000000"/>
-              </a:solidFill>
-              <a:latin typeface="Calibri"/>
+            <a:pPr algn="ctr"/>
+            <a:endParaRPr b="0" lang="en-US" sz="4400" spc="-1" strike="noStrike">
+              <a:latin typeface="Arial"/>
             </a:endParaRPr>
           </a:p>
         </p:txBody>
@@ -2802,7 +2781,7 @@
       </p:grpSpPr>
       <p:sp>
         <p:nvSpPr>
-          <p:cNvPr id="54" name="PlaceHolder 1"/>
+          <p:cNvPr id="48" name="PlaceHolder 1"/>
           <p:cNvSpPr>
             <a:spLocks noGrp="1"/>
           </p:cNvSpPr>
@@ -2812,8 +2791,8 @@
         </p:nvSpPr>
         <p:spPr>
           <a:xfrm>
-            <a:off x="838080" y="365040"/>
-            <a:ext cx="10515240" cy="6144120"/>
+            <a:off x="609480" y="273600"/>
+            <a:ext cx="10972440" cy="5307840"/>
           </a:xfrm>
           <a:prstGeom prst="rect">
             <a:avLst/>
@@ -2855,7 +2834,7 @@
       </p:grpSpPr>
       <p:sp>
         <p:nvSpPr>
-          <p:cNvPr id="55" name="PlaceHolder 1"/>
+          <p:cNvPr id="49" name="PlaceHolder 1"/>
           <p:cNvSpPr>
             <a:spLocks noGrp="1"/>
           </p:cNvSpPr>
@@ -2865,8 +2844,8 @@
         </p:nvSpPr>
         <p:spPr>
           <a:xfrm>
-            <a:off x="838080" y="365040"/>
-            <a:ext cx="10515240" cy="1325160"/>
+            <a:off x="609480" y="273600"/>
+            <a:ext cx="10972440" cy="1144800"/>
           </a:xfrm>
           <a:prstGeom prst="rect">
             <a:avLst/>
@@ -2877,18 +2856,16 @@
             <a:noAutofit/>
           </a:bodyPr>
           <a:p>
-            <a:endParaRPr b="0" lang="en-US" sz="1800" spc="-1" strike="noStrike">
-              <a:solidFill>
-                <a:srgbClr val="000000"/>
-              </a:solidFill>
-              <a:latin typeface="Calibri"/>
-            </a:endParaRPr>
-          </a:p>
-        </p:txBody>
-      </p:sp>
-      <p:sp>
-        <p:nvSpPr>
-          <p:cNvPr id="56" name="PlaceHolder 2"/>
+            <a:pPr algn="ctr"/>
+            <a:endParaRPr b="0" lang="en-US" sz="4400" spc="-1" strike="noStrike">
+              <a:latin typeface="Arial"/>
+            </a:endParaRPr>
+          </a:p>
+        </p:txBody>
+      </p:sp>
+      <p:sp>
+        <p:nvSpPr>
+          <p:cNvPr id="50" name="PlaceHolder 2"/>
           <p:cNvSpPr>
             <a:spLocks noGrp="1"/>
           </p:cNvSpPr>
@@ -2898,8 +2875,8 @@
         </p:nvSpPr>
         <p:spPr>
           <a:xfrm>
-            <a:off x="838080" y="1825560"/>
-            <a:ext cx="5131080" cy="2075040"/>
+            <a:off x="609480" y="1604520"/>
+            <a:ext cx="5354280" cy="1896840"/>
           </a:xfrm>
           <a:prstGeom prst="rect">
             <a:avLst/>
@@ -2910,18 +2887,15 @@
             <a:normAutofit/>
           </a:bodyPr>
           <a:p>
-            <a:endParaRPr b="0" lang="en-US" sz="2800" spc="-1" strike="noStrike">
-              <a:solidFill>
-                <a:srgbClr val="000000"/>
-              </a:solidFill>
-              <a:latin typeface="Calibri"/>
-            </a:endParaRPr>
-          </a:p>
-        </p:txBody>
-      </p:sp>
-      <p:sp>
-        <p:nvSpPr>
-          <p:cNvPr id="57" name="PlaceHolder 3"/>
+            <a:endParaRPr b="0" lang="en-US" sz="3200" spc="-1" strike="noStrike">
+              <a:latin typeface="Arial"/>
+            </a:endParaRPr>
+          </a:p>
+        </p:txBody>
+      </p:sp>
+      <p:sp>
+        <p:nvSpPr>
+          <p:cNvPr id="51" name="PlaceHolder 3"/>
           <p:cNvSpPr>
             <a:spLocks noGrp="1"/>
           </p:cNvSpPr>
@@ -2931,8 +2905,8 @@
         </p:nvSpPr>
         <p:spPr>
           <a:xfrm>
-            <a:off x="6226200" y="1825560"/>
-            <a:ext cx="5131080" cy="4350960"/>
+            <a:off x="6231960" y="1604520"/>
+            <a:ext cx="5354280" cy="3977280"/>
           </a:xfrm>
           <a:prstGeom prst="rect">
             <a:avLst/>
@@ -2943,18 +2917,15 @@
             <a:normAutofit/>
           </a:bodyPr>
           <a:p>
-            <a:endParaRPr b="0" lang="en-US" sz="2800" spc="-1" strike="noStrike">
-              <a:solidFill>
-                <a:srgbClr val="000000"/>
-              </a:solidFill>
-              <a:latin typeface="Calibri"/>
-            </a:endParaRPr>
-          </a:p>
-        </p:txBody>
-      </p:sp>
-      <p:sp>
-        <p:nvSpPr>
-          <p:cNvPr id="58" name="PlaceHolder 4"/>
+            <a:endParaRPr b="0" lang="en-US" sz="3200" spc="-1" strike="noStrike">
+              <a:latin typeface="Arial"/>
+            </a:endParaRPr>
+          </a:p>
+        </p:txBody>
+      </p:sp>
+      <p:sp>
+        <p:nvSpPr>
+          <p:cNvPr id="52" name="PlaceHolder 4"/>
           <p:cNvSpPr>
             <a:spLocks noGrp="1"/>
           </p:cNvSpPr>
@@ -2964,8 +2935,8 @@
         </p:nvSpPr>
         <p:spPr>
           <a:xfrm>
-            <a:off x="838080" y="4098240"/>
-            <a:ext cx="5131080" cy="2075040"/>
+            <a:off x="609480" y="3682080"/>
+            <a:ext cx="5354280" cy="1896840"/>
           </a:xfrm>
           <a:prstGeom prst="rect">
             <a:avLst/>
@@ -2976,11 +2947,8 @@
             <a:normAutofit/>
           </a:bodyPr>
           <a:p>
-            <a:endParaRPr b="0" lang="en-US" sz="2800" spc="-1" strike="noStrike">
-              <a:solidFill>
-                <a:srgbClr val="000000"/>
-              </a:solidFill>
-              <a:latin typeface="Calibri"/>
+            <a:endParaRPr b="0" lang="en-US" sz="3200" spc="-1" strike="noStrike">
+              <a:latin typeface="Arial"/>
             </a:endParaRPr>
           </a:p>
         </p:txBody>
@@ -3009,7 +2977,7 @@
       </p:grpSpPr>
       <p:sp>
         <p:nvSpPr>
-          <p:cNvPr id="5" name="PlaceHolder 1"/>
+          <p:cNvPr id="2" name="PlaceHolder 1"/>
           <p:cNvSpPr>
             <a:spLocks noGrp="1"/>
           </p:cNvSpPr>
@@ -3019,8 +2987,8 @@
         </p:nvSpPr>
         <p:spPr>
           <a:xfrm>
-            <a:off x="838080" y="365040"/>
-            <a:ext cx="10515240" cy="1325160"/>
+            <a:off x="609480" y="273600"/>
+            <a:ext cx="10972440" cy="1144800"/>
           </a:xfrm>
           <a:prstGeom prst="rect">
             <a:avLst/>
@@ -3031,18 +2999,16 @@
             <a:noAutofit/>
           </a:bodyPr>
           <a:p>
-            <a:endParaRPr b="0" lang="en-US" sz="1800" spc="-1" strike="noStrike">
-              <a:solidFill>
-                <a:srgbClr val="000000"/>
-              </a:solidFill>
-              <a:latin typeface="Calibri"/>
-            </a:endParaRPr>
-          </a:p>
-        </p:txBody>
-      </p:sp>
-      <p:sp>
-        <p:nvSpPr>
-          <p:cNvPr id="6" name="PlaceHolder 2"/>
+            <a:pPr algn="ctr"/>
+            <a:endParaRPr b="0" lang="en-US" sz="4400" spc="-1" strike="noStrike">
+              <a:latin typeface="Arial"/>
+            </a:endParaRPr>
+          </a:p>
+        </p:txBody>
+      </p:sp>
+      <p:sp>
+        <p:nvSpPr>
+          <p:cNvPr id="3" name="PlaceHolder 2"/>
           <p:cNvSpPr>
             <a:spLocks noGrp="1"/>
           </p:cNvSpPr>
@@ -3052,8 +3018,8 @@
         </p:nvSpPr>
         <p:spPr>
           <a:xfrm>
-            <a:off x="838080" y="1825560"/>
-            <a:ext cx="10515240" cy="4350960"/>
+            <a:off x="609480" y="1604520"/>
+            <a:ext cx="10972440" cy="3977280"/>
           </a:xfrm>
           <a:prstGeom prst="rect">
             <a:avLst/>
@@ -3095,7 +3061,7 @@
       </p:grpSpPr>
       <p:sp>
         <p:nvSpPr>
-          <p:cNvPr id="59" name="PlaceHolder 1"/>
+          <p:cNvPr id="53" name="PlaceHolder 1"/>
           <p:cNvSpPr>
             <a:spLocks noGrp="1"/>
           </p:cNvSpPr>
@@ -3105,8 +3071,8 @@
         </p:nvSpPr>
         <p:spPr>
           <a:xfrm>
-            <a:off x="838080" y="365040"/>
-            <a:ext cx="10515240" cy="1325160"/>
+            <a:off x="609480" y="273600"/>
+            <a:ext cx="10972440" cy="1144800"/>
           </a:xfrm>
           <a:prstGeom prst="rect">
             <a:avLst/>
@@ -3117,18 +3083,16 @@
             <a:noAutofit/>
           </a:bodyPr>
           <a:p>
-            <a:endParaRPr b="0" lang="en-US" sz="1800" spc="-1" strike="noStrike">
-              <a:solidFill>
-                <a:srgbClr val="000000"/>
-              </a:solidFill>
-              <a:latin typeface="Calibri"/>
-            </a:endParaRPr>
-          </a:p>
-        </p:txBody>
-      </p:sp>
-      <p:sp>
-        <p:nvSpPr>
-          <p:cNvPr id="60" name="PlaceHolder 2"/>
+            <a:pPr algn="ctr"/>
+            <a:endParaRPr b="0" lang="en-US" sz="4400" spc="-1" strike="noStrike">
+              <a:latin typeface="Arial"/>
+            </a:endParaRPr>
+          </a:p>
+        </p:txBody>
+      </p:sp>
+      <p:sp>
+        <p:nvSpPr>
+          <p:cNvPr id="54" name="PlaceHolder 2"/>
           <p:cNvSpPr>
             <a:spLocks noGrp="1"/>
           </p:cNvSpPr>
@@ -3138,8 +3102,8 @@
         </p:nvSpPr>
         <p:spPr>
           <a:xfrm>
-            <a:off x="838080" y="1825560"/>
-            <a:ext cx="5131080" cy="4350960"/>
+            <a:off x="609480" y="1604520"/>
+            <a:ext cx="5354280" cy="3977280"/>
           </a:xfrm>
           <a:prstGeom prst="rect">
             <a:avLst/>
@@ -3150,18 +3114,15 @@
             <a:normAutofit/>
           </a:bodyPr>
           <a:p>
-            <a:endParaRPr b="0" lang="en-US" sz="2800" spc="-1" strike="noStrike">
-              <a:solidFill>
-                <a:srgbClr val="000000"/>
-              </a:solidFill>
-              <a:latin typeface="Calibri"/>
-            </a:endParaRPr>
-          </a:p>
-        </p:txBody>
-      </p:sp>
-      <p:sp>
-        <p:nvSpPr>
-          <p:cNvPr id="61" name="PlaceHolder 3"/>
+            <a:endParaRPr b="0" lang="en-US" sz="3200" spc="-1" strike="noStrike">
+              <a:latin typeface="Arial"/>
+            </a:endParaRPr>
+          </a:p>
+        </p:txBody>
+      </p:sp>
+      <p:sp>
+        <p:nvSpPr>
+          <p:cNvPr id="55" name="PlaceHolder 3"/>
           <p:cNvSpPr>
             <a:spLocks noGrp="1"/>
           </p:cNvSpPr>
@@ -3171,8 +3132,8 @@
         </p:nvSpPr>
         <p:spPr>
           <a:xfrm>
-            <a:off x="6226200" y="1825560"/>
-            <a:ext cx="5131080" cy="2075040"/>
+            <a:off x="6231960" y="1604520"/>
+            <a:ext cx="5354280" cy="1896840"/>
           </a:xfrm>
           <a:prstGeom prst="rect">
             <a:avLst/>
@@ -3183,18 +3144,15 @@
             <a:normAutofit/>
           </a:bodyPr>
           <a:p>
-            <a:endParaRPr b="0" lang="en-US" sz="2800" spc="-1" strike="noStrike">
-              <a:solidFill>
-                <a:srgbClr val="000000"/>
-              </a:solidFill>
-              <a:latin typeface="Calibri"/>
-            </a:endParaRPr>
-          </a:p>
-        </p:txBody>
-      </p:sp>
-      <p:sp>
-        <p:nvSpPr>
-          <p:cNvPr id="62" name="PlaceHolder 4"/>
+            <a:endParaRPr b="0" lang="en-US" sz="3200" spc="-1" strike="noStrike">
+              <a:latin typeface="Arial"/>
+            </a:endParaRPr>
+          </a:p>
+        </p:txBody>
+      </p:sp>
+      <p:sp>
+        <p:nvSpPr>
+          <p:cNvPr id="56" name="PlaceHolder 4"/>
           <p:cNvSpPr>
             <a:spLocks noGrp="1"/>
           </p:cNvSpPr>
@@ -3204,8 +3162,8 @@
         </p:nvSpPr>
         <p:spPr>
           <a:xfrm>
-            <a:off x="6226200" y="4098240"/>
-            <a:ext cx="5131080" cy="2075040"/>
+            <a:off x="6231960" y="3682080"/>
+            <a:ext cx="5354280" cy="1896840"/>
           </a:xfrm>
           <a:prstGeom prst="rect">
             <a:avLst/>
@@ -3216,11 +3174,8 @@
             <a:normAutofit/>
           </a:bodyPr>
           <a:p>
-            <a:endParaRPr b="0" lang="en-US" sz="2800" spc="-1" strike="noStrike">
-              <a:solidFill>
-                <a:srgbClr val="000000"/>
-              </a:solidFill>
-              <a:latin typeface="Calibri"/>
+            <a:endParaRPr b="0" lang="en-US" sz="3200" spc="-1" strike="noStrike">
+              <a:latin typeface="Arial"/>
             </a:endParaRPr>
           </a:p>
         </p:txBody>
@@ -3249,7 +3204,7 @@
       </p:grpSpPr>
       <p:sp>
         <p:nvSpPr>
-          <p:cNvPr id="63" name="PlaceHolder 1"/>
+          <p:cNvPr id="57" name="PlaceHolder 1"/>
           <p:cNvSpPr>
             <a:spLocks noGrp="1"/>
           </p:cNvSpPr>
@@ -3259,8 +3214,8 @@
         </p:nvSpPr>
         <p:spPr>
           <a:xfrm>
-            <a:off x="838080" y="365040"/>
-            <a:ext cx="10515240" cy="1325160"/>
+            <a:off x="609480" y="273600"/>
+            <a:ext cx="10972440" cy="1144800"/>
           </a:xfrm>
           <a:prstGeom prst="rect">
             <a:avLst/>
@@ -3271,18 +3226,16 @@
             <a:noAutofit/>
           </a:bodyPr>
           <a:p>
-            <a:endParaRPr b="0" lang="en-US" sz="1800" spc="-1" strike="noStrike">
-              <a:solidFill>
-                <a:srgbClr val="000000"/>
-              </a:solidFill>
-              <a:latin typeface="Calibri"/>
-            </a:endParaRPr>
-          </a:p>
-        </p:txBody>
-      </p:sp>
-      <p:sp>
-        <p:nvSpPr>
-          <p:cNvPr id="64" name="PlaceHolder 2"/>
+            <a:pPr algn="ctr"/>
+            <a:endParaRPr b="0" lang="en-US" sz="4400" spc="-1" strike="noStrike">
+              <a:latin typeface="Arial"/>
+            </a:endParaRPr>
+          </a:p>
+        </p:txBody>
+      </p:sp>
+      <p:sp>
+        <p:nvSpPr>
+          <p:cNvPr id="58" name="PlaceHolder 2"/>
           <p:cNvSpPr>
             <a:spLocks noGrp="1"/>
           </p:cNvSpPr>
@@ -3292,8 +3245,8 @@
         </p:nvSpPr>
         <p:spPr>
           <a:xfrm>
-            <a:off x="838080" y="1825560"/>
-            <a:ext cx="5131080" cy="2075040"/>
+            <a:off x="609480" y="1604520"/>
+            <a:ext cx="5354280" cy="1896840"/>
           </a:xfrm>
           <a:prstGeom prst="rect">
             <a:avLst/>
@@ -3304,18 +3257,15 @@
             <a:normAutofit/>
           </a:bodyPr>
           <a:p>
-            <a:endParaRPr b="0" lang="en-US" sz="2800" spc="-1" strike="noStrike">
-              <a:solidFill>
-                <a:srgbClr val="000000"/>
-              </a:solidFill>
-              <a:latin typeface="Calibri"/>
-            </a:endParaRPr>
-          </a:p>
-        </p:txBody>
-      </p:sp>
-      <p:sp>
-        <p:nvSpPr>
-          <p:cNvPr id="65" name="PlaceHolder 3"/>
+            <a:endParaRPr b="0" lang="en-US" sz="3200" spc="-1" strike="noStrike">
+              <a:latin typeface="Arial"/>
+            </a:endParaRPr>
+          </a:p>
+        </p:txBody>
+      </p:sp>
+      <p:sp>
+        <p:nvSpPr>
+          <p:cNvPr id="59" name="PlaceHolder 3"/>
           <p:cNvSpPr>
             <a:spLocks noGrp="1"/>
           </p:cNvSpPr>
@@ -3325,8 +3275,8 @@
         </p:nvSpPr>
         <p:spPr>
           <a:xfrm>
-            <a:off x="6226200" y="1825560"/>
-            <a:ext cx="5131080" cy="2075040"/>
+            <a:off x="6231960" y="1604520"/>
+            <a:ext cx="5354280" cy="1896840"/>
           </a:xfrm>
           <a:prstGeom prst="rect">
             <a:avLst/>
@@ -3337,18 +3287,15 @@
             <a:normAutofit/>
           </a:bodyPr>
           <a:p>
-            <a:endParaRPr b="0" lang="en-US" sz="2800" spc="-1" strike="noStrike">
-              <a:solidFill>
-                <a:srgbClr val="000000"/>
-              </a:solidFill>
-              <a:latin typeface="Calibri"/>
-            </a:endParaRPr>
-          </a:p>
-        </p:txBody>
-      </p:sp>
-      <p:sp>
-        <p:nvSpPr>
-          <p:cNvPr id="66" name="PlaceHolder 4"/>
+            <a:endParaRPr b="0" lang="en-US" sz="3200" spc="-1" strike="noStrike">
+              <a:latin typeface="Arial"/>
+            </a:endParaRPr>
+          </a:p>
+        </p:txBody>
+      </p:sp>
+      <p:sp>
+        <p:nvSpPr>
+          <p:cNvPr id="60" name="PlaceHolder 4"/>
           <p:cNvSpPr>
             <a:spLocks noGrp="1"/>
           </p:cNvSpPr>
@@ -3358,8 +3305,8 @@
         </p:nvSpPr>
         <p:spPr>
           <a:xfrm>
-            <a:off x="838080" y="4098240"/>
-            <a:ext cx="10515240" cy="2075040"/>
+            <a:off x="609480" y="3682080"/>
+            <a:ext cx="10972440" cy="1896840"/>
           </a:xfrm>
           <a:prstGeom prst="rect">
             <a:avLst/>
@@ -3370,11 +3317,8 @@
             <a:normAutofit/>
           </a:bodyPr>
           <a:p>
-            <a:endParaRPr b="0" lang="en-US" sz="2800" spc="-1" strike="noStrike">
-              <a:solidFill>
-                <a:srgbClr val="000000"/>
-              </a:solidFill>
-              <a:latin typeface="Calibri"/>
+            <a:endParaRPr b="0" lang="en-US" sz="3200" spc="-1" strike="noStrike">
+              <a:latin typeface="Arial"/>
             </a:endParaRPr>
           </a:p>
         </p:txBody>
@@ -3403,7 +3347,7 @@
       </p:grpSpPr>
       <p:sp>
         <p:nvSpPr>
-          <p:cNvPr id="67" name="PlaceHolder 1"/>
+          <p:cNvPr id="61" name="PlaceHolder 1"/>
           <p:cNvSpPr>
             <a:spLocks noGrp="1"/>
           </p:cNvSpPr>
@@ -3413,8 +3357,8 @@
         </p:nvSpPr>
         <p:spPr>
           <a:xfrm>
-            <a:off x="838080" y="365040"/>
-            <a:ext cx="10515240" cy="1325160"/>
+            <a:off x="609480" y="273600"/>
+            <a:ext cx="10972440" cy="1144800"/>
           </a:xfrm>
           <a:prstGeom prst="rect">
             <a:avLst/>
@@ -3425,18 +3369,16 @@
             <a:noAutofit/>
           </a:bodyPr>
           <a:p>
-            <a:endParaRPr b="0" lang="en-US" sz="1800" spc="-1" strike="noStrike">
-              <a:solidFill>
-                <a:srgbClr val="000000"/>
-              </a:solidFill>
-              <a:latin typeface="Calibri"/>
-            </a:endParaRPr>
-          </a:p>
-        </p:txBody>
-      </p:sp>
-      <p:sp>
-        <p:nvSpPr>
-          <p:cNvPr id="68" name="PlaceHolder 2"/>
+            <a:pPr algn="ctr"/>
+            <a:endParaRPr b="0" lang="en-US" sz="4400" spc="-1" strike="noStrike">
+              <a:latin typeface="Arial"/>
+            </a:endParaRPr>
+          </a:p>
+        </p:txBody>
+      </p:sp>
+      <p:sp>
+        <p:nvSpPr>
+          <p:cNvPr id="62" name="PlaceHolder 2"/>
           <p:cNvSpPr>
             <a:spLocks noGrp="1"/>
           </p:cNvSpPr>
@@ -3446,8 +3388,8 @@
         </p:nvSpPr>
         <p:spPr>
           <a:xfrm>
-            <a:off x="838080" y="1825560"/>
-            <a:ext cx="10515240" cy="2075040"/>
+            <a:off x="609480" y="1604520"/>
+            <a:ext cx="10972440" cy="1896840"/>
           </a:xfrm>
           <a:prstGeom prst="rect">
             <a:avLst/>
@@ -3458,18 +3400,15 @@
             <a:normAutofit/>
           </a:bodyPr>
           <a:p>
-            <a:endParaRPr b="0" lang="en-US" sz="2800" spc="-1" strike="noStrike">
-              <a:solidFill>
-                <a:srgbClr val="000000"/>
-              </a:solidFill>
-              <a:latin typeface="Calibri"/>
-            </a:endParaRPr>
-          </a:p>
-        </p:txBody>
-      </p:sp>
-      <p:sp>
-        <p:nvSpPr>
-          <p:cNvPr id="69" name="PlaceHolder 3"/>
+            <a:endParaRPr b="0" lang="en-US" sz="3200" spc="-1" strike="noStrike">
+              <a:latin typeface="Arial"/>
+            </a:endParaRPr>
+          </a:p>
+        </p:txBody>
+      </p:sp>
+      <p:sp>
+        <p:nvSpPr>
+          <p:cNvPr id="63" name="PlaceHolder 3"/>
           <p:cNvSpPr>
             <a:spLocks noGrp="1"/>
           </p:cNvSpPr>
@@ -3479,8 +3418,8 @@
         </p:nvSpPr>
         <p:spPr>
           <a:xfrm>
-            <a:off x="838080" y="4098240"/>
-            <a:ext cx="10515240" cy="2075040"/>
+            <a:off x="609480" y="3682080"/>
+            <a:ext cx="10972440" cy="1896840"/>
           </a:xfrm>
           <a:prstGeom prst="rect">
             <a:avLst/>
@@ -3491,11 +3430,8 @@
             <a:normAutofit/>
           </a:bodyPr>
           <a:p>
-            <a:endParaRPr b="0" lang="en-US" sz="2800" spc="-1" strike="noStrike">
-              <a:solidFill>
-                <a:srgbClr val="000000"/>
-              </a:solidFill>
-              <a:latin typeface="Calibri"/>
+            <a:endParaRPr b="0" lang="en-US" sz="3200" spc="-1" strike="noStrike">
+              <a:latin typeface="Arial"/>
             </a:endParaRPr>
           </a:p>
         </p:txBody>
@@ -3524,7 +3460,7 @@
       </p:grpSpPr>
       <p:sp>
         <p:nvSpPr>
-          <p:cNvPr id="70" name="PlaceHolder 1"/>
+          <p:cNvPr id="64" name="PlaceHolder 1"/>
           <p:cNvSpPr>
             <a:spLocks noGrp="1"/>
           </p:cNvSpPr>
@@ -3534,8 +3470,8 @@
         </p:nvSpPr>
         <p:spPr>
           <a:xfrm>
-            <a:off x="838080" y="365040"/>
-            <a:ext cx="10515240" cy="1325160"/>
+            <a:off x="609480" y="273600"/>
+            <a:ext cx="10972440" cy="1144800"/>
           </a:xfrm>
           <a:prstGeom prst="rect">
             <a:avLst/>
@@ -3546,18 +3482,16 @@
             <a:noAutofit/>
           </a:bodyPr>
           <a:p>
-            <a:endParaRPr b="0" lang="en-US" sz="1800" spc="-1" strike="noStrike">
-              <a:solidFill>
-                <a:srgbClr val="000000"/>
-              </a:solidFill>
-              <a:latin typeface="Calibri"/>
-            </a:endParaRPr>
-          </a:p>
-        </p:txBody>
-      </p:sp>
-      <p:sp>
-        <p:nvSpPr>
-          <p:cNvPr id="71" name="PlaceHolder 2"/>
+            <a:pPr algn="ctr"/>
+            <a:endParaRPr b="0" lang="en-US" sz="4400" spc="-1" strike="noStrike">
+              <a:latin typeface="Arial"/>
+            </a:endParaRPr>
+          </a:p>
+        </p:txBody>
+      </p:sp>
+      <p:sp>
+        <p:nvSpPr>
+          <p:cNvPr id="65" name="PlaceHolder 2"/>
           <p:cNvSpPr>
             <a:spLocks noGrp="1"/>
           </p:cNvSpPr>
@@ -3567,8 +3501,8 @@
         </p:nvSpPr>
         <p:spPr>
           <a:xfrm>
-            <a:off x="838080" y="1825560"/>
-            <a:ext cx="5131080" cy="2075040"/>
+            <a:off x="609480" y="1604520"/>
+            <a:ext cx="5354280" cy="1896840"/>
           </a:xfrm>
           <a:prstGeom prst="rect">
             <a:avLst/>
@@ -3579,18 +3513,15 @@
             <a:normAutofit/>
           </a:bodyPr>
           <a:p>
-            <a:endParaRPr b="0" lang="en-US" sz="2800" spc="-1" strike="noStrike">
-              <a:solidFill>
-                <a:srgbClr val="000000"/>
-              </a:solidFill>
-              <a:latin typeface="Calibri"/>
-            </a:endParaRPr>
-          </a:p>
-        </p:txBody>
-      </p:sp>
-      <p:sp>
-        <p:nvSpPr>
-          <p:cNvPr id="72" name="PlaceHolder 3"/>
+            <a:endParaRPr b="0" lang="en-US" sz="3200" spc="-1" strike="noStrike">
+              <a:latin typeface="Arial"/>
+            </a:endParaRPr>
+          </a:p>
+        </p:txBody>
+      </p:sp>
+      <p:sp>
+        <p:nvSpPr>
+          <p:cNvPr id="66" name="PlaceHolder 3"/>
           <p:cNvSpPr>
             <a:spLocks noGrp="1"/>
           </p:cNvSpPr>
@@ -3600,8 +3531,8 @@
         </p:nvSpPr>
         <p:spPr>
           <a:xfrm>
-            <a:off x="6226200" y="1825560"/>
-            <a:ext cx="5131080" cy="2075040"/>
+            <a:off x="6231960" y="1604520"/>
+            <a:ext cx="5354280" cy="1896840"/>
           </a:xfrm>
           <a:prstGeom prst="rect">
             <a:avLst/>
@@ -3612,18 +3543,15 @@
             <a:normAutofit/>
           </a:bodyPr>
           <a:p>
-            <a:endParaRPr b="0" lang="en-US" sz="2800" spc="-1" strike="noStrike">
-              <a:solidFill>
-                <a:srgbClr val="000000"/>
-              </a:solidFill>
-              <a:latin typeface="Calibri"/>
-            </a:endParaRPr>
-          </a:p>
-        </p:txBody>
-      </p:sp>
-      <p:sp>
-        <p:nvSpPr>
-          <p:cNvPr id="73" name="PlaceHolder 4"/>
+            <a:endParaRPr b="0" lang="en-US" sz="3200" spc="-1" strike="noStrike">
+              <a:latin typeface="Arial"/>
+            </a:endParaRPr>
+          </a:p>
+        </p:txBody>
+      </p:sp>
+      <p:sp>
+        <p:nvSpPr>
+          <p:cNvPr id="67" name="PlaceHolder 4"/>
           <p:cNvSpPr>
             <a:spLocks noGrp="1"/>
           </p:cNvSpPr>
@@ -3633,8 +3561,8 @@
         </p:nvSpPr>
         <p:spPr>
           <a:xfrm>
-            <a:off x="838080" y="4098240"/>
-            <a:ext cx="5131080" cy="2075040"/>
+            <a:off x="609480" y="3682080"/>
+            <a:ext cx="5354280" cy="1896840"/>
           </a:xfrm>
           <a:prstGeom prst="rect">
             <a:avLst/>
@@ -3645,18 +3573,15 @@
             <a:normAutofit/>
           </a:bodyPr>
           <a:p>
-            <a:endParaRPr b="0" lang="en-US" sz="2800" spc="-1" strike="noStrike">
-              <a:solidFill>
-                <a:srgbClr val="000000"/>
-              </a:solidFill>
-              <a:latin typeface="Calibri"/>
-            </a:endParaRPr>
-          </a:p>
-        </p:txBody>
-      </p:sp>
-      <p:sp>
-        <p:nvSpPr>
-          <p:cNvPr id="74" name="PlaceHolder 5"/>
+            <a:endParaRPr b="0" lang="en-US" sz="3200" spc="-1" strike="noStrike">
+              <a:latin typeface="Arial"/>
+            </a:endParaRPr>
+          </a:p>
+        </p:txBody>
+      </p:sp>
+      <p:sp>
+        <p:nvSpPr>
+          <p:cNvPr id="68" name="PlaceHolder 5"/>
           <p:cNvSpPr>
             <a:spLocks noGrp="1"/>
           </p:cNvSpPr>
@@ -3666,8 +3591,8 @@
         </p:nvSpPr>
         <p:spPr>
           <a:xfrm>
-            <a:off x="6226200" y="4098240"/>
-            <a:ext cx="5131080" cy="2075040"/>
+            <a:off x="6231960" y="3682080"/>
+            <a:ext cx="5354280" cy="1896840"/>
           </a:xfrm>
           <a:prstGeom prst="rect">
             <a:avLst/>
@@ -3678,11 +3603,8 @@
             <a:normAutofit/>
           </a:bodyPr>
           <a:p>
-            <a:endParaRPr b="0" lang="en-US" sz="2800" spc="-1" strike="noStrike">
-              <a:solidFill>
-                <a:srgbClr val="000000"/>
-              </a:solidFill>
-              <a:latin typeface="Calibri"/>
+            <a:endParaRPr b="0" lang="en-US" sz="3200" spc="-1" strike="noStrike">
+              <a:latin typeface="Arial"/>
             </a:endParaRPr>
           </a:p>
         </p:txBody>
@@ -3711,7 +3633,7 @@
       </p:grpSpPr>
       <p:sp>
         <p:nvSpPr>
-          <p:cNvPr id="75" name="PlaceHolder 1"/>
+          <p:cNvPr id="69" name="PlaceHolder 1"/>
           <p:cNvSpPr>
             <a:spLocks noGrp="1"/>
           </p:cNvSpPr>
@@ -3721,8 +3643,8 @@
         </p:nvSpPr>
         <p:spPr>
           <a:xfrm>
-            <a:off x="838080" y="365040"/>
-            <a:ext cx="10515240" cy="1325160"/>
+            <a:off x="609480" y="273600"/>
+            <a:ext cx="10972440" cy="1144800"/>
           </a:xfrm>
           <a:prstGeom prst="rect">
             <a:avLst/>
@@ -3733,18 +3655,16 @@
             <a:noAutofit/>
           </a:bodyPr>
           <a:p>
-            <a:endParaRPr b="0" lang="en-US" sz="1800" spc="-1" strike="noStrike">
-              <a:solidFill>
-                <a:srgbClr val="000000"/>
-              </a:solidFill>
-              <a:latin typeface="Calibri"/>
-            </a:endParaRPr>
-          </a:p>
-        </p:txBody>
-      </p:sp>
-      <p:sp>
-        <p:nvSpPr>
-          <p:cNvPr id="76" name="PlaceHolder 2"/>
+            <a:pPr algn="ctr"/>
+            <a:endParaRPr b="0" lang="en-US" sz="4400" spc="-1" strike="noStrike">
+              <a:latin typeface="Arial"/>
+            </a:endParaRPr>
+          </a:p>
+        </p:txBody>
+      </p:sp>
+      <p:sp>
+        <p:nvSpPr>
+          <p:cNvPr id="70" name="PlaceHolder 2"/>
           <p:cNvSpPr>
             <a:spLocks noGrp="1"/>
           </p:cNvSpPr>
@@ -3754,8 +3674,8 @@
         </p:nvSpPr>
         <p:spPr>
           <a:xfrm>
-            <a:off x="838080" y="1825560"/>
-            <a:ext cx="3385800" cy="2075040"/>
+            <a:off x="609480" y="1604520"/>
+            <a:ext cx="3533040" cy="1896840"/>
           </a:xfrm>
           <a:prstGeom prst="rect">
             <a:avLst/>
@@ -3766,18 +3686,15 @@
             <a:normAutofit/>
           </a:bodyPr>
           <a:p>
-            <a:endParaRPr b="0" lang="en-US" sz="2800" spc="-1" strike="noStrike">
-              <a:solidFill>
-                <a:srgbClr val="000000"/>
-              </a:solidFill>
-              <a:latin typeface="Calibri"/>
-            </a:endParaRPr>
-          </a:p>
-        </p:txBody>
-      </p:sp>
-      <p:sp>
-        <p:nvSpPr>
-          <p:cNvPr id="77" name="PlaceHolder 3"/>
+            <a:endParaRPr b="0" lang="en-US" sz="3200" spc="-1" strike="noStrike">
+              <a:latin typeface="Arial"/>
+            </a:endParaRPr>
+          </a:p>
+        </p:txBody>
+      </p:sp>
+      <p:sp>
+        <p:nvSpPr>
+          <p:cNvPr id="71" name="PlaceHolder 3"/>
           <p:cNvSpPr>
             <a:spLocks noGrp="1"/>
           </p:cNvSpPr>
@@ -3787,8 +3704,8 @@
         </p:nvSpPr>
         <p:spPr>
           <a:xfrm>
-            <a:off x="4393440" y="1825560"/>
-            <a:ext cx="3385800" cy="2075040"/>
+            <a:off x="4319640" y="1604520"/>
+            <a:ext cx="3533040" cy="1896840"/>
           </a:xfrm>
           <a:prstGeom prst="rect">
             <a:avLst/>
@@ -3799,18 +3716,15 @@
             <a:normAutofit/>
           </a:bodyPr>
           <a:p>
-            <a:endParaRPr b="0" lang="en-US" sz="2800" spc="-1" strike="noStrike">
-              <a:solidFill>
-                <a:srgbClr val="000000"/>
-              </a:solidFill>
-              <a:latin typeface="Calibri"/>
-            </a:endParaRPr>
-          </a:p>
-        </p:txBody>
-      </p:sp>
-      <p:sp>
-        <p:nvSpPr>
-          <p:cNvPr id="78" name="PlaceHolder 4"/>
+            <a:endParaRPr b="0" lang="en-US" sz="3200" spc="-1" strike="noStrike">
+              <a:latin typeface="Arial"/>
+            </a:endParaRPr>
+          </a:p>
+        </p:txBody>
+      </p:sp>
+      <p:sp>
+        <p:nvSpPr>
+          <p:cNvPr id="72" name="PlaceHolder 4"/>
           <p:cNvSpPr>
             <a:spLocks noGrp="1"/>
           </p:cNvSpPr>
@@ -3820,8 +3734,8 @@
         </p:nvSpPr>
         <p:spPr>
           <a:xfrm>
-            <a:off x="7949160" y="1825560"/>
-            <a:ext cx="3385800" cy="2075040"/>
+            <a:off x="8029800" y="1604520"/>
+            <a:ext cx="3533040" cy="1896840"/>
           </a:xfrm>
           <a:prstGeom prst="rect">
             <a:avLst/>
@@ -3832,18 +3746,15 @@
             <a:normAutofit/>
           </a:bodyPr>
           <a:p>
-            <a:endParaRPr b="0" lang="en-US" sz="2800" spc="-1" strike="noStrike">
-              <a:solidFill>
-                <a:srgbClr val="000000"/>
-              </a:solidFill>
-              <a:latin typeface="Calibri"/>
-            </a:endParaRPr>
-          </a:p>
-        </p:txBody>
-      </p:sp>
-      <p:sp>
-        <p:nvSpPr>
-          <p:cNvPr id="79" name="PlaceHolder 5"/>
+            <a:endParaRPr b="0" lang="en-US" sz="3200" spc="-1" strike="noStrike">
+              <a:latin typeface="Arial"/>
+            </a:endParaRPr>
+          </a:p>
+        </p:txBody>
+      </p:sp>
+      <p:sp>
+        <p:nvSpPr>
+          <p:cNvPr id="73" name="PlaceHolder 5"/>
           <p:cNvSpPr>
             <a:spLocks noGrp="1"/>
           </p:cNvSpPr>
@@ -3853,8 +3764,8 @@
         </p:nvSpPr>
         <p:spPr>
           <a:xfrm>
-            <a:off x="838080" y="4098240"/>
-            <a:ext cx="3385800" cy="2075040"/>
+            <a:off x="609480" y="3682080"/>
+            <a:ext cx="3533040" cy="1896840"/>
           </a:xfrm>
           <a:prstGeom prst="rect">
             <a:avLst/>
@@ -3865,18 +3776,15 @@
             <a:normAutofit/>
           </a:bodyPr>
           <a:p>
-            <a:endParaRPr b="0" lang="en-US" sz="2800" spc="-1" strike="noStrike">
-              <a:solidFill>
-                <a:srgbClr val="000000"/>
-              </a:solidFill>
-              <a:latin typeface="Calibri"/>
-            </a:endParaRPr>
-          </a:p>
-        </p:txBody>
-      </p:sp>
-      <p:sp>
-        <p:nvSpPr>
-          <p:cNvPr id="80" name="PlaceHolder 6"/>
+            <a:endParaRPr b="0" lang="en-US" sz="3200" spc="-1" strike="noStrike">
+              <a:latin typeface="Arial"/>
+            </a:endParaRPr>
+          </a:p>
+        </p:txBody>
+      </p:sp>
+      <p:sp>
+        <p:nvSpPr>
+          <p:cNvPr id="74" name="PlaceHolder 6"/>
           <p:cNvSpPr>
             <a:spLocks noGrp="1"/>
           </p:cNvSpPr>
@@ -3886,8 +3794,8 @@
         </p:nvSpPr>
         <p:spPr>
           <a:xfrm>
-            <a:off x="4393440" y="4098240"/>
-            <a:ext cx="3385800" cy="2075040"/>
+            <a:off x="4319640" y="3682080"/>
+            <a:ext cx="3533040" cy="1896840"/>
           </a:xfrm>
           <a:prstGeom prst="rect">
             <a:avLst/>
@@ -3898,18 +3806,15 @@
             <a:normAutofit/>
           </a:bodyPr>
           <a:p>
-            <a:endParaRPr b="0" lang="en-US" sz="2800" spc="-1" strike="noStrike">
-              <a:solidFill>
-                <a:srgbClr val="000000"/>
-              </a:solidFill>
-              <a:latin typeface="Calibri"/>
-            </a:endParaRPr>
-          </a:p>
-        </p:txBody>
-      </p:sp>
-      <p:sp>
-        <p:nvSpPr>
-          <p:cNvPr id="81" name="PlaceHolder 7"/>
+            <a:endParaRPr b="0" lang="en-US" sz="3200" spc="-1" strike="noStrike">
+              <a:latin typeface="Arial"/>
+            </a:endParaRPr>
+          </a:p>
+        </p:txBody>
+      </p:sp>
+      <p:sp>
+        <p:nvSpPr>
+          <p:cNvPr id="75" name="PlaceHolder 7"/>
           <p:cNvSpPr>
             <a:spLocks noGrp="1"/>
           </p:cNvSpPr>
@@ -3919,8 +3824,8 @@
         </p:nvSpPr>
         <p:spPr>
           <a:xfrm>
-            <a:off x="7949160" y="4098240"/>
-            <a:ext cx="3385800" cy="2075040"/>
+            <a:off x="8029800" y="3682080"/>
+            <a:ext cx="3533040" cy="1896840"/>
           </a:xfrm>
           <a:prstGeom prst="rect">
             <a:avLst/>
@@ -3931,11 +3836,8 @@
             <a:normAutofit/>
           </a:bodyPr>
           <a:p>
-            <a:endParaRPr b="0" lang="en-US" sz="2800" spc="-1" strike="noStrike">
-              <a:solidFill>
-                <a:srgbClr val="000000"/>
-              </a:solidFill>
-              <a:latin typeface="Calibri"/>
+            <a:endParaRPr b="0" lang="en-US" sz="3200" spc="-1" strike="noStrike">
+              <a:latin typeface="Arial"/>
             </a:endParaRPr>
           </a:p>
         </p:txBody>
@@ -3986,7 +3888,7 @@
       </p:grpSpPr>
       <p:sp>
         <p:nvSpPr>
-          <p:cNvPr id="87" name="PlaceHolder 1"/>
+          <p:cNvPr id="78" name="PlaceHolder 1"/>
           <p:cNvSpPr>
             <a:spLocks noGrp="1"/>
           </p:cNvSpPr>
@@ -3996,8 +3898,8 @@
         </p:nvSpPr>
         <p:spPr>
           <a:xfrm>
-            <a:off x="838080" y="365040"/>
-            <a:ext cx="10515240" cy="1325160"/>
+            <a:off x="609480" y="273600"/>
+            <a:ext cx="10972440" cy="1144800"/>
           </a:xfrm>
           <a:prstGeom prst="rect">
             <a:avLst/>
@@ -4008,18 +3910,16 @@
             <a:noAutofit/>
           </a:bodyPr>
           <a:p>
-            <a:endParaRPr b="0" lang="en-US" sz="1800" spc="-1" strike="noStrike">
-              <a:solidFill>
-                <a:srgbClr val="000000"/>
-              </a:solidFill>
-              <a:latin typeface="Calibri"/>
-            </a:endParaRPr>
-          </a:p>
-        </p:txBody>
-      </p:sp>
-      <p:sp>
-        <p:nvSpPr>
-          <p:cNvPr id="88" name="PlaceHolder 2"/>
+            <a:pPr algn="ctr"/>
+            <a:endParaRPr b="0" lang="en-US" sz="4400" spc="-1" strike="noStrike">
+              <a:latin typeface="Arial"/>
+            </a:endParaRPr>
+          </a:p>
+        </p:txBody>
+      </p:sp>
+      <p:sp>
+        <p:nvSpPr>
+          <p:cNvPr id="79" name="PlaceHolder 2"/>
           <p:cNvSpPr>
             <a:spLocks noGrp="1"/>
           </p:cNvSpPr>
@@ -4029,8 +3929,8 @@
         </p:nvSpPr>
         <p:spPr>
           <a:xfrm>
-            <a:off x="838080" y="1825560"/>
-            <a:ext cx="10515240" cy="4350960"/>
+            <a:off x="609480" y="1604520"/>
+            <a:ext cx="10972440" cy="3977280"/>
           </a:xfrm>
           <a:prstGeom prst="rect">
             <a:avLst/>
@@ -4072,7 +3972,7 @@
       </p:grpSpPr>
       <p:sp>
         <p:nvSpPr>
-          <p:cNvPr id="89" name="PlaceHolder 1"/>
+          <p:cNvPr id="80" name="PlaceHolder 1"/>
           <p:cNvSpPr>
             <a:spLocks noGrp="1"/>
           </p:cNvSpPr>
@@ -4082,8 +3982,8 @@
         </p:nvSpPr>
         <p:spPr>
           <a:xfrm>
-            <a:off x="838080" y="365040"/>
-            <a:ext cx="10515240" cy="1325160"/>
+            <a:off x="609480" y="273600"/>
+            <a:ext cx="10972440" cy="1144800"/>
           </a:xfrm>
           <a:prstGeom prst="rect">
             <a:avLst/>
@@ -4094,18 +3994,16 @@
             <a:noAutofit/>
           </a:bodyPr>
           <a:p>
-            <a:endParaRPr b="0" lang="en-US" sz="1800" spc="-1" strike="noStrike">
-              <a:solidFill>
-                <a:srgbClr val="000000"/>
-              </a:solidFill>
-              <a:latin typeface="Calibri"/>
-            </a:endParaRPr>
-          </a:p>
-        </p:txBody>
-      </p:sp>
-      <p:sp>
-        <p:nvSpPr>
-          <p:cNvPr id="90" name="PlaceHolder 2"/>
+            <a:pPr algn="ctr"/>
+            <a:endParaRPr b="0" lang="en-US" sz="4400" spc="-1" strike="noStrike">
+              <a:latin typeface="Arial"/>
+            </a:endParaRPr>
+          </a:p>
+        </p:txBody>
+      </p:sp>
+      <p:sp>
+        <p:nvSpPr>
+          <p:cNvPr id="81" name="PlaceHolder 2"/>
           <p:cNvSpPr>
             <a:spLocks noGrp="1"/>
           </p:cNvSpPr>
@@ -4115,8 +4013,8 @@
         </p:nvSpPr>
         <p:spPr>
           <a:xfrm>
-            <a:off x="838080" y="1825560"/>
-            <a:ext cx="10515240" cy="4350960"/>
+            <a:off x="609480" y="1604520"/>
+            <a:ext cx="10972440" cy="3977280"/>
           </a:xfrm>
           <a:prstGeom prst="rect">
             <a:avLst/>
@@ -4127,11 +4025,8 @@
             <a:normAutofit/>
           </a:bodyPr>
           <a:p>
-            <a:endParaRPr b="0" lang="en-US" sz="2800" spc="-1" strike="noStrike">
-              <a:solidFill>
-                <a:srgbClr val="000000"/>
-              </a:solidFill>
-              <a:latin typeface="Calibri"/>
+            <a:endParaRPr b="0" lang="en-US" sz="3200" spc="-1" strike="noStrike">
+              <a:latin typeface="Arial"/>
             </a:endParaRPr>
           </a:p>
         </p:txBody>
@@ -4160,7 +4055,7 @@
       </p:grpSpPr>
       <p:sp>
         <p:nvSpPr>
-          <p:cNvPr id="91" name="PlaceHolder 1"/>
+          <p:cNvPr id="82" name="PlaceHolder 1"/>
           <p:cNvSpPr>
             <a:spLocks noGrp="1"/>
           </p:cNvSpPr>
@@ -4170,8 +4065,8 @@
         </p:nvSpPr>
         <p:spPr>
           <a:xfrm>
-            <a:off x="838080" y="365040"/>
-            <a:ext cx="10515240" cy="1325160"/>
+            <a:off x="609480" y="273600"/>
+            <a:ext cx="10972440" cy="1144800"/>
           </a:xfrm>
           <a:prstGeom prst="rect">
             <a:avLst/>
@@ -4182,18 +4077,16 @@
             <a:noAutofit/>
           </a:bodyPr>
           <a:p>
-            <a:endParaRPr b="0" lang="en-US" sz="1800" spc="-1" strike="noStrike">
-              <a:solidFill>
-                <a:srgbClr val="000000"/>
-              </a:solidFill>
-              <a:latin typeface="Calibri"/>
-            </a:endParaRPr>
-          </a:p>
-        </p:txBody>
-      </p:sp>
-      <p:sp>
-        <p:nvSpPr>
-          <p:cNvPr id="92" name="PlaceHolder 2"/>
+            <a:pPr algn="ctr"/>
+            <a:endParaRPr b="0" lang="en-US" sz="4400" spc="-1" strike="noStrike">
+              <a:latin typeface="Arial"/>
+            </a:endParaRPr>
+          </a:p>
+        </p:txBody>
+      </p:sp>
+      <p:sp>
+        <p:nvSpPr>
+          <p:cNvPr id="83" name="PlaceHolder 2"/>
           <p:cNvSpPr>
             <a:spLocks noGrp="1"/>
           </p:cNvSpPr>
@@ -4203,8 +4096,8 @@
         </p:nvSpPr>
         <p:spPr>
           <a:xfrm>
-            <a:off x="838080" y="1825560"/>
-            <a:ext cx="5131080" cy="4350960"/>
+            <a:off x="609480" y="1604520"/>
+            <a:ext cx="5354280" cy="3977280"/>
           </a:xfrm>
           <a:prstGeom prst="rect">
             <a:avLst/>
@@ -4215,18 +4108,15 @@
             <a:normAutofit/>
           </a:bodyPr>
           <a:p>
-            <a:endParaRPr b="0" lang="en-US" sz="2800" spc="-1" strike="noStrike">
-              <a:solidFill>
-                <a:srgbClr val="000000"/>
-              </a:solidFill>
-              <a:latin typeface="Calibri"/>
-            </a:endParaRPr>
-          </a:p>
-        </p:txBody>
-      </p:sp>
-      <p:sp>
-        <p:nvSpPr>
-          <p:cNvPr id="93" name="PlaceHolder 3"/>
+            <a:endParaRPr b="0" lang="en-US" sz="3200" spc="-1" strike="noStrike">
+              <a:latin typeface="Arial"/>
+            </a:endParaRPr>
+          </a:p>
+        </p:txBody>
+      </p:sp>
+      <p:sp>
+        <p:nvSpPr>
+          <p:cNvPr id="84" name="PlaceHolder 3"/>
           <p:cNvSpPr>
             <a:spLocks noGrp="1"/>
           </p:cNvSpPr>
@@ -4236,8 +4126,8 @@
         </p:nvSpPr>
         <p:spPr>
           <a:xfrm>
-            <a:off x="6226200" y="1825560"/>
-            <a:ext cx="5131080" cy="4350960"/>
+            <a:off x="6231960" y="1604520"/>
+            <a:ext cx="5354280" cy="3977280"/>
           </a:xfrm>
           <a:prstGeom prst="rect">
             <a:avLst/>
@@ -4248,11 +4138,8 @@
             <a:normAutofit/>
           </a:bodyPr>
           <a:p>
-            <a:endParaRPr b="0" lang="en-US" sz="2800" spc="-1" strike="noStrike">
-              <a:solidFill>
-                <a:srgbClr val="000000"/>
-              </a:solidFill>
-              <a:latin typeface="Calibri"/>
+            <a:endParaRPr b="0" lang="en-US" sz="3200" spc="-1" strike="noStrike">
+              <a:latin typeface="Arial"/>
             </a:endParaRPr>
           </a:p>
         </p:txBody>
@@ -4281,7 +4168,7 @@
       </p:grpSpPr>
       <p:sp>
         <p:nvSpPr>
-          <p:cNvPr id="94" name="PlaceHolder 1"/>
+          <p:cNvPr id="85" name="PlaceHolder 1"/>
           <p:cNvSpPr>
             <a:spLocks noGrp="1"/>
           </p:cNvSpPr>
@@ -4291,8 +4178,8 @@
         </p:nvSpPr>
         <p:spPr>
           <a:xfrm>
-            <a:off x="838080" y="365040"/>
-            <a:ext cx="10515240" cy="1325160"/>
+            <a:off x="609480" y="273600"/>
+            <a:ext cx="10972440" cy="1144800"/>
           </a:xfrm>
           <a:prstGeom prst="rect">
             <a:avLst/>
@@ -4303,11 +4190,9 @@
             <a:noAutofit/>
           </a:bodyPr>
           <a:p>
-            <a:endParaRPr b="0" lang="en-US" sz="1800" spc="-1" strike="noStrike">
-              <a:solidFill>
-                <a:srgbClr val="000000"/>
-              </a:solidFill>
-              <a:latin typeface="Calibri"/>
+            <a:pPr algn="ctr"/>
+            <a:endParaRPr b="0" lang="en-US" sz="4400" spc="-1" strike="noStrike">
+              <a:latin typeface="Arial"/>
             </a:endParaRPr>
           </a:p>
         </p:txBody>
@@ -4336,7 +4221,7 @@
       </p:grpSpPr>
       <p:sp>
         <p:nvSpPr>
-          <p:cNvPr id="7" name="PlaceHolder 1"/>
+          <p:cNvPr id="4" name="PlaceHolder 1"/>
           <p:cNvSpPr>
             <a:spLocks noGrp="1"/>
           </p:cNvSpPr>
@@ -4346,8 +4231,8 @@
         </p:nvSpPr>
         <p:spPr>
           <a:xfrm>
-            <a:off x="838080" y="365040"/>
-            <a:ext cx="10515240" cy="1325160"/>
+            <a:off x="609480" y="273600"/>
+            <a:ext cx="10972440" cy="1144800"/>
           </a:xfrm>
           <a:prstGeom prst="rect">
             <a:avLst/>
@@ -4358,18 +4243,16 @@
             <a:noAutofit/>
           </a:bodyPr>
           <a:p>
-            <a:endParaRPr b="0" lang="en-US" sz="1800" spc="-1" strike="noStrike">
-              <a:solidFill>
-                <a:srgbClr val="000000"/>
-              </a:solidFill>
-              <a:latin typeface="Calibri"/>
-            </a:endParaRPr>
-          </a:p>
-        </p:txBody>
-      </p:sp>
-      <p:sp>
-        <p:nvSpPr>
-          <p:cNvPr id="8" name="PlaceHolder 2"/>
+            <a:pPr algn="ctr"/>
+            <a:endParaRPr b="0" lang="en-US" sz="4400" spc="-1" strike="noStrike">
+              <a:latin typeface="Arial"/>
+            </a:endParaRPr>
+          </a:p>
+        </p:txBody>
+      </p:sp>
+      <p:sp>
+        <p:nvSpPr>
+          <p:cNvPr id="5" name="PlaceHolder 2"/>
           <p:cNvSpPr>
             <a:spLocks noGrp="1"/>
           </p:cNvSpPr>
@@ -4379,8 +4262,8 @@
         </p:nvSpPr>
         <p:spPr>
           <a:xfrm>
-            <a:off x="838080" y="1825560"/>
-            <a:ext cx="10515240" cy="4350960"/>
+            <a:off x="609480" y="1604520"/>
+            <a:ext cx="10972440" cy="3977280"/>
           </a:xfrm>
           <a:prstGeom prst="rect">
             <a:avLst/>
@@ -4391,11 +4274,8 @@
             <a:normAutofit/>
           </a:bodyPr>
           <a:p>
-            <a:endParaRPr b="0" lang="en-US" sz="2800" spc="-1" strike="noStrike">
-              <a:solidFill>
-                <a:srgbClr val="000000"/>
-              </a:solidFill>
-              <a:latin typeface="Calibri"/>
+            <a:endParaRPr b="0" lang="en-US" sz="3200" spc="-1" strike="noStrike">
+              <a:latin typeface="Arial"/>
             </a:endParaRPr>
           </a:p>
         </p:txBody>
@@ -4424,7 +4304,7 @@
       </p:grpSpPr>
       <p:sp>
         <p:nvSpPr>
-          <p:cNvPr id="95" name="PlaceHolder 1"/>
+          <p:cNvPr id="86" name="PlaceHolder 1"/>
           <p:cNvSpPr>
             <a:spLocks noGrp="1"/>
           </p:cNvSpPr>
@@ -4434,8 +4314,8 @@
         </p:nvSpPr>
         <p:spPr>
           <a:xfrm>
-            <a:off x="838080" y="365040"/>
-            <a:ext cx="10515240" cy="6144120"/>
+            <a:off x="609480" y="273600"/>
+            <a:ext cx="10972440" cy="5307840"/>
           </a:xfrm>
           <a:prstGeom prst="rect">
             <a:avLst/>
@@ -4477,7 +4357,7 @@
       </p:grpSpPr>
       <p:sp>
         <p:nvSpPr>
-          <p:cNvPr id="96" name="PlaceHolder 1"/>
+          <p:cNvPr id="87" name="PlaceHolder 1"/>
           <p:cNvSpPr>
             <a:spLocks noGrp="1"/>
           </p:cNvSpPr>
@@ -4487,8 +4367,8 @@
         </p:nvSpPr>
         <p:spPr>
           <a:xfrm>
-            <a:off x="838080" y="365040"/>
-            <a:ext cx="10515240" cy="1325160"/>
+            <a:off x="609480" y="273600"/>
+            <a:ext cx="10972440" cy="1144800"/>
           </a:xfrm>
           <a:prstGeom prst="rect">
             <a:avLst/>
@@ -4499,18 +4379,16 @@
             <a:noAutofit/>
           </a:bodyPr>
           <a:p>
-            <a:endParaRPr b="0" lang="en-US" sz="1800" spc="-1" strike="noStrike">
-              <a:solidFill>
-                <a:srgbClr val="000000"/>
-              </a:solidFill>
-              <a:latin typeface="Calibri"/>
-            </a:endParaRPr>
-          </a:p>
-        </p:txBody>
-      </p:sp>
-      <p:sp>
-        <p:nvSpPr>
-          <p:cNvPr id="97" name="PlaceHolder 2"/>
+            <a:pPr algn="ctr"/>
+            <a:endParaRPr b="0" lang="en-US" sz="4400" spc="-1" strike="noStrike">
+              <a:latin typeface="Arial"/>
+            </a:endParaRPr>
+          </a:p>
+        </p:txBody>
+      </p:sp>
+      <p:sp>
+        <p:nvSpPr>
+          <p:cNvPr id="88" name="PlaceHolder 2"/>
           <p:cNvSpPr>
             <a:spLocks noGrp="1"/>
           </p:cNvSpPr>
@@ -4520,8 +4398,8 @@
         </p:nvSpPr>
         <p:spPr>
           <a:xfrm>
-            <a:off x="838080" y="1825560"/>
-            <a:ext cx="5131080" cy="2075040"/>
+            <a:off x="609480" y="1604520"/>
+            <a:ext cx="5354280" cy="1896840"/>
           </a:xfrm>
           <a:prstGeom prst="rect">
             <a:avLst/>
@@ -4532,18 +4410,15 @@
             <a:normAutofit/>
           </a:bodyPr>
           <a:p>
-            <a:endParaRPr b="0" lang="en-US" sz="2800" spc="-1" strike="noStrike">
-              <a:solidFill>
-                <a:srgbClr val="000000"/>
-              </a:solidFill>
-              <a:latin typeface="Calibri"/>
-            </a:endParaRPr>
-          </a:p>
-        </p:txBody>
-      </p:sp>
-      <p:sp>
-        <p:nvSpPr>
-          <p:cNvPr id="98" name="PlaceHolder 3"/>
+            <a:endParaRPr b="0" lang="en-US" sz="3200" spc="-1" strike="noStrike">
+              <a:latin typeface="Arial"/>
+            </a:endParaRPr>
+          </a:p>
+        </p:txBody>
+      </p:sp>
+      <p:sp>
+        <p:nvSpPr>
+          <p:cNvPr id="89" name="PlaceHolder 3"/>
           <p:cNvSpPr>
             <a:spLocks noGrp="1"/>
           </p:cNvSpPr>
@@ -4553,8 +4428,8 @@
         </p:nvSpPr>
         <p:spPr>
           <a:xfrm>
-            <a:off x="6226200" y="1825560"/>
-            <a:ext cx="5131080" cy="4350960"/>
+            <a:off x="6231960" y="1604520"/>
+            <a:ext cx="5354280" cy="3977280"/>
           </a:xfrm>
           <a:prstGeom prst="rect">
             <a:avLst/>
@@ -4565,18 +4440,15 @@
             <a:normAutofit/>
           </a:bodyPr>
           <a:p>
-            <a:endParaRPr b="0" lang="en-US" sz="2800" spc="-1" strike="noStrike">
-              <a:solidFill>
-                <a:srgbClr val="000000"/>
-              </a:solidFill>
-              <a:latin typeface="Calibri"/>
-            </a:endParaRPr>
-          </a:p>
-        </p:txBody>
-      </p:sp>
-      <p:sp>
-        <p:nvSpPr>
-          <p:cNvPr id="99" name="PlaceHolder 4"/>
+            <a:endParaRPr b="0" lang="en-US" sz="3200" spc="-1" strike="noStrike">
+              <a:latin typeface="Arial"/>
+            </a:endParaRPr>
+          </a:p>
+        </p:txBody>
+      </p:sp>
+      <p:sp>
+        <p:nvSpPr>
+          <p:cNvPr id="90" name="PlaceHolder 4"/>
           <p:cNvSpPr>
             <a:spLocks noGrp="1"/>
           </p:cNvSpPr>
@@ -4586,8 +4458,8 @@
         </p:nvSpPr>
         <p:spPr>
           <a:xfrm>
-            <a:off x="838080" y="4098240"/>
-            <a:ext cx="5131080" cy="2075040"/>
+            <a:off x="609480" y="3682080"/>
+            <a:ext cx="5354280" cy="1896840"/>
           </a:xfrm>
           <a:prstGeom prst="rect">
             <a:avLst/>
@@ -4598,11 +4470,8 @@
             <a:normAutofit/>
           </a:bodyPr>
           <a:p>
-            <a:endParaRPr b="0" lang="en-US" sz="2800" spc="-1" strike="noStrike">
-              <a:solidFill>
-                <a:srgbClr val="000000"/>
-              </a:solidFill>
-              <a:latin typeface="Calibri"/>
+            <a:endParaRPr b="0" lang="en-US" sz="3200" spc="-1" strike="noStrike">
+              <a:latin typeface="Arial"/>
             </a:endParaRPr>
           </a:p>
         </p:txBody>
@@ -4631,7 +4500,7 @@
       </p:grpSpPr>
       <p:sp>
         <p:nvSpPr>
-          <p:cNvPr id="100" name="PlaceHolder 1"/>
+          <p:cNvPr id="91" name="PlaceHolder 1"/>
           <p:cNvSpPr>
             <a:spLocks noGrp="1"/>
           </p:cNvSpPr>
@@ -4641,8 +4510,8 @@
         </p:nvSpPr>
         <p:spPr>
           <a:xfrm>
-            <a:off x="838080" y="365040"/>
-            <a:ext cx="10515240" cy="1325160"/>
+            <a:off x="609480" y="273600"/>
+            <a:ext cx="10972440" cy="1144800"/>
           </a:xfrm>
           <a:prstGeom prst="rect">
             <a:avLst/>
@@ -4653,18 +4522,16 @@
             <a:noAutofit/>
           </a:bodyPr>
           <a:p>
-            <a:endParaRPr b="0" lang="en-US" sz="1800" spc="-1" strike="noStrike">
-              <a:solidFill>
-                <a:srgbClr val="000000"/>
-              </a:solidFill>
-              <a:latin typeface="Calibri"/>
-            </a:endParaRPr>
-          </a:p>
-        </p:txBody>
-      </p:sp>
-      <p:sp>
-        <p:nvSpPr>
-          <p:cNvPr id="101" name="PlaceHolder 2"/>
+            <a:pPr algn="ctr"/>
+            <a:endParaRPr b="0" lang="en-US" sz="4400" spc="-1" strike="noStrike">
+              <a:latin typeface="Arial"/>
+            </a:endParaRPr>
+          </a:p>
+        </p:txBody>
+      </p:sp>
+      <p:sp>
+        <p:nvSpPr>
+          <p:cNvPr id="92" name="PlaceHolder 2"/>
           <p:cNvSpPr>
             <a:spLocks noGrp="1"/>
           </p:cNvSpPr>
@@ -4674,8 +4541,8 @@
         </p:nvSpPr>
         <p:spPr>
           <a:xfrm>
-            <a:off x="838080" y="1825560"/>
-            <a:ext cx="5131080" cy="4350960"/>
+            <a:off x="609480" y="1604520"/>
+            <a:ext cx="5354280" cy="3977280"/>
           </a:xfrm>
           <a:prstGeom prst="rect">
             <a:avLst/>
@@ -4686,18 +4553,15 @@
             <a:normAutofit/>
           </a:bodyPr>
           <a:p>
-            <a:endParaRPr b="0" lang="en-US" sz="2800" spc="-1" strike="noStrike">
-              <a:solidFill>
-                <a:srgbClr val="000000"/>
-              </a:solidFill>
-              <a:latin typeface="Calibri"/>
-            </a:endParaRPr>
-          </a:p>
-        </p:txBody>
-      </p:sp>
-      <p:sp>
-        <p:nvSpPr>
-          <p:cNvPr id="102" name="PlaceHolder 3"/>
+            <a:endParaRPr b="0" lang="en-US" sz="3200" spc="-1" strike="noStrike">
+              <a:latin typeface="Arial"/>
+            </a:endParaRPr>
+          </a:p>
+        </p:txBody>
+      </p:sp>
+      <p:sp>
+        <p:nvSpPr>
+          <p:cNvPr id="93" name="PlaceHolder 3"/>
           <p:cNvSpPr>
             <a:spLocks noGrp="1"/>
           </p:cNvSpPr>
@@ -4707,8 +4571,8 @@
         </p:nvSpPr>
         <p:spPr>
           <a:xfrm>
-            <a:off x="6226200" y="1825560"/>
-            <a:ext cx="5131080" cy="2075040"/>
+            <a:off x="6231960" y="1604520"/>
+            <a:ext cx="5354280" cy="1896840"/>
           </a:xfrm>
           <a:prstGeom prst="rect">
             <a:avLst/>
@@ -4719,18 +4583,15 @@
             <a:normAutofit/>
           </a:bodyPr>
           <a:p>
-            <a:endParaRPr b="0" lang="en-US" sz="2800" spc="-1" strike="noStrike">
-              <a:solidFill>
-                <a:srgbClr val="000000"/>
-              </a:solidFill>
-              <a:latin typeface="Calibri"/>
-            </a:endParaRPr>
-          </a:p>
-        </p:txBody>
-      </p:sp>
-      <p:sp>
-        <p:nvSpPr>
-          <p:cNvPr id="103" name="PlaceHolder 4"/>
+            <a:endParaRPr b="0" lang="en-US" sz="3200" spc="-1" strike="noStrike">
+              <a:latin typeface="Arial"/>
+            </a:endParaRPr>
+          </a:p>
+        </p:txBody>
+      </p:sp>
+      <p:sp>
+        <p:nvSpPr>
+          <p:cNvPr id="94" name="PlaceHolder 4"/>
           <p:cNvSpPr>
             <a:spLocks noGrp="1"/>
           </p:cNvSpPr>
@@ -4740,8 +4601,8 @@
         </p:nvSpPr>
         <p:spPr>
           <a:xfrm>
-            <a:off x="6226200" y="4098240"/>
-            <a:ext cx="5131080" cy="2075040"/>
+            <a:off x="6231960" y="3682080"/>
+            <a:ext cx="5354280" cy="1896840"/>
           </a:xfrm>
           <a:prstGeom prst="rect">
             <a:avLst/>
@@ -4752,11 +4613,8 @@
             <a:normAutofit/>
           </a:bodyPr>
           <a:p>
-            <a:endParaRPr b="0" lang="en-US" sz="2800" spc="-1" strike="noStrike">
-              <a:solidFill>
-                <a:srgbClr val="000000"/>
-              </a:solidFill>
-              <a:latin typeface="Calibri"/>
+            <a:endParaRPr b="0" lang="en-US" sz="3200" spc="-1" strike="noStrike">
+              <a:latin typeface="Arial"/>
             </a:endParaRPr>
           </a:p>
         </p:txBody>
@@ -4785,7 +4643,7 @@
       </p:grpSpPr>
       <p:sp>
         <p:nvSpPr>
-          <p:cNvPr id="104" name="PlaceHolder 1"/>
+          <p:cNvPr id="95" name="PlaceHolder 1"/>
           <p:cNvSpPr>
             <a:spLocks noGrp="1"/>
           </p:cNvSpPr>
@@ -4795,8 +4653,8 @@
         </p:nvSpPr>
         <p:spPr>
           <a:xfrm>
-            <a:off x="838080" y="365040"/>
-            <a:ext cx="10515240" cy="1325160"/>
+            <a:off x="609480" y="273600"/>
+            <a:ext cx="10972440" cy="1144800"/>
           </a:xfrm>
           <a:prstGeom prst="rect">
             <a:avLst/>
@@ -4807,18 +4665,16 @@
             <a:noAutofit/>
           </a:bodyPr>
           <a:p>
-            <a:endParaRPr b="0" lang="en-US" sz="1800" spc="-1" strike="noStrike">
-              <a:solidFill>
-                <a:srgbClr val="000000"/>
-              </a:solidFill>
-              <a:latin typeface="Calibri"/>
-            </a:endParaRPr>
-          </a:p>
-        </p:txBody>
-      </p:sp>
-      <p:sp>
-        <p:nvSpPr>
-          <p:cNvPr id="105" name="PlaceHolder 2"/>
+            <a:pPr algn="ctr"/>
+            <a:endParaRPr b="0" lang="en-US" sz="4400" spc="-1" strike="noStrike">
+              <a:latin typeface="Arial"/>
+            </a:endParaRPr>
+          </a:p>
+        </p:txBody>
+      </p:sp>
+      <p:sp>
+        <p:nvSpPr>
+          <p:cNvPr id="96" name="PlaceHolder 2"/>
           <p:cNvSpPr>
             <a:spLocks noGrp="1"/>
           </p:cNvSpPr>
@@ -4828,8 +4684,8 @@
         </p:nvSpPr>
         <p:spPr>
           <a:xfrm>
-            <a:off x="838080" y="1825560"/>
-            <a:ext cx="5131080" cy="2075040"/>
+            <a:off x="609480" y="1604520"/>
+            <a:ext cx="5354280" cy="1896840"/>
           </a:xfrm>
           <a:prstGeom prst="rect">
             <a:avLst/>
@@ -4840,18 +4696,15 @@
             <a:normAutofit/>
           </a:bodyPr>
           <a:p>
-            <a:endParaRPr b="0" lang="en-US" sz="2800" spc="-1" strike="noStrike">
-              <a:solidFill>
-                <a:srgbClr val="000000"/>
-              </a:solidFill>
-              <a:latin typeface="Calibri"/>
-            </a:endParaRPr>
-          </a:p>
-        </p:txBody>
-      </p:sp>
-      <p:sp>
-        <p:nvSpPr>
-          <p:cNvPr id="106" name="PlaceHolder 3"/>
+            <a:endParaRPr b="0" lang="en-US" sz="3200" spc="-1" strike="noStrike">
+              <a:latin typeface="Arial"/>
+            </a:endParaRPr>
+          </a:p>
+        </p:txBody>
+      </p:sp>
+      <p:sp>
+        <p:nvSpPr>
+          <p:cNvPr id="97" name="PlaceHolder 3"/>
           <p:cNvSpPr>
             <a:spLocks noGrp="1"/>
           </p:cNvSpPr>
@@ -4861,8 +4714,8 @@
         </p:nvSpPr>
         <p:spPr>
           <a:xfrm>
-            <a:off x="6226200" y="1825560"/>
-            <a:ext cx="5131080" cy="2075040"/>
+            <a:off x="6231960" y="1604520"/>
+            <a:ext cx="5354280" cy="1896840"/>
           </a:xfrm>
           <a:prstGeom prst="rect">
             <a:avLst/>
@@ -4873,18 +4726,15 @@
             <a:normAutofit/>
           </a:bodyPr>
           <a:p>
-            <a:endParaRPr b="0" lang="en-US" sz="2800" spc="-1" strike="noStrike">
-              <a:solidFill>
-                <a:srgbClr val="000000"/>
-              </a:solidFill>
-              <a:latin typeface="Calibri"/>
-            </a:endParaRPr>
-          </a:p>
-        </p:txBody>
-      </p:sp>
-      <p:sp>
-        <p:nvSpPr>
-          <p:cNvPr id="107" name="PlaceHolder 4"/>
+            <a:endParaRPr b="0" lang="en-US" sz="3200" spc="-1" strike="noStrike">
+              <a:latin typeface="Arial"/>
+            </a:endParaRPr>
+          </a:p>
+        </p:txBody>
+      </p:sp>
+      <p:sp>
+        <p:nvSpPr>
+          <p:cNvPr id="98" name="PlaceHolder 4"/>
           <p:cNvSpPr>
             <a:spLocks noGrp="1"/>
           </p:cNvSpPr>
@@ -4894,8 +4744,8 @@
         </p:nvSpPr>
         <p:spPr>
           <a:xfrm>
-            <a:off x="838080" y="4098240"/>
-            <a:ext cx="10515240" cy="2075040"/>
+            <a:off x="609480" y="3682080"/>
+            <a:ext cx="10972440" cy="1896840"/>
           </a:xfrm>
           <a:prstGeom prst="rect">
             <a:avLst/>
@@ -4906,11 +4756,8 @@
             <a:normAutofit/>
           </a:bodyPr>
           <a:p>
-            <a:endParaRPr b="0" lang="en-US" sz="2800" spc="-1" strike="noStrike">
-              <a:solidFill>
-                <a:srgbClr val="000000"/>
-              </a:solidFill>
-              <a:latin typeface="Calibri"/>
+            <a:endParaRPr b="0" lang="en-US" sz="3200" spc="-1" strike="noStrike">
+              <a:latin typeface="Arial"/>
             </a:endParaRPr>
           </a:p>
         </p:txBody>
@@ -4939,7 +4786,7 @@
       </p:grpSpPr>
       <p:sp>
         <p:nvSpPr>
-          <p:cNvPr id="108" name="PlaceHolder 1"/>
+          <p:cNvPr id="99" name="PlaceHolder 1"/>
           <p:cNvSpPr>
             <a:spLocks noGrp="1"/>
           </p:cNvSpPr>
@@ -4949,8 +4796,8 @@
         </p:nvSpPr>
         <p:spPr>
           <a:xfrm>
-            <a:off x="838080" y="365040"/>
-            <a:ext cx="10515240" cy="1325160"/>
+            <a:off x="609480" y="273600"/>
+            <a:ext cx="10972440" cy="1144800"/>
           </a:xfrm>
           <a:prstGeom prst="rect">
             <a:avLst/>
@@ -4961,18 +4808,16 @@
             <a:noAutofit/>
           </a:bodyPr>
           <a:p>
-            <a:endParaRPr b="0" lang="en-US" sz="1800" spc="-1" strike="noStrike">
-              <a:solidFill>
-                <a:srgbClr val="000000"/>
-              </a:solidFill>
-              <a:latin typeface="Calibri"/>
-            </a:endParaRPr>
-          </a:p>
-        </p:txBody>
-      </p:sp>
-      <p:sp>
-        <p:nvSpPr>
-          <p:cNvPr id="109" name="PlaceHolder 2"/>
+            <a:pPr algn="ctr"/>
+            <a:endParaRPr b="0" lang="en-US" sz="4400" spc="-1" strike="noStrike">
+              <a:latin typeface="Arial"/>
+            </a:endParaRPr>
+          </a:p>
+        </p:txBody>
+      </p:sp>
+      <p:sp>
+        <p:nvSpPr>
+          <p:cNvPr id="100" name="PlaceHolder 2"/>
           <p:cNvSpPr>
             <a:spLocks noGrp="1"/>
           </p:cNvSpPr>
@@ -4982,8 +4827,8 @@
         </p:nvSpPr>
         <p:spPr>
           <a:xfrm>
-            <a:off x="838080" y="1825560"/>
-            <a:ext cx="10515240" cy="2075040"/>
+            <a:off x="609480" y="1604520"/>
+            <a:ext cx="10972440" cy="1896840"/>
           </a:xfrm>
           <a:prstGeom prst="rect">
             <a:avLst/>
@@ -4994,18 +4839,15 @@
             <a:normAutofit/>
           </a:bodyPr>
           <a:p>
-            <a:endParaRPr b="0" lang="en-US" sz="2800" spc="-1" strike="noStrike">
-              <a:solidFill>
-                <a:srgbClr val="000000"/>
-              </a:solidFill>
-              <a:latin typeface="Calibri"/>
-            </a:endParaRPr>
-          </a:p>
-        </p:txBody>
-      </p:sp>
-      <p:sp>
-        <p:nvSpPr>
-          <p:cNvPr id="110" name="PlaceHolder 3"/>
+            <a:endParaRPr b="0" lang="en-US" sz="3200" spc="-1" strike="noStrike">
+              <a:latin typeface="Arial"/>
+            </a:endParaRPr>
+          </a:p>
+        </p:txBody>
+      </p:sp>
+      <p:sp>
+        <p:nvSpPr>
+          <p:cNvPr id="101" name="PlaceHolder 3"/>
           <p:cNvSpPr>
             <a:spLocks noGrp="1"/>
           </p:cNvSpPr>
@@ -5015,8 +4857,8 @@
         </p:nvSpPr>
         <p:spPr>
           <a:xfrm>
-            <a:off x="838080" y="4098240"/>
-            <a:ext cx="10515240" cy="2075040"/>
+            <a:off x="609480" y="3682080"/>
+            <a:ext cx="10972440" cy="1896840"/>
           </a:xfrm>
           <a:prstGeom prst="rect">
             <a:avLst/>
@@ -5027,11 +4869,8 @@
             <a:normAutofit/>
           </a:bodyPr>
           <a:p>
-            <a:endParaRPr b="0" lang="en-US" sz="2800" spc="-1" strike="noStrike">
-              <a:solidFill>
-                <a:srgbClr val="000000"/>
-              </a:solidFill>
-              <a:latin typeface="Calibri"/>
+            <a:endParaRPr b="0" lang="en-US" sz="3200" spc="-1" strike="noStrike">
+              <a:latin typeface="Arial"/>
             </a:endParaRPr>
           </a:p>
         </p:txBody>
@@ -5060,7 +4899,7 @@
       </p:grpSpPr>
       <p:sp>
         <p:nvSpPr>
-          <p:cNvPr id="111" name="PlaceHolder 1"/>
+          <p:cNvPr id="102" name="PlaceHolder 1"/>
           <p:cNvSpPr>
             <a:spLocks noGrp="1"/>
           </p:cNvSpPr>
@@ -5070,8 +4909,8 @@
         </p:nvSpPr>
         <p:spPr>
           <a:xfrm>
-            <a:off x="838080" y="365040"/>
-            <a:ext cx="10515240" cy="1325160"/>
+            <a:off x="609480" y="273600"/>
+            <a:ext cx="10972440" cy="1144800"/>
           </a:xfrm>
           <a:prstGeom prst="rect">
             <a:avLst/>
@@ -5082,18 +4921,16 @@
             <a:noAutofit/>
           </a:bodyPr>
           <a:p>
-            <a:endParaRPr b="0" lang="en-US" sz="1800" spc="-1" strike="noStrike">
-              <a:solidFill>
-                <a:srgbClr val="000000"/>
-              </a:solidFill>
-              <a:latin typeface="Calibri"/>
-            </a:endParaRPr>
-          </a:p>
-        </p:txBody>
-      </p:sp>
-      <p:sp>
-        <p:nvSpPr>
-          <p:cNvPr id="112" name="PlaceHolder 2"/>
+            <a:pPr algn="ctr"/>
+            <a:endParaRPr b="0" lang="en-US" sz="4400" spc="-1" strike="noStrike">
+              <a:latin typeface="Arial"/>
+            </a:endParaRPr>
+          </a:p>
+        </p:txBody>
+      </p:sp>
+      <p:sp>
+        <p:nvSpPr>
+          <p:cNvPr id="103" name="PlaceHolder 2"/>
           <p:cNvSpPr>
             <a:spLocks noGrp="1"/>
           </p:cNvSpPr>
@@ -5103,8 +4940,8 @@
         </p:nvSpPr>
         <p:spPr>
           <a:xfrm>
-            <a:off x="838080" y="1825560"/>
-            <a:ext cx="5131080" cy="2075040"/>
+            <a:off x="609480" y="1604520"/>
+            <a:ext cx="5354280" cy="1896840"/>
           </a:xfrm>
           <a:prstGeom prst="rect">
             <a:avLst/>
@@ -5115,18 +4952,15 @@
             <a:normAutofit/>
           </a:bodyPr>
           <a:p>
-            <a:endParaRPr b="0" lang="en-US" sz="2800" spc="-1" strike="noStrike">
-              <a:solidFill>
-                <a:srgbClr val="000000"/>
-              </a:solidFill>
-              <a:latin typeface="Calibri"/>
-            </a:endParaRPr>
-          </a:p>
-        </p:txBody>
-      </p:sp>
-      <p:sp>
-        <p:nvSpPr>
-          <p:cNvPr id="113" name="PlaceHolder 3"/>
+            <a:endParaRPr b="0" lang="en-US" sz="3200" spc="-1" strike="noStrike">
+              <a:latin typeface="Arial"/>
+            </a:endParaRPr>
+          </a:p>
+        </p:txBody>
+      </p:sp>
+      <p:sp>
+        <p:nvSpPr>
+          <p:cNvPr id="104" name="PlaceHolder 3"/>
           <p:cNvSpPr>
             <a:spLocks noGrp="1"/>
           </p:cNvSpPr>
@@ -5136,8 +4970,8 @@
         </p:nvSpPr>
         <p:spPr>
           <a:xfrm>
-            <a:off x="6226200" y="1825560"/>
-            <a:ext cx="5131080" cy="2075040"/>
+            <a:off x="6231960" y="1604520"/>
+            <a:ext cx="5354280" cy="1896840"/>
           </a:xfrm>
           <a:prstGeom prst="rect">
             <a:avLst/>
@@ -5148,18 +4982,15 @@
             <a:normAutofit/>
           </a:bodyPr>
           <a:p>
-            <a:endParaRPr b="0" lang="en-US" sz="2800" spc="-1" strike="noStrike">
-              <a:solidFill>
-                <a:srgbClr val="000000"/>
-              </a:solidFill>
-              <a:latin typeface="Calibri"/>
-            </a:endParaRPr>
-          </a:p>
-        </p:txBody>
-      </p:sp>
-      <p:sp>
-        <p:nvSpPr>
-          <p:cNvPr id="114" name="PlaceHolder 4"/>
+            <a:endParaRPr b="0" lang="en-US" sz="3200" spc="-1" strike="noStrike">
+              <a:latin typeface="Arial"/>
+            </a:endParaRPr>
+          </a:p>
+        </p:txBody>
+      </p:sp>
+      <p:sp>
+        <p:nvSpPr>
+          <p:cNvPr id="105" name="PlaceHolder 4"/>
           <p:cNvSpPr>
             <a:spLocks noGrp="1"/>
           </p:cNvSpPr>
@@ -5169,8 +5000,8 @@
         </p:nvSpPr>
         <p:spPr>
           <a:xfrm>
-            <a:off x="838080" y="4098240"/>
-            <a:ext cx="5131080" cy="2075040"/>
+            <a:off x="609480" y="3682080"/>
+            <a:ext cx="5354280" cy="1896840"/>
           </a:xfrm>
           <a:prstGeom prst="rect">
             <a:avLst/>
@@ -5181,18 +5012,15 @@
             <a:normAutofit/>
           </a:bodyPr>
           <a:p>
-            <a:endParaRPr b="0" lang="en-US" sz="2800" spc="-1" strike="noStrike">
-              <a:solidFill>
-                <a:srgbClr val="000000"/>
-              </a:solidFill>
-              <a:latin typeface="Calibri"/>
-            </a:endParaRPr>
-          </a:p>
-        </p:txBody>
-      </p:sp>
-      <p:sp>
-        <p:nvSpPr>
-          <p:cNvPr id="115" name="PlaceHolder 5"/>
+            <a:endParaRPr b="0" lang="en-US" sz="3200" spc="-1" strike="noStrike">
+              <a:latin typeface="Arial"/>
+            </a:endParaRPr>
+          </a:p>
+        </p:txBody>
+      </p:sp>
+      <p:sp>
+        <p:nvSpPr>
+          <p:cNvPr id="106" name="PlaceHolder 5"/>
           <p:cNvSpPr>
             <a:spLocks noGrp="1"/>
           </p:cNvSpPr>
@@ -5202,8 +5030,8 @@
         </p:nvSpPr>
         <p:spPr>
           <a:xfrm>
-            <a:off x="6226200" y="4098240"/>
-            <a:ext cx="5131080" cy="2075040"/>
+            <a:off x="6231960" y="3682080"/>
+            <a:ext cx="5354280" cy="1896840"/>
           </a:xfrm>
           <a:prstGeom prst="rect">
             <a:avLst/>
@@ -5214,11 +5042,8 @@
             <a:normAutofit/>
           </a:bodyPr>
           <a:p>
-            <a:endParaRPr b="0" lang="en-US" sz="2800" spc="-1" strike="noStrike">
-              <a:solidFill>
-                <a:srgbClr val="000000"/>
-              </a:solidFill>
-              <a:latin typeface="Calibri"/>
+            <a:endParaRPr b="0" lang="en-US" sz="3200" spc="-1" strike="noStrike">
+              <a:latin typeface="Arial"/>
             </a:endParaRPr>
           </a:p>
         </p:txBody>
@@ -5247,7 +5072,7 @@
       </p:grpSpPr>
       <p:sp>
         <p:nvSpPr>
-          <p:cNvPr id="116" name="PlaceHolder 1"/>
+          <p:cNvPr id="107" name="PlaceHolder 1"/>
           <p:cNvSpPr>
             <a:spLocks noGrp="1"/>
           </p:cNvSpPr>
@@ -5257,8 +5082,8 @@
         </p:nvSpPr>
         <p:spPr>
           <a:xfrm>
-            <a:off x="838080" y="365040"/>
-            <a:ext cx="10515240" cy="1325160"/>
+            <a:off x="609480" y="273600"/>
+            <a:ext cx="10972440" cy="1144800"/>
           </a:xfrm>
           <a:prstGeom prst="rect">
             <a:avLst/>
@@ -5269,18 +5094,16 @@
             <a:noAutofit/>
           </a:bodyPr>
           <a:p>
-            <a:endParaRPr b="0" lang="en-US" sz="1800" spc="-1" strike="noStrike">
-              <a:solidFill>
-                <a:srgbClr val="000000"/>
-              </a:solidFill>
-              <a:latin typeface="Calibri"/>
-            </a:endParaRPr>
-          </a:p>
-        </p:txBody>
-      </p:sp>
-      <p:sp>
-        <p:nvSpPr>
-          <p:cNvPr id="117" name="PlaceHolder 2"/>
+            <a:pPr algn="ctr"/>
+            <a:endParaRPr b="0" lang="en-US" sz="4400" spc="-1" strike="noStrike">
+              <a:latin typeface="Arial"/>
+            </a:endParaRPr>
+          </a:p>
+        </p:txBody>
+      </p:sp>
+      <p:sp>
+        <p:nvSpPr>
+          <p:cNvPr id="108" name="PlaceHolder 2"/>
           <p:cNvSpPr>
             <a:spLocks noGrp="1"/>
           </p:cNvSpPr>
@@ -5290,8 +5113,8 @@
         </p:nvSpPr>
         <p:spPr>
           <a:xfrm>
-            <a:off x="838080" y="1825560"/>
-            <a:ext cx="3385800" cy="2075040"/>
+            <a:off x="609480" y="1604520"/>
+            <a:ext cx="3533040" cy="1896840"/>
           </a:xfrm>
           <a:prstGeom prst="rect">
             <a:avLst/>
@@ -5302,18 +5125,15 @@
             <a:normAutofit/>
           </a:bodyPr>
           <a:p>
-            <a:endParaRPr b="0" lang="en-US" sz="2800" spc="-1" strike="noStrike">
-              <a:solidFill>
-                <a:srgbClr val="000000"/>
-              </a:solidFill>
-              <a:latin typeface="Calibri"/>
-            </a:endParaRPr>
-          </a:p>
-        </p:txBody>
-      </p:sp>
-      <p:sp>
-        <p:nvSpPr>
-          <p:cNvPr id="118" name="PlaceHolder 3"/>
+            <a:endParaRPr b="0" lang="en-US" sz="3200" spc="-1" strike="noStrike">
+              <a:latin typeface="Arial"/>
+            </a:endParaRPr>
+          </a:p>
+        </p:txBody>
+      </p:sp>
+      <p:sp>
+        <p:nvSpPr>
+          <p:cNvPr id="109" name="PlaceHolder 3"/>
           <p:cNvSpPr>
             <a:spLocks noGrp="1"/>
           </p:cNvSpPr>
@@ -5323,8 +5143,8 @@
         </p:nvSpPr>
         <p:spPr>
           <a:xfrm>
-            <a:off x="4393440" y="1825560"/>
-            <a:ext cx="3385800" cy="2075040"/>
+            <a:off x="4319640" y="1604520"/>
+            <a:ext cx="3533040" cy="1896840"/>
           </a:xfrm>
           <a:prstGeom prst="rect">
             <a:avLst/>
@@ -5335,18 +5155,15 @@
             <a:normAutofit/>
           </a:bodyPr>
           <a:p>
-            <a:endParaRPr b="0" lang="en-US" sz="2800" spc="-1" strike="noStrike">
-              <a:solidFill>
-                <a:srgbClr val="000000"/>
-              </a:solidFill>
-              <a:latin typeface="Calibri"/>
-            </a:endParaRPr>
-          </a:p>
-        </p:txBody>
-      </p:sp>
-      <p:sp>
-        <p:nvSpPr>
-          <p:cNvPr id="119" name="PlaceHolder 4"/>
+            <a:endParaRPr b="0" lang="en-US" sz="3200" spc="-1" strike="noStrike">
+              <a:latin typeface="Arial"/>
+            </a:endParaRPr>
+          </a:p>
+        </p:txBody>
+      </p:sp>
+      <p:sp>
+        <p:nvSpPr>
+          <p:cNvPr id="110" name="PlaceHolder 4"/>
           <p:cNvSpPr>
             <a:spLocks noGrp="1"/>
           </p:cNvSpPr>
@@ -5356,8 +5173,8 @@
         </p:nvSpPr>
         <p:spPr>
           <a:xfrm>
-            <a:off x="7949160" y="1825560"/>
-            <a:ext cx="3385800" cy="2075040"/>
+            <a:off x="8029800" y="1604520"/>
+            <a:ext cx="3533040" cy="1896840"/>
           </a:xfrm>
           <a:prstGeom prst="rect">
             <a:avLst/>
@@ -5368,18 +5185,15 @@
             <a:normAutofit/>
           </a:bodyPr>
           <a:p>
-            <a:endParaRPr b="0" lang="en-US" sz="2800" spc="-1" strike="noStrike">
-              <a:solidFill>
-                <a:srgbClr val="000000"/>
-              </a:solidFill>
-              <a:latin typeface="Calibri"/>
-            </a:endParaRPr>
-          </a:p>
-        </p:txBody>
-      </p:sp>
-      <p:sp>
-        <p:nvSpPr>
-          <p:cNvPr id="120" name="PlaceHolder 5"/>
+            <a:endParaRPr b="0" lang="en-US" sz="3200" spc="-1" strike="noStrike">
+              <a:latin typeface="Arial"/>
+            </a:endParaRPr>
+          </a:p>
+        </p:txBody>
+      </p:sp>
+      <p:sp>
+        <p:nvSpPr>
+          <p:cNvPr id="111" name="PlaceHolder 5"/>
           <p:cNvSpPr>
             <a:spLocks noGrp="1"/>
           </p:cNvSpPr>
@@ -5389,8 +5203,8 @@
         </p:nvSpPr>
         <p:spPr>
           <a:xfrm>
-            <a:off x="838080" y="4098240"/>
-            <a:ext cx="3385800" cy="2075040"/>
+            <a:off x="609480" y="3682080"/>
+            <a:ext cx="3533040" cy="1896840"/>
           </a:xfrm>
           <a:prstGeom prst="rect">
             <a:avLst/>
@@ -5401,18 +5215,15 @@
             <a:normAutofit/>
           </a:bodyPr>
           <a:p>
-            <a:endParaRPr b="0" lang="en-US" sz="2800" spc="-1" strike="noStrike">
-              <a:solidFill>
-                <a:srgbClr val="000000"/>
-              </a:solidFill>
-              <a:latin typeface="Calibri"/>
-            </a:endParaRPr>
-          </a:p>
-        </p:txBody>
-      </p:sp>
-      <p:sp>
-        <p:nvSpPr>
-          <p:cNvPr id="121" name="PlaceHolder 6"/>
+            <a:endParaRPr b="0" lang="en-US" sz="3200" spc="-1" strike="noStrike">
+              <a:latin typeface="Arial"/>
+            </a:endParaRPr>
+          </a:p>
+        </p:txBody>
+      </p:sp>
+      <p:sp>
+        <p:nvSpPr>
+          <p:cNvPr id="112" name="PlaceHolder 6"/>
           <p:cNvSpPr>
             <a:spLocks noGrp="1"/>
           </p:cNvSpPr>
@@ -5422,8 +5233,8 @@
         </p:nvSpPr>
         <p:spPr>
           <a:xfrm>
-            <a:off x="4393440" y="4098240"/>
-            <a:ext cx="3385800" cy="2075040"/>
+            <a:off x="4319640" y="3682080"/>
+            <a:ext cx="3533040" cy="1896840"/>
           </a:xfrm>
           <a:prstGeom prst="rect">
             <a:avLst/>
@@ -5434,18 +5245,15 @@
             <a:normAutofit/>
           </a:bodyPr>
           <a:p>
-            <a:endParaRPr b="0" lang="en-US" sz="2800" spc="-1" strike="noStrike">
-              <a:solidFill>
-                <a:srgbClr val="000000"/>
-              </a:solidFill>
-              <a:latin typeface="Calibri"/>
-            </a:endParaRPr>
-          </a:p>
-        </p:txBody>
-      </p:sp>
-      <p:sp>
-        <p:nvSpPr>
-          <p:cNvPr id="122" name="PlaceHolder 7"/>
+            <a:endParaRPr b="0" lang="en-US" sz="3200" spc="-1" strike="noStrike">
+              <a:latin typeface="Arial"/>
+            </a:endParaRPr>
+          </a:p>
+        </p:txBody>
+      </p:sp>
+      <p:sp>
+        <p:nvSpPr>
+          <p:cNvPr id="113" name="PlaceHolder 7"/>
           <p:cNvSpPr>
             <a:spLocks noGrp="1"/>
           </p:cNvSpPr>
@@ -5455,8 +5263,8 @@
         </p:nvSpPr>
         <p:spPr>
           <a:xfrm>
-            <a:off x="7949160" y="4098240"/>
-            <a:ext cx="3385800" cy="2075040"/>
+            <a:off x="8029800" y="3682080"/>
+            <a:ext cx="3533040" cy="1896840"/>
           </a:xfrm>
           <a:prstGeom prst="rect">
             <a:avLst/>
@@ -5467,11 +5275,8 @@
             <a:normAutofit/>
           </a:bodyPr>
           <a:p>
-            <a:endParaRPr b="0" lang="en-US" sz="2800" spc="-1" strike="noStrike">
-              <a:solidFill>
-                <a:srgbClr val="000000"/>
-              </a:solidFill>
-              <a:latin typeface="Calibri"/>
+            <a:endParaRPr b="0" lang="en-US" sz="3200" spc="-1" strike="noStrike">
+              <a:latin typeface="Arial"/>
             </a:endParaRPr>
           </a:p>
         </p:txBody>
@@ -5500,7 +5305,7 @@
       </p:grpSpPr>
       <p:sp>
         <p:nvSpPr>
-          <p:cNvPr id="9" name="PlaceHolder 1"/>
+          <p:cNvPr id="6" name="PlaceHolder 1"/>
           <p:cNvSpPr>
             <a:spLocks noGrp="1"/>
           </p:cNvSpPr>
@@ -5510,8 +5315,8 @@
         </p:nvSpPr>
         <p:spPr>
           <a:xfrm>
-            <a:off x="838080" y="365040"/>
-            <a:ext cx="10515240" cy="1325160"/>
+            <a:off x="609480" y="273600"/>
+            <a:ext cx="10972440" cy="1144800"/>
           </a:xfrm>
           <a:prstGeom prst="rect">
             <a:avLst/>
@@ -5522,18 +5327,16 @@
             <a:noAutofit/>
           </a:bodyPr>
           <a:p>
-            <a:endParaRPr b="0" lang="en-US" sz="1800" spc="-1" strike="noStrike">
-              <a:solidFill>
-                <a:srgbClr val="000000"/>
-              </a:solidFill>
-              <a:latin typeface="Calibri"/>
-            </a:endParaRPr>
-          </a:p>
-        </p:txBody>
-      </p:sp>
-      <p:sp>
-        <p:nvSpPr>
-          <p:cNvPr id="10" name="PlaceHolder 2"/>
+            <a:pPr algn="ctr"/>
+            <a:endParaRPr b="0" lang="en-US" sz="4400" spc="-1" strike="noStrike">
+              <a:latin typeface="Arial"/>
+            </a:endParaRPr>
+          </a:p>
+        </p:txBody>
+      </p:sp>
+      <p:sp>
+        <p:nvSpPr>
+          <p:cNvPr id="7" name="PlaceHolder 2"/>
           <p:cNvSpPr>
             <a:spLocks noGrp="1"/>
           </p:cNvSpPr>
@@ -5543,8 +5346,8 @@
         </p:nvSpPr>
         <p:spPr>
           <a:xfrm>
-            <a:off x="838080" y="1825560"/>
-            <a:ext cx="5131080" cy="4350960"/>
+            <a:off x="609480" y="1604520"/>
+            <a:ext cx="5354280" cy="3977280"/>
           </a:xfrm>
           <a:prstGeom prst="rect">
             <a:avLst/>
@@ -5555,18 +5358,15 @@
             <a:normAutofit/>
           </a:bodyPr>
           <a:p>
-            <a:endParaRPr b="0" lang="en-US" sz="2800" spc="-1" strike="noStrike">
-              <a:solidFill>
-                <a:srgbClr val="000000"/>
-              </a:solidFill>
-              <a:latin typeface="Calibri"/>
-            </a:endParaRPr>
-          </a:p>
-        </p:txBody>
-      </p:sp>
-      <p:sp>
-        <p:nvSpPr>
-          <p:cNvPr id="11" name="PlaceHolder 3"/>
+            <a:endParaRPr b="0" lang="en-US" sz="3200" spc="-1" strike="noStrike">
+              <a:latin typeface="Arial"/>
+            </a:endParaRPr>
+          </a:p>
+        </p:txBody>
+      </p:sp>
+      <p:sp>
+        <p:nvSpPr>
+          <p:cNvPr id="8" name="PlaceHolder 3"/>
           <p:cNvSpPr>
             <a:spLocks noGrp="1"/>
           </p:cNvSpPr>
@@ -5576,8 +5376,8 @@
         </p:nvSpPr>
         <p:spPr>
           <a:xfrm>
-            <a:off x="6226200" y="1825560"/>
-            <a:ext cx="5131080" cy="4350960"/>
+            <a:off x="6231960" y="1604520"/>
+            <a:ext cx="5354280" cy="3977280"/>
           </a:xfrm>
           <a:prstGeom prst="rect">
             <a:avLst/>
@@ -5588,11 +5388,8 @@
             <a:normAutofit/>
           </a:bodyPr>
           <a:p>
-            <a:endParaRPr b="0" lang="en-US" sz="2800" spc="-1" strike="noStrike">
-              <a:solidFill>
-                <a:srgbClr val="000000"/>
-              </a:solidFill>
-              <a:latin typeface="Calibri"/>
+            <a:endParaRPr b="0" lang="en-US" sz="3200" spc="-1" strike="noStrike">
+              <a:latin typeface="Arial"/>
             </a:endParaRPr>
           </a:p>
         </p:txBody>
@@ -5621,7 +5418,7 @@
       </p:grpSpPr>
       <p:sp>
         <p:nvSpPr>
-          <p:cNvPr id="12" name="PlaceHolder 1"/>
+          <p:cNvPr id="9" name="PlaceHolder 1"/>
           <p:cNvSpPr>
             <a:spLocks noGrp="1"/>
           </p:cNvSpPr>
@@ -5631,8 +5428,8 @@
         </p:nvSpPr>
         <p:spPr>
           <a:xfrm>
-            <a:off x="838080" y="365040"/>
-            <a:ext cx="10515240" cy="1325160"/>
+            <a:off x="609480" y="273600"/>
+            <a:ext cx="10972440" cy="1144800"/>
           </a:xfrm>
           <a:prstGeom prst="rect">
             <a:avLst/>
@@ -5643,11 +5440,9 @@
             <a:noAutofit/>
           </a:bodyPr>
           <a:p>
-            <a:endParaRPr b="0" lang="en-US" sz="1800" spc="-1" strike="noStrike">
-              <a:solidFill>
-                <a:srgbClr val="000000"/>
-              </a:solidFill>
-              <a:latin typeface="Calibri"/>
+            <a:pPr algn="ctr"/>
+            <a:endParaRPr b="0" lang="en-US" sz="4400" spc="-1" strike="noStrike">
+              <a:latin typeface="Arial"/>
             </a:endParaRPr>
           </a:p>
         </p:txBody>
@@ -5676,7 +5471,7 @@
       </p:grpSpPr>
       <p:sp>
         <p:nvSpPr>
-          <p:cNvPr id="13" name="PlaceHolder 1"/>
+          <p:cNvPr id="10" name="PlaceHolder 1"/>
           <p:cNvSpPr>
             <a:spLocks noGrp="1"/>
           </p:cNvSpPr>
@@ -5686,8 +5481,8 @@
         </p:nvSpPr>
         <p:spPr>
           <a:xfrm>
-            <a:off x="838080" y="365040"/>
-            <a:ext cx="10515240" cy="6144120"/>
+            <a:off x="609480" y="273600"/>
+            <a:ext cx="10972440" cy="5307840"/>
           </a:xfrm>
           <a:prstGeom prst="rect">
             <a:avLst/>
@@ -5729,7 +5524,7 @@
       </p:grpSpPr>
       <p:sp>
         <p:nvSpPr>
-          <p:cNvPr id="14" name="PlaceHolder 1"/>
+          <p:cNvPr id="11" name="PlaceHolder 1"/>
           <p:cNvSpPr>
             <a:spLocks noGrp="1"/>
           </p:cNvSpPr>
@@ -5739,8 +5534,8 @@
         </p:nvSpPr>
         <p:spPr>
           <a:xfrm>
-            <a:off x="838080" y="365040"/>
-            <a:ext cx="10515240" cy="1325160"/>
+            <a:off x="609480" y="273600"/>
+            <a:ext cx="10972440" cy="1144800"/>
           </a:xfrm>
           <a:prstGeom prst="rect">
             <a:avLst/>
@@ -5751,18 +5546,16 @@
             <a:noAutofit/>
           </a:bodyPr>
           <a:p>
-            <a:endParaRPr b="0" lang="en-US" sz="1800" spc="-1" strike="noStrike">
-              <a:solidFill>
-                <a:srgbClr val="000000"/>
-              </a:solidFill>
-              <a:latin typeface="Calibri"/>
-            </a:endParaRPr>
-          </a:p>
-        </p:txBody>
-      </p:sp>
-      <p:sp>
-        <p:nvSpPr>
-          <p:cNvPr id="15" name="PlaceHolder 2"/>
+            <a:pPr algn="ctr"/>
+            <a:endParaRPr b="0" lang="en-US" sz="4400" spc="-1" strike="noStrike">
+              <a:latin typeface="Arial"/>
+            </a:endParaRPr>
+          </a:p>
+        </p:txBody>
+      </p:sp>
+      <p:sp>
+        <p:nvSpPr>
+          <p:cNvPr id="12" name="PlaceHolder 2"/>
           <p:cNvSpPr>
             <a:spLocks noGrp="1"/>
           </p:cNvSpPr>
@@ -5772,8 +5565,8 @@
         </p:nvSpPr>
         <p:spPr>
           <a:xfrm>
-            <a:off x="838080" y="1825560"/>
-            <a:ext cx="5131080" cy="2075040"/>
+            <a:off x="609480" y="1604520"/>
+            <a:ext cx="5354280" cy="1896840"/>
           </a:xfrm>
           <a:prstGeom prst="rect">
             <a:avLst/>
@@ -5784,18 +5577,15 @@
             <a:normAutofit/>
           </a:bodyPr>
           <a:p>
-            <a:endParaRPr b="0" lang="en-US" sz="2800" spc="-1" strike="noStrike">
-              <a:solidFill>
-                <a:srgbClr val="000000"/>
-              </a:solidFill>
-              <a:latin typeface="Calibri"/>
-            </a:endParaRPr>
-          </a:p>
-        </p:txBody>
-      </p:sp>
-      <p:sp>
-        <p:nvSpPr>
-          <p:cNvPr id="16" name="PlaceHolder 3"/>
+            <a:endParaRPr b="0" lang="en-US" sz="3200" spc="-1" strike="noStrike">
+              <a:latin typeface="Arial"/>
+            </a:endParaRPr>
+          </a:p>
+        </p:txBody>
+      </p:sp>
+      <p:sp>
+        <p:nvSpPr>
+          <p:cNvPr id="13" name="PlaceHolder 3"/>
           <p:cNvSpPr>
             <a:spLocks noGrp="1"/>
           </p:cNvSpPr>
@@ -5805,8 +5595,8 @@
         </p:nvSpPr>
         <p:spPr>
           <a:xfrm>
-            <a:off x="6226200" y="1825560"/>
-            <a:ext cx="5131080" cy="4350960"/>
+            <a:off x="6231960" y="1604520"/>
+            <a:ext cx="5354280" cy="3977280"/>
           </a:xfrm>
           <a:prstGeom prst="rect">
             <a:avLst/>
@@ -5817,18 +5607,15 @@
             <a:normAutofit/>
           </a:bodyPr>
           <a:p>
-            <a:endParaRPr b="0" lang="en-US" sz="2800" spc="-1" strike="noStrike">
-              <a:solidFill>
-                <a:srgbClr val="000000"/>
-              </a:solidFill>
-              <a:latin typeface="Calibri"/>
-            </a:endParaRPr>
-          </a:p>
-        </p:txBody>
-      </p:sp>
-      <p:sp>
-        <p:nvSpPr>
-          <p:cNvPr id="17" name="PlaceHolder 4"/>
+            <a:endParaRPr b="0" lang="en-US" sz="3200" spc="-1" strike="noStrike">
+              <a:latin typeface="Arial"/>
+            </a:endParaRPr>
+          </a:p>
+        </p:txBody>
+      </p:sp>
+      <p:sp>
+        <p:nvSpPr>
+          <p:cNvPr id="14" name="PlaceHolder 4"/>
           <p:cNvSpPr>
             <a:spLocks noGrp="1"/>
           </p:cNvSpPr>
@@ -5838,8 +5625,8 @@
         </p:nvSpPr>
         <p:spPr>
           <a:xfrm>
-            <a:off x="838080" y="4098240"/>
-            <a:ext cx="5131080" cy="2075040"/>
+            <a:off x="609480" y="3682080"/>
+            <a:ext cx="5354280" cy="1896840"/>
           </a:xfrm>
           <a:prstGeom prst="rect">
             <a:avLst/>
@@ -5850,11 +5637,8 @@
             <a:normAutofit/>
           </a:bodyPr>
           <a:p>
-            <a:endParaRPr b="0" lang="en-US" sz="2800" spc="-1" strike="noStrike">
-              <a:solidFill>
-                <a:srgbClr val="000000"/>
-              </a:solidFill>
-              <a:latin typeface="Calibri"/>
+            <a:endParaRPr b="0" lang="en-US" sz="3200" spc="-1" strike="noStrike">
+              <a:latin typeface="Arial"/>
             </a:endParaRPr>
           </a:p>
         </p:txBody>
@@ -5883,7 +5667,7 @@
       </p:grpSpPr>
       <p:sp>
         <p:nvSpPr>
-          <p:cNvPr id="18" name="PlaceHolder 1"/>
+          <p:cNvPr id="15" name="PlaceHolder 1"/>
           <p:cNvSpPr>
             <a:spLocks noGrp="1"/>
           </p:cNvSpPr>
@@ -5893,8 +5677,8 @@
         </p:nvSpPr>
         <p:spPr>
           <a:xfrm>
-            <a:off x="838080" y="365040"/>
-            <a:ext cx="10515240" cy="1325160"/>
+            <a:off x="609480" y="273600"/>
+            <a:ext cx="10972440" cy="1144800"/>
           </a:xfrm>
           <a:prstGeom prst="rect">
             <a:avLst/>
@@ -5905,18 +5689,16 @@
             <a:noAutofit/>
           </a:bodyPr>
           <a:p>
-            <a:endParaRPr b="0" lang="en-US" sz="1800" spc="-1" strike="noStrike">
-              <a:solidFill>
-                <a:srgbClr val="000000"/>
-              </a:solidFill>
-              <a:latin typeface="Calibri"/>
-            </a:endParaRPr>
-          </a:p>
-        </p:txBody>
-      </p:sp>
-      <p:sp>
-        <p:nvSpPr>
-          <p:cNvPr id="19" name="PlaceHolder 2"/>
+            <a:pPr algn="ctr"/>
+            <a:endParaRPr b="0" lang="en-US" sz="4400" spc="-1" strike="noStrike">
+              <a:latin typeface="Arial"/>
+            </a:endParaRPr>
+          </a:p>
+        </p:txBody>
+      </p:sp>
+      <p:sp>
+        <p:nvSpPr>
+          <p:cNvPr id="16" name="PlaceHolder 2"/>
           <p:cNvSpPr>
             <a:spLocks noGrp="1"/>
           </p:cNvSpPr>
@@ -5926,8 +5708,8 @@
         </p:nvSpPr>
         <p:spPr>
           <a:xfrm>
-            <a:off x="838080" y="1825560"/>
-            <a:ext cx="5131080" cy="4350960"/>
+            <a:off x="609480" y="1604520"/>
+            <a:ext cx="5354280" cy="3977280"/>
           </a:xfrm>
           <a:prstGeom prst="rect">
             <a:avLst/>
@@ -5938,18 +5720,15 @@
             <a:normAutofit/>
           </a:bodyPr>
           <a:p>
-            <a:endParaRPr b="0" lang="en-US" sz="2800" spc="-1" strike="noStrike">
-              <a:solidFill>
-                <a:srgbClr val="000000"/>
-              </a:solidFill>
-              <a:latin typeface="Calibri"/>
-            </a:endParaRPr>
-          </a:p>
-        </p:txBody>
-      </p:sp>
-      <p:sp>
-        <p:nvSpPr>
-          <p:cNvPr id="20" name="PlaceHolder 3"/>
+            <a:endParaRPr b="0" lang="en-US" sz="3200" spc="-1" strike="noStrike">
+              <a:latin typeface="Arial"/>
+            </a:endParaRPr>
+          </a:p>
+        </p:txBody>
+      </p:sp>
+      <p:sp>
+        <p:nvSpPr>
+          <p:cNvPr id="17" name="PlaceHolder 3"/>
           <p:cNvSpPr>
             <a:spLocks noGrp="1"/>
           </p:cNvSpPr>
@@ -5959,8 +5738,8 @@
         </p:nvSpPr>
         <p:spPr>
           <a:xfrm>
-            <a:off x="6226200" y="1825560"/>
-            <a:ext cx="5131080" cy="2075040"/>
+            <a:off x="6231960" y="1604520"/>
+            <a:ext cx="5354280" cy="1896840"/>
           </a:xfrm>
           <a:prstGeom prst="rect">
             <a:avLst/>
@@ -5971,18 +5750,15 @@
             <a:normAutofit/>
           </a:bodyPr>
           <a:p>
-            <a:endParaRPr b="0" lang="en-US" sz="2800" spc="-1" strike="noStrike">
-              <a:solidFill>
-                <a:srgbClr val="000000"/>
-              </a:solidFill>
-              <a:latin typeface="Calibri"/>
-            </a:endParaRPr>
-          </a:p>
-        </p:txBody>
-      </p:sp>
-      <p:sp>
-        <p:nvSpPr>
-          <p:cNvPr id="21" name="PlaceHolder 4"/>
+            <a:endParaRPr b="0" lang="en-US" sz="3200" spc="-1" strike="noStrike">
+              <a:latin typeface="Arial"/>
+            </a:endParaRPr>
+          </a:p>
+        </p:txBody>
+      </p:sp>
+      <p:sp>
+        <p:nvSpPr>
+          <p:cNvPr id="18" name="PlaceHolder 4"/>
           <p:cNvSpPr>
             <a:spLocks noGrp="1"/>
           </p:cNvSpPr>
@@ -5992,8 +5768,8 @@
         </p:nvSpPr>
         <p:spPr>
           <a:xfrm>
-            <a:off x="6226200" y="4098240"/>
-            <a:ext cx="5131080" cy="2075040"/>
+            <a:off x="6231960" y="3682080"/>
+            <a:ext cx="5354280" cy="1896840"/>
           </a:xfrm>
           <a:prstGeom prst="rect">
             <a:avLst/>
@@ -6004,11 +5780,8 @@
             <a:normAutofit/>
           </a:bodyPr>
           <a:p>
-            <a:endParaRPr b="0" lang="en-US" sz="2800" spc="-1" strike="noStrike">
-              <a:solidFill>
-                <a:srgbClr val="000000"/>
-              </a:solidFill>
-              <a:latin typeface="Calibri"/>
+            <a:endParaRPr b="0" lang="en-US" sz="3200" spc="-1" strike="noStrike">
+              <a:latin typeface="Arial"/>
             </a:endParaRPr>
           </a:p>
         </p:txBody>
@@ -6037,7 +5810,7 @@
       </p:grpSpPr>
       <p:sp>
         <p:nvSpPr>
-          <p:cNvPr id="22" name="PlaceHolder 1"/>
+          <p:cNvPr id="19" name="PlaceHolder 1"/>
           <p:cNvSpPr>
             <a:spLocks noGrp="1"/>
           </p:cNvSpPr>
@@ -6047,8 +5820,8 @@
         </p:nvSpPr>
         <p:spPr>
           <a:xfrm>
-            <a:off x="838080" y="365040"/>
-            <a:ext cx="10515240" cy="1325160"/>
+            <a:off x="609480" y="273600"/>
+            <a:ext cx="10972440" cy="1144800"/>
           </a:xfrm>
           <a:prstGeom prst="rect">
             <a:avLst/>
@@ -6059,18 +5832,16 @@
             <a:noAutofit/>
           </a:bodyPr>
           <a:p>
-            <a:endParaRPr b="0" lang="en-US" sz="1800" spc="-1" strike="noStrike">
-              <a:solidFill>
-                <a:srgbClr val="000000"/>
-              </a:solidFill>
-              <a:latin typeface="Calibri"/>
-            </a:endParaRPr>
-          </a:p>
-        </p:txBody>
-      </p:sp>
-      <p:sp>
-        <p:nvSpPr>
-          <p:cNvPr id="23" name="PlaceHolder 2"/>
+            <a:pPr algn="ctr"/>
+            <a:endParaRPr b="0" lang="en-US" sz="4400" spc="-1" strike="noStrike">
+              <a:latin typeface="Arial"/>
+            </a:endParaRPr>
+          </a:p>
+        </p:txBody>
+      </p:sp>
+      <p:sp>
+        <p:nvSpPr>
+          <p:cNvPr id="20" name="PlaceHolder 2"/>
           <p:cNvSpPr>
             <a:spLocks noGrp="1"/>
           </p:cNvSpPr>
@@ -6080,8 +5851,8 @@
         </p:nvSpPr>
         <p:spPr>
           <a:xfrm>
-            <a:off x="838080" y="1825560"/>
-            <a:ext cx="5131080" cy="2075040"/>
+            <a:off x="609480" y="1604520"/>
+            <a:ext cx="5354280" cy="1896840"/>
           </a:xfrm>
           <a:prstGeom prst="rect">
             <a:avLst/>
@@ -6092,18 +5863,15 @@
             <a:normAutofit/>
           </a:bodyPr>
           <a:p>
-            <a:endParaRPr b="0" lang="en-US" sz="2800" spc="-1" strike="noStrike">
-              <a:solidFill>
-                <a:srgbClr val="000000"/>
-              </a:solidFill>
-              <a:latin typeface="Calibri"/>
-            </a:endParaRPr>
-          </a:p>
-        </p:txBody>
-      </p:sp>
-      <p:sp>
-        <p:nvSpPr>
-          <p:cNvPr id="24" name="PlaceHolder 3"/>
+            <a:endParaRPr b="0" lang="en-US" sz="3200" spc="-1" strike="noStrike">
+              <a:latin typeface="Arial"/>
+            </a:endParaRPr>
+          </a:p>
+        </p:txBody>
+      </p:sp>
+      <p:sp>
+        <p:nvSpPr>
+          <p:cNvPr id="21" name="PlaceHolder 3"/>
           <p:cNvSpPr>
             <a:spLocks noGrp="1"/>
           </p:cNvSpPr>
@@ -6113,8 +5881,8 @@
         </p:nvSpPr>
         <p:spPr>
           <a:xfrm>
-            <a:off x="6226200" y="1825560"/>
-            <a:ext cx="5131080" cy="2075040"/>
+            <a:off x="6231960" y="1604520"/>
+            <a:ext cx="5354280" cy="1896840"/>
           </a:xfrm>
           <a:prstGeom prst="rect">
             <a:avLst/>
@@ -6125,18 +5893,15 @@
             <a:normAutofit/>
           </a:bodyPr>
           <a:p>
-            <a:endParaRPr b="0" lang="en-US" sz="2800" spc="-1" strike="noStrike">
-              <a:solidFill>
-                <a:srgbClr val="000000"/>
-              </a:solidFill>
-              <a:latin typeface="Calibri"/>
-            </a:endParaRPr>
-          </a:p>
-        </p:txBody>
-      </p:sp>
-      <p:sp>
-        <p:nvSpPr>
-          <p:cNvPr id="25" name="PlaceHolder 4"/>
+            <a:endParaRPr b="0" lang="en-US" sz="3200" spc="-1" strike="noStrike">
+              <a:latin typeface="Arial"/>
+            </a:endParaRPr>
+          </a:p>
+        </p:txBody>
+      </p:sp>
+      <p:sp>
+        <p:nvSpPr>
+          <p:cNvPr id="22" name="PlaceHolder 4"/>
           <p:cNvSpPr>
             <a:spLocks noGrp="1"/>
           </p:cNvSpPr>
@@ -6146,8 +5911,8 @@
         </p:nvSpPr>
         <p:spPr>
           <a:xfrm>
-            <a:off x="838080" y="4098240"/>
-            <a:ext cx="10515240" cy="2075040"/>
+            <a:off x="609480" y="3682080"/>
+            <a:ext cx="10972440" cy="1896840"/>
           </a:xfrm>
           <a:prstGeom prst="rect">
             <a:avLst/>
@@ -6158,11 +5923,8 @@
             <a:normAutofit/>
           </a:bodyPr>
           <a:p>
-            <a:endParaRPr b="0" lang="en-US" sz="2800" spc="-1" strike="noStrike">
-              <a:solidFill>
-                <a:srgbClr val="000000"/>
-              </a:solidFill>
-              <a:latin typeface="Calibri"/>
+            <a:endParaRPr b="0" lang="en-US" sz="3200" spc="-1" strike="noStrike">
+              <a:latin typeface="Arial"/>
             </a:endParaRPr>
           </a:p>
         </p:txBody>
@@ -6208,46 +5970,27 @@
         </p:nvSpPr>
         <p:spPr>
           <a:xfrm>
-            <a:off x="1523880" y="1122480"/>
-            <a:ext cx="9143640" cy="2387160"/>
-          </a:xfrm>
-          <a:prstGeom prst="rect">
-            <a:avLst/>
-          </a:prstGeom>
-        </p:spPr>
-        <p:txBody>
-          <a:bodyPr anchor="b">
+            <a:off x="838080" y="365040"/>
+            <a:ext cx="10514880" cy="1324800"/>
+          </a:xfrm>
+          <a:prstGeom prst="rect">
+            <a:avLst/>
+          </a:prstGeom>
+        </p:spPr>
+        <p:txBody>
+          <a:bodyPr lIns="0" rIns="0" tIns="0" bIns="0" anchor="ctr">
             <a:noAutofit/>
           </a:bodyPr>
           <a:p>
-            <a:pPr algn="ctr">
-              <a:lnSpc>
-                <a:spcPct val="90000"/>
-              </a:lnSpc>
-            </a:pPr>
+            <a:pPr algn="ctr"/>
             <a:r>
-              <a:rPr b="0" lang="en-US" sz="6000" spc="-1" strike="noStrike">
-                <a:solidFill>
-                  <a:srgbClr val="000000"/>
-                </a:solidFill>
-                <a:latin typeface="Calibri Light"/>
+              <a:rPr b="0" lang="en-US" sz="1800" spc="-1" strike="noStrike">
+                <a:latin typeface="Arial"/>
               </a:rPr>
-              <a:t>Click to edit Master title </a:t>
+              <a:t>Click to edit the title text format</a:t>
             </a:r>
-            <a:r>
-              <a:rPr b="0" lang="en-US" sz="6000" spc="-1" strike="noStrike">
-                <a:solidFill>
-                  <a:srgbClr val="000000"/>
-                </a:solidFill>
-                <a:latin typeface="Calibri Light"/>
-              </a:rPr>
-              <a:t>style</a:t>
-            </a:r>
-            <a:endParaRPr b="0" lang="en-US" sz="6000" spc="-1" strike="noStrike">
-              <a:solidFill>
-                <a:srgbClr val="000000"/>
-              </a:solidFill>
-              <a:latin typeface="Calibri"/>
+            <a:endParaRPr b="0" lang="en-US" sz="1800" spc="-1" strike="noStrike">
+              <a:latin typeface="Arial"/>
             </a:endParaRPr>
           </a:p>
         </p:txBody>
@@ -6255,124 +5998,6 @@
       <p:sp>
         <p:nvSpPr>
           <p:cNvPr id="1" name="PlaceHolder 2"/>
-          <p:cNvSpPr>
-            <a:spLocks noGrp="1"/>
-          </p:cNvSpPr>
-          <p:nvPr>
-            <p:ph type="dt"/>
-          </p:nvPr>
-        </p:nvSpPr>
-        <p:spPr>
-          <a:xfrm>
-            <a:off x="838080" y="6356520"/>
-            <a:ext cx="2742840" cy="364680"/>
-          </a:xfrm>
-          <a:prstGeom prst="rect">
-            <a:avLst/>
-          </a:prstGeom>
-        </p:spPr>
-        <p:txBody>
-          <a:bodyPr anchor="ctr">
-            <a:noAutofit/>
-          </a:bodyPr>
-          <a:p>
-            <a:pPr>
-              <a:lnSpc>
-                <a:spcPct val="100000"/>
-              </a:lnSpc>
-            </a:pPr>
-            <a:fld id="{AB52DFEF-9146-4A04-AF41-56345B1BE782}" type="datetime">
-              <a:rPr b="0" lang="en-US" sz="1200" spc="-1" strike="noStrike">
-                <a:solidFill>
-                  <a:srgbClr val="8b8b8b"/>
-                </a:solidFill>
-                <a:latin typeface="Calibri"/>
-              </a:rPr>
-              <a:t>9/7/20</a:t>
-            </a:fld>
-            <a:endParaRPr b="0" lang="en-US" sz="1200" spc="-1" strike="noStrike">
-              <a:latin typeface="Times New Roman"/>
-            </a:endParaRPr>
-          </a:p>
-        </p:txBody>
-      </p:sp>
-      <p:sp>
-        <p:nvSpPr>
-          <p:cNvPr id="2" name="PlaceHolder 3"/>
-          <p:cNvSpPr>
-            <a:spLocks noGrp="1"/>
-          </p:cNvSpPr>
-          <p:nvPr>
-            <p:ph type="ftr"/>
-          </p:nvPr>
-        </p:nvSpPr>
-        <p:spPr>
-          <a:xfrm>
-            <a:off x="4038480" y="6356520"/>
-            <a:ext cx="4114440" cy="364680"/>
-          </a:xfrm>
-          <a:prstGeom prst="rect">
-            <a:avLst/>
-          </a:prstGeom>
-        </p:spPr>
-        <p:txBody>
-          <a:bodyPr anchor="ctr">
-            <a:noAutofit/>
-          </a:bodyPr>
-          <a:p>
-            <a:endParaRPr b="0" lang="en-US" sz="2400" spc="-1" strike="noStrike">
-              <a:latin typeface="Times New Roman"/>
-            </a:endParaRPr>
-          </a:p>
-        </p:txBody>
-      </p:sp>
-      <p:sp>
-        <p:nvSpPr>
-          <p:cNvPr id="3" name="PlaceHolder 4"/>
-          <p:cNvSpPr>
-            <a:spLocks noGrp="1"/>
-          </p:cNvSpPr>
-          <p:nvPr>
-            <p:ph type="sldNum"/>
-          </p:nvPr>
-        </p:nvSpPr>
-        <p:spPr>
-          <a:xfrm>
-            <a:off x="8610480" y="6356520"/>
-            <a:ext cx="2742840" cy="364680"/>
-          </a:xfrm>
-          <a:prstGeom prst="rect">
-            <a:avLst/>
-          </a:prstGeom>
-        </p:spPr>
-        <p:txBody>
-          <a:bodyPr anchor="ctr">
-            <a:noAutofit/>
-          </a:bodyPr>
-          <a:p>
-            <a:pPr algn="r">
-              <a:lnSpc>
-                <a:spcPct val="100000"/>
-              </a:lnSpc>
-            </a:pPr>
-            <a:fld id="{D198560F-7898-40FC-8563-3D0CFE14A7A2}" type="slidenum">
-              <a:rPr b="0" lang="en-US" sz="1200" spc="-1" strike="noStrike">
-                <a:solidFill>
-                  <a:srgbClr val="8b8b8b"/>
-                </a:solidFill>
-                <a:latin typeface="Calibri"/>
-              </a:rPr>
-              <a:t>4</a:t>
-            </a:fld>
-            <a:endParaRPr b="0" lang="en-US" sz="1200" spc="-1" strike="noStrike">
-              <a:latin typeface="Times New Roman"/>
-            </a:endParaRPr>
-          </a:p>
-        </p:txBody>
-      </p:sp>
-      <p:sp>
-        <p:nvSpPr>
-          <p:cNvPr id="4" name="PlaceHolder 5"/>
           <p:cNvSpPr>
             <a:spLocks noGrp="1"/>
           </p:cNvSpPr>
@@ -6406,19 +6031,13 @@
               <a:buChar char=""/>
             </a:pPr>
             <a:r>
-              <a:rPr b="0" lang="en-US" sz="2800" spc="-1" strike="noStrike">
-                <a:solidFill>
-                  <a:srgbClr val="000000"/>
-                </a:solidFill>
-                <a:latin typeface="Calibri"/>
+              <a:rPr b="0" lang="en-US" sz="3200" spc="-1" strike="noStrike">
+                <a:latin typeface="Arial"/>
               </a:rPr>
               <a:t>Click to edit the outline text format</a:t>
             </a:r>
-            <a:endParaRPr b="0" lang="en-US" sz="2800" spc="-1" strike="noStrike">
-              <a:solidFill>
-                <a:srgbClr val="000000"/>
-              </a:solidFill>
-              <a:latin typeface="Calibri"/>
+            <a:endParaRPr b="0" lang="en-US" sz="3200" spc="-1" strike="noStrike">
+              <a:latin typeface="Arial"/>
             </a:endParaRPr>
           </a:p>
           <a:p>
@@ -6434,19 +6053,13 @@
               <a:buChar char=""/>
             </a:pPr>
             <a:r>
-              <a:rPr b="0" lang="en-US" sz="2000" spc="-1" strike="noStrike">
-                <a:solidFill>
-                  <a:srgbClr val="000000"/>
-                </a:solidFill>
-                <a:latin typeface="Calibri"/>
+              <a:rPr b="0" lang="en-US" sz="2800" spc="-1" strike="noStrike">
+                <a:latin typeface="Arial"/>
               </a:rPr>
               <a:t>Second Outline Level</a:t>
             </a:r>
-            <a:endParaRPr b="0" lang="en-US" sz="2000" spc="-1" strike="noStrike">
-              <a:solidFill>
-                <a:srgbClr val="000000"/>
-              </a:solidFill>
-              <a:latin typeface="Calibri"/>
+            <a:endParaRPr b="0" lang="en-US" sz="2800" spc="-1" strike="noStrike">
+              <a:latin typeface="Arial"/>
             </a:endParaRPr>
           </a:p>
           <a:p>
@@ -6462,19 +6075,13 @@
               <a:buChar char=""/>
             </a:pPr>
             <a:r>
-              <a:rPr b="0" lang="en-US" sz="1800" spc="-1" strike="noStrike">
-                <a:solidFill>
-                  <a:srgbClr val="000000"/>
-                </a:solidFill>
-                <a:latin typeface="Calibri"/>
+              <a:rPr b="0" lang="en-US" sz="2400" spc="-1" strike="noStrike">
+                <a:latin typeface="Arial"/>
               </a:rPr>
               <a:t>Third Outline Level</a:t>
             </a:r>
-            <a:endParaRPr b="0" lang="en-US" sz="1800" spc="-1" strike="noStrike">
-              <a:solidFill>
-                <a:srgbClr val="000000"/>
-              </a:solidFill>
-              <a:latin typeface="Calibri"/>
+            <a:endParaRPr b="0" lang="en-US" sz="2400" spc="-1" strike="noStrike">
+              <a:latin typeface="Arial"/>
             </a:endParaRPr>
           </a:p>
           <a:p>
@@ -6490,19 +6097,13 @@
               <a:buChar char=""/>
             </a:pPr>
             <a:r>
-              <a:rPr b="0" lang="en-US" sz="1800" spc="-1" strike="noStrike">
-                <a:solidFill>
-                  <a:srgbClr val="000000"/>
-                </a:solidFill>
-                <a:latin typeface="Calibri"/>
+              <a:rPr b="0" lang="en-US" sz="2000" spc="-1" strike="noStrike">
+                <a:latin typeface="Arial"/>
               </a:rPr>
               <a:t>Fourth Outline Level</a:t>
             </a:r>
-            <a:endParaRPr b="0" lang="en-US" sz="1800" spc="-1" strike="noStrike">
-              <a:solidFill>
-                <a:srgbClr val="000000"/>
-              </a:solidFill>
-              <a:latin typeface="Calibri"/>
+            <a:endParaRPr b="0" lang="en-US" sz="2000" spc="-1" strike="noStrike">
+              <a:latin typeface="Arial"/>
             </a:endParaRPr>
           </a:p>
           <a:p>
@@ -6519,18 +6120,12 @@
             </a:pPr>
             <a:r>
               <a:rPr b="0" lang="en-US" sz="2000" spc="-1" strike="noStrike">
-                <a:solidFill>
-                  <a:srgbClr val="000000"/>
-                </a:solidFill>
-                <a:latin typeface="Calibri"/>
+                <a:latin typeface="Arial"/>
               </a:rPr>
               <a:t>Fifth Outline Level</a:t>
             </a:r>
             <a:endParaRPr b="0" lang="en-US" sz="2000" spc="-1" strike="noStrike">
-              <a:solidFill>
-                <a:srgbClr val="000000"/>
-              </a:solidFill>
-              <a:latin typeface="Calibri"/>
+              <a:latin typeface="Arial"/>
             </a:endParaRPr>
           </a:p>
           <a:p>
@@ -6547,18 +6142,12 @@
             </a:pPr>
             <a:r>
               <a:rPr b="0" lang="en-US" sz="2000" spc="-1" strike="noStrike">
-                <a:solidFill>
-                  <a:srgbClr val="000000"/>
-                </a:solidFill>
-                <a:latin typeface="Calibri"/>
+                <a:latin typeface="Arial"/>
               </a:rPr>
               <a:t>Sixth Outline Level</a:t>
             </a:r>
             <a:endParaRPr b="0" lang="en-US" sz="2000" spc="-1" strike="noStrike">
-              <a:solidFill>
-                <a:srgbClr val="000000"/>
-              </a:solidFill>
-              <a:latin typeface="Calibri"/>
+              <a:latin typeface="Arial"/>
             </a:endParaRPr>
           </a:p>
           <a:p>
@@ -6575,18 +6164,12 @@
             </a:pPr>
             <a:r>
               <a:rPr b="0" lang="en-US" sz="2000" spc="-1" strike="noStrike">
-                <a:solidFill>
-                  <a:srgbClr val="000000"/>
-                </a:solidFill>
-                <a:latin typeface="Calibri"/>
+                <a:latin typeface="Arial"/>
               </a:rPr>
               <a:t>Seventh Outline Level</a:t>
             </a:r>
             <a:endParaRPr b="0" lang="en-US" sz="2000" spc="-1" strike="noStrike">
-              <a:solidFill>
-                <a:srgbClr val="000000"/>
-              </a:solidFill>
-              <a:latin typeface="Calibri"/>
+              <a:latin typeface="Arial"/>
             </a:endParaRPr>
           </a:p>
         </p:txBody>
@@ -6637,7 +6220,7 @@
       </p:grpSpPr>
       <p:sp>
         <p:nvSpPr>
-          <p:cNvPr id="41" name="PlaceHolder 1"/>
+          <p:cNvPr id="38" name="PlaceHolder 1"/>
           <p:cNvSpPr>
             <a:spLocks noGrp="1"/>
           </p:cNvSpPr>
@@ -6648,440 +6231,33 @@
         <p:spPr>
           <a:xfrm>
             <a:off x="838080" y="365040"/>
-            <a:ext cx="10515240" cy="1325160"/>
-          </a:xfrm>
-          <a:prstGeom prst="rect">
-            <a:avLst/>
-          </a:prstGeom>
-        </p:spPr>
-        <p:txBody>
-          <a:bodyPr anchor="ctr">
+            <a:ext cx="10514880" cy="1324800"/>
+          </a:xfrm>
+          <a:prstGeom prst="rect">
+            <a:avLst/>
+          </a:prstGeom>
+        </p:spPr>
+        <p:txBody>
+          <a:bodyPr lIns="0" rIns="0" tIns="0" bIns="0" anchor="ctr">
             <a:noAutofit/>
           </a:bodyPr>
           <a:p>
-            <a:pPr>
-              <a:lnSpc>
-                <a:spcPct val="90000"/>
-              </a:lnSpc>
-            </a:pPr>
+            <a:pPr algn="ctr"/>
             <a:r>
-              <a:rPr b="0" lang="en-US" sz="4400" spc="-1" strike="noStrike">
-                <a:solidFill>
-                  <a:srgbClr val="000000"/>
-                </a:solidFill>
-                <a:latin typeface="Calibri Light"/>
+              <a:rPr b="0" lang="en-US" sz="1800" spc="-1" strike="noStrike">
+                <a:latin typeface="Arial"/>
               </a:rPr>
-              <a:t>C</a:t>
+              <a:t>Click to edit the title text format</a:t>
             </a:r>
-            <a:r>
-              <a:rPr b="0" lang="en-US" sz="4400" spc="-1" strike="noStrike">
-                <a:solidFill>
-                  <a:srgbClr val="000000"/>
-                </a:solidFill>
-                <a:latin typeface="Calibri Light"/>
-              </a:rPr>
-              <a:t>l</a:t>
-            </a:r>
-            <a:r>
-              <a:rPr b="0" lang="en-US" sz="4400" spc="-1" strike="noStrike">
-                <a:solidFill>
-                  <a:srgbClr val="000000"/>
-                </a:solidFill>
-                <a:latin typeface="Calibri Light"/>
-              </a:rPr>
-              <a:t>i</a:t>
-            </a:r>
-            <a:r>
-              <a:rPr b="0" lang="en-US" sz="4400" spc="-1" strike="noStrike">
-                <a:solidFill>
-                  <a:srgbClr val="000000"/>
-                </a:solidFill>
-                <a:latin typeface="Calibri Light"/>
-              </a:rPr>
-              <a:t>c</a:t>
-            </a:r>
-            <a:r>
-              <a:rPr b="0" lang="en-US" sz="4400" spc="-1" strike="noStrike">
-                <a:solidFill>
-                  <a:srgbClr val="000000"/>
-                </a:solidFill>
-                <a:latin typeface="Calibri Light"/>
-              </a:rPr>
-              <a:t>k</a:t>
-            </a:r>
-            <a:r>
-              <a:rPr b="0" lang="en-US" sz="4400" spc="-1" strike="noStrike">
-                <a:solidFill>
-                  <a:srgbClr val="000000"/>
-                </a:solidFill>
-                <a:latin typeface="Calibri Light"/>
-              </a:rPr>
-              <a:t> </a:t>
-            </a:r>
-            <a:r>
-              <a:rPr b="0" lang="en-US" sz="4400" spc="-1" strike="noStrike">
-                <a:solidFill>
-                  <a:srgbClr val="000000"/>
-                </a:solidFill>
-                <a:latin typeface="Calibri Light"/>
-              </a:rPr>
-              <a:t>t</a:t>
-            </a:r>
-            <a:r>
-              <a:rPr b="0" lang="en-US" sz="4400" spc="-1" strike="noStrike">
-                <a:solidFill>
-                  <a:srgbClr val="000000"/>
-                </a:solidFill>
-                <a:latin typeface="Calibri Light"/>
-              </a:rPr>
-              <a:t>o</a:t>
-            </a:r>
-            <a:r>
-              <a:rPr b="0" lang="en-US" sz="4400" spc="-1" strike="noStrike">
-                <a:solidFill>
-                  <a:srgbClr val="000000"/>
-                </a:solidFill>
-                <a:latin typeface="Calibri Light"/>
-              </a:rPr>
-              <a:t> </a:t>
-            </a:r>
-            <a:r>
-              <a:rPr b="0" lang="en-US" sz="4400" spc="-1" strike="noStrike">
-                <a:solidFill>
-                  <a:srgbClr val="000000"/>
-                </a:solidFill>
-                <a:latin typeface="Calibri Light"/>
-              </a:rPr>
-              <a:t>e</a:t>
-            </a:r>
-            <a:r>
-              <a:rPr b="0" lang="en-US" sz="4400" spc="-1" strike="noStrike">
-                <a:solidFill>
-                  <a:srgbClr val="000000"/>
-                </a:solidFill>
-                <a:latin typeface="Calibri Light"/>
-              </a:rPr>
-              <a:t>d</a:t>
-            </a:r>
-            <a:r>
-              <a:rPr b="0" lang="en-US" sz="4400" spc="-1" strike="noStrike">
-                <a:solidFill>
-                  <a:srgbClr val="000000"/>
-                </a:solidFill>
-                <a:latin typeface="Calibri Light"/>
-              </a:rPr>
-              <a:t>i</a:t>
-            </a:r>
-            <a:r>
-              <a:rPr b="0" lang="en-US" sz="4400" spc="-1" strike="noStrike">
-                <a:solidFill>
-                  <a:srgbClr val="000000"/>
-                </a:solidFill>
-                <a:latin typeface="Calibri Light"/>
-              </a:rPr>
-              <a:t>t</a:t>
-            </a:r>
-            <a:r>
-              <a:rPr b="0" lang="en-US" sz="4400" spc="-1" strike="noStrike">
-                <a:solidFill>
-                  <a:srgbClr val="000000"/>
-                </a:solidFill>
-                <a:latin typeface="Calibri Light"/>
-              </a:rPr>
-              <a:t> </a:t>
-            </a:r>
-            <a:r>
-              <a:rPr b="0" lang="en-US" sz="4400" spc="-1" strike="noStrike">
-                <a:solidFill>
-                  <a:srgbClr val="000000"/>
-                </a:solidFill>
-                <a:latin typeface="Calibri Light"/>
-              </a:rPr>
-              <a:t>M</a:t>
-            </a:r>
-            <a:r>
-              <a:rPr b="0" lang="en-US" sz="4400" spc="-1" strike="noStrike">
-                <a:solidFill>
-                  <a:srgbClr val="000000"/>
-                </a:solidFill>
-                <a:latin typeface="Calibri Light"/>
-              </a:rPr>
-              <a:t>a</a:t>
-            </a:r>
-            <a:r>
-              <a:rPr b="0" lang="en-US" sz="4400" spc="-1" strike="noStrike">
-                <a:solidFill>
-                  <a:srgbClr val="000000"/>
-                </a:solidFill>
-                <a:latin typeface="Calibri Light"/>
-              </a:rPr>
-              <a:t>s</a:t>
-            </a:r>
-            <a:r>
-              <a:rPr b="0" lang="en-US" sz="4400" spc="-1" strike="noStrike">
-                <a:solidFill>
-                  <a:srgbClr val="000000"/>
-                </a:solidFill>
-                <a:latin typeface="Calibri Light"/>
-              </a:rPr>
-              <a:t>t</a:t>
-            </a:r>
-            <a:r>
-              <a:rPr b="0" lang="en-US" sz="4400" spc="-1" strike="noStrike">
-                <a:solidFill>
-                  <a:srgbClr val="000000"/>
-                </a:solidFill>
-                <a:latin typeface="Calibri Light"/>
-              </a:rPr>
-              <a:t>e</a:t>
-            </a:r>
-            <a:r>
-              <a:rPr b="0" lang="en-US" sz="4400" spc="-1" strike="noStrike">
-                <a:solidFill>
-                  <a:srgbClr val="000000"/>
-                </a:solidFill>
-                <a:latin typeface="Calibri Light"/>
-              </a:rPr>
-              <a:t>r</a:t>
-            </a:r>
-            <a:r>
-              <a:rPr b="0" lang="en-US" sz="4400" spc="-1" strike="noStrike">
-                <a:solidFill>
-                  <a:srgbClr val="000000"/>
-                </a:solidFill>
-                <a:latin typeface="Calibri Light"/>
-              </a:rPr>
-              <a:t> </a:t>
-            </a:r>
-            <a:r>
-              <a:rPr b="0" lang="en-US" sz="4400" spc="-1" strike="noStrike">
-                <a:solidFill>
-                  <a:srgbClr val="000000"/>
-                </a:solidFill>
-                <a:latin typeface="Calibri Light"/>
-              </a:rPr>
-              <a:t>t</a:t>
-            </a:r>
-            <a:r>
-              <a:rPr b="0" lang="en-US" sz="4400" spc="-1" strike="noStrike">
-                <a:solidFill>
-                  <a:srgbClr val="000000"/>
-                </a:solidFill>
-                <a:latin typeface="Calibri Light"/>
-              </a:rPr>
-              <a:t>i</a:t>
-            </a:r>
-            <a:r>
-              <a:rPr b="0" lang="en-US" sz="4400" spc="-1" strike="noStrike">
-                <a:solidFill>
-                  <a:srgbClr val="000000"/>
-                </a:solidFill>
-                <a:latin typeface="Calibri Light"/>
-              </a:rPr>
-              <a:t>t</a:t>
-            </a:r>
-            <a:r>
-              <a:rPr b="0" lang="en-US" sz="4400" spc="-1" strike="noStrike">
-                <a:solidFill>
-                  <a:srgbClr val="000000"/>
-                </a:solidFill>
-                <a:latin typeface="Calibri Light"/>
-              </a:rPr>
-              <a:t>l</a:t>
-            </a:r>
-            <a:r>
-              <a:rPr b="0" lang="en-US" sz="4400" spc="-1" strike="noStrike">
-                <a:solidFill>
-                  <a:srgbClr val="000000"/>
-                </a:solidFill>
-                <a:latin typeface="Calibri Light"/>
-              </a:rPr>
-              <a:t>e</a:t>
-            </a:r>
-            <a:r>
-              <a:rPr b="0" lang="en-US" sz="4400" spc="-1" strike="noStrike">
-                <a:solidFill>
-                  <a:srgbClr val="000000"/>
-                </a:solidFill>
-                <a:latin typeface="Calibri Light"/>
-              </a:rPr>
-              <a:t> </a:t>
-            </a:r>
-            <a:r>
-              <a:rPr b="0" lang="en-US" sz="4400" spc="-1" strike="noStrike">
-                <a:solidFill>
-                  <a:srgbClr val="000000"/>
-                </a:solidFill>
-                <a:latin typeface="Calibri Light"/>
-              </a:rPr>
-              <a:t>s</a:t>
-            </a:r>
-            <a:r>
-              <a:rPr b="0" lang="en-US" sz="4400" spc="-1" strike="noStrike">
-                <a:solidFill>
-                  <a:srgbClr val="000000"/>
-                </a:solidFill>
-                <a:latin typeface="Calibri Light"/>
-              </a:rPr>
-              <a:t>t</a:t>
-            </a:r>
-            <a:r>
-              <a:rPr b="0" lang="en-US" sz="4400" spc="-1" strike="noStrike">
-                <a:solidFill>
-                  <a:srgbClr val="000000"/>
-                </a:solidFill>
-                <a:latin typeface="Calibri Light"/>
-              </a:rPr>
-              <a:t>y</a:t>
-            </a:r>
-            <a:r>
-              <a:rPr b="0" lang="en-US" sz="4400" spc="-1" strike="noStrike">
-                <a:solidFill>
-                  <a:srgbClr val="000000"/>
-                </a:solidFill>
-                <a:latin typeface="Calibri Light"/>
-              </a:rPr>
-              <a:t>l</a:t>
-            </a:r>
-            <a:r>
-              <a:rPr b="0" lang="en-US" sz="4400" spc="-1" strike="noStrike">
-                <a:solidFill>
-                  <a:srgbClr val="000000"/>
-                </a:solidFill>
-                <a:latin typeface="Calibri Light"/>
-              </a:rPr>
-              <a:t>e</a:t>
-            </a:r>
-            <a:endParaRPr b="0" lang="en-US" sz="4400" spc="-1" strike="noStrike">
-              <a:solidFill>
-                <a:srgbClr val="000000"/>
-              </a:solidFill>
-              <a:latin typeface="Calibri"/>
-            </a:endParaRPr>
-          </a:p>
-        </p:txBody>
-      </p:sp>
-      <p:sp>
-        <p:nvSpPr>
-          <p:cNvPr id="42" name="PlaceHolder 2"/>
-          <p:cNvSpPr>
-            <a:spLocks noGrp="1"/>
-          </p:cNvSpPr>
-          <p:nvPr>
-            <p:ph type="dt"/>
-          </p:nvPr>
-        </p:nvSpPr>
-        <p:spPr>
-          <a:xfrm>
-            <a:off x="838080" y="6356520"/>
-            <a:ext cx="2742840" cy="364680"/>
-          </a:xfrm>
-          <a:prstGeom prst="rect">
-            <a:avLst/>
-          </a:prstGeom>
-        </p:spPr>
-        <p:txBody>
-          <a:bodyPr anchor="ctr">
-            <a:noAutofit/>
-          </a:bodyPr>
-          <a:p>
-            <a:pPr>
-              <a:lnSpc>
-                <a:spcPct val="100000"/>
-              </a:lnSpc>
-            </a:pPr>
-            <a:fld id="{C8C47690-682F-4C56-966C-4D63F6BA785A}" type="datetime">
-              <a:rPr b="0" lang="en-US" sz="1200" spc="-1" strike="noStrike">
-                <a:solidFill>
-                  <a:srgbClr val="8b8b8b"/>
-                </a:solidFill>
-                <a:latin typeface="Calibri"/>
-              </a:rPr>
-              <a:t>9/7/20</a:t>
-            </a:fld>
-            <a:endParaRPr b="0" lang="en-US" sz="1200" spc="-1" strike="noStrike">
-              <a:latin typeface="Times New Roman"/>
-            </a:endParaRPr>
-          </a:p>
-        </p:txBody>
-      </p:sp>
-      <p:sp>
-        <p:nvSpPr>
-          <p:cNvPr id="43" name="PlaceHolder 3"/>
-          <p:cNvSpPr>
-            <a:spLocks noGrp="1"/>
-          </p:cNvSpPr>
-          <p:nvPr>
-            <p:ph type="ftr"/>
-          </p:nvPr>
-        </p:nvSpPr>
-        <p:spPr>
-          <a:xfrm>
-            <a:off x="4038480" y="6356520"/>
-            <a:ext cx="4114440" cy="364680"/>
-          </a:xfrm>
-          <a:prstGeom prst="rect">
-            <a:avLst/>
-          </a:prstGeom>
-        </p:spPr>
-        <p:txBody>
-          <a:bodyPr anchor="ctr">
-            <a:noAutofit/>
-          </a:bodyPr>
-          <a:p>
-            <a:endParaRPr b="0" lang="en-US" sz="2400" spc="-1" strike="noStrike">
-              <a:latin typeface="Times New Roman"/>
-            </a:endParaRPr>
-          </a:p>
-        </p:txBody>
-      </p:sp>
-      <p:sp>
-        <p:nvSpPr>
-          <p:cNvPr id="44" name="PlaceHolder 4"/>
-          <p:cNvSpPr>
-            <a:spLocks noGrp="1"/>
-          </p:cNvSpPr>
-          <p:nvPr>
-            <p:ph type="sldNum"/>
-          </p:nvPr>
-        </p:nvSpPr>
-        <p:spPr>
-          <a:xfrm>
-            <a:off x="8610480" y="6356520"/>
-            <a:ext cx="2742840" cy="364680"/>
-          </a:xfrm>
-          <a:prstGeom prst="rect">
-            <a:avLst/>
-          </a:prstGeom>
-        </p:spPr>
-        <p:txBody>
-          <a:bodyPr anchor="ctr">
-            <a:noAutofit/>
-          </a:bodyPr>
-          <a:p>
-            <a:pPr algn="r">
-              <a:lnSpc>
-                <a:spcPct val="100000"/>
-              </a:lnSpc>
-            </a:pPr>
-            <a:fld id="{850AB2AE-84D2-4301-B64B-26DAB5EB1FE0}" type="slidenum">
-              <a:rPr b="0" lang="en-US" sz="1200" spc="-1" strike="noStrike">
-                <a:solidFill>
-                  <a:srgbClr val="8b8b8b"/>
-                </a:solidFill>
-                <a:latin typeface="Calibri"/>
-              </a:rPr>
-              <a:t>&lt;number&gt;</a:t>
-            </a:fld>
-            <a:endParaRPr b="0" lang="en-US" sz="1200" spc="-1" strike="noStrike">
-              <a:latin typeface="Times New Roman"/>
-            </a:endParaRPr>
-          </a:p>
-        </p:txBody>
-      </p:sp>
-      <p:sp>
-        <p:nvSpPr>
-          <p:cNvPr id="45" name="PlaceHolder 5"/>
+            <a:endParaRPr b="0" lang="en-US" sz="1800" spc="-1" strike="noStrike">
+              <a:latin typeface="Arial"/>
+            </a:endParaRPr>
+          </a:p>
+        </p:txBody>
+      </p:sp>
+      <p:sp>
+        <p:nvSpPr>
+          <p:cNvPr id="39" name="PlaceHolder 2"/>
           <p:cNvSpPr>
             <a:spLocks noGrp="1"/>
           </p:cNvSpPr>
@@ -7115,19 +6291,13 @@
               <a:buChar char=""/>
             </a:pPr>
             <a:r>
-              <a:rPr b="0" lang="en-US" sz="2800" spc="-1" strike="noStrike">
-                <a:solidFill>
-                  <a:srgbClr val="000000"/>
-                </a:solidFill>
-                <a:latin typeface="Calibri"/>
+              <a:rPr b="0" lang="en-US" sz="3200" spc="-1" strike="noStrike">
+                <a:latin typeface="Arial"/>
               </a:rPr>
               <a:t>Click to edit the outline text format</a:t>
             </a:r>
-            <a:endParaRPr b="0" lang="en-US" sz="2800" spc="-1" strike="noStrike">
-              <a:solidFill>
-                <a:srgbClr val="000000"/>
-              </a:solidFill>
-              <a:latin typeface="Calibri"/>
+            <a:endParaRPr b="0" lang="en-US" sz="3200" spc="-1" strike="noStrike">
+              <a:latin typeface="Arial"/>
             </a:endParaRPr>
           </a:p>
           <a:p>
@@ -7143,19 +6313,13 @@
               <a:buChar char=""/>
             </a:pPr>
             <a:r>
-              <a:rPr b="0" lang="en-US" sz="2000" spc="-1" strike="noStrike">
-                <a:solidFill>
-                  <a:srgbClr val="000000"/>
-                </a:solidFill>
-                <a:latin typeface="Calibri"/>
+              <a:rPr b="0" lang="en-US" sz="2800" spc="-1" strike="noStrike">
+                <a:latin typeface="Arial"/>
               </a:rPr>
               <a:t>Second Outline Level</a:t>
             </a:r>
-            <a:endParaRPr b="0" lang="en-US" sz="2000" spc="-1" strike="noStrike">
-              <a:solidFill>
-                <a:srgbClr val="000000"/>
-              </a:solidFill>
-              <a:latin typeface="Calibri"/>
+            <a:endParaRPr b="0" lang="en-US" sz="2800" spc="-1" strike="noStrike">
+              <a:latin typeface="Arial"/>
             </a:endParaRPr>
           </a:p>
           <a:p>
@@ -7171,19 +6335,13 @@
               <a:buChar char=""/>
             </a:pPr>
             <a:r>
-              <a:rPr b="0" lang="en-US" sz="1800" spc="-1" strike="noStrike">
-                <a:solidFill>
-                  <a:srgbClr val="000000"/>
-                </a:solidFill>
-                <a:latin typeface="Calibri"/>
+              <a:rPr b="0" lang="en-US" sz="2400" spc="-1" strike="noStrike">
+                <a:latin typeface="Arial"/>
               </a:rPr>
               <a:t>Third Outline Level</a:t>
             </a:r>
-            <a:endParaRPr b="0" lang="en-US" sz="1800" spc="-1" strike="noStrike">
-              <a:solidFill>
-                <a:srgbClr val="000000"/>
-              </a:solidFill>
-              <a:latin typeface="Calibri"/>
+            <a:endParaRPr b="0" lang="en-US" sz="2400" spc="-1" strike="noStrike">
+              <a:latin typeface="Arial"/>
             </a:endParaRPr>
           </a:p>
           <a:p>
@@ -7199,19 +6357,13 @@
               <a:buChar char=""/>
             </a:pPr>
             <a:r>
-              <a:rPr b="0" lang="en-US" sz="1800" spc="-1" strike="noStrike">
-                <a:solidFill>
-                  <a:srgbClr val="000000"/>
-                </a:solidFill>
-                <a:latin typeface="Calibri"/>
+              <a:rPr b="0" lang="en-US" sz="2000" spc="-1" strike="noStrike">
+                <a:latin typeface="Arial"/>
               </a:rPr>
               <a:t>Fourth Outline Level</a:t>
             </a:r>
-            <a:endParaRPr b="0" lang="en-US" sz="1800" spc="-1" strike="noStrike">
-              <a:solidFill>
-                <a:srgbClr val="000000"/>
-              </a:solidFill>
-              <a:latin typeface="Calibri"/>
+            <a:endParaRPr b="0" lang="en-US" sz="2000" spc="-1" strike="noStrike">
+              <a:latin typeface="Arial"/>
             </a:endParaRPr>
           </a:p>
           <a:p>
@@ -7228,18 +6380,12 @@
             </a:pPr>
             <a:r>
               <a:rPr b="0" lang="en-US" sz="2000" spc="-1" strike="noStrike">
-                <a:solidFill>
-                  <a:srgbClr val="000000"/>
-                </a:solidFill>
-                <a:latin typeface="Calibri"/>
+                <a:latin typeface="Arial"/>
               </a:rPr>
               <a:t>Fifth Outline Level</a:t>
             </a:r>
             <a:endParaRPr b="0" lang="en-US" sz="2000" spc="-1" strike="noStrike">
-              <a:solidFill>
-                <a:srgbClr val="000000"/>
-              </a:solidFill>
-              <a:latin typeface="Calibri"/>
+              <a:latin typeface="Arial"/>
             </a:endParaRPr>
           </a:p>
           <a:p>
@@ -7256,18 +6402,12 @@
             </a:pPr>
             <a:r>
               <a:rPr b="0" lang="en-US" sz="2000" spc="-1" strike="noStrike">
-                <a:solidFill>
-                  <a:srgbClr val="000000"/>
-                </a:solidFill>
-                <a:latin typeface="Calibri"/>
+                <a:latin typeface="Arial"/>
               </a:rPr>
               <a:t>Sixth Outline Level</a:t>
             </a:r>
             <a:endParaRPr b="0" lang="en-US" sz="2000" spc="-1" strike="noStrike">
-              <a:solidFill>
-                <a:srgbClr val="000000"/>
-              </a:solidFill>
-              <a:latin typeface="Calibri"/>
+              <a:latin typeface="Arial"/>
             </a:endParaRPr>
           </a:p>
           <a:p>
@@ -7284,18 +6424,12 @@
             </a:pPr>
             <a:r>
               <a:rPr b="0" lang="en-US" sz="2000" spc="-1" strike="noStrike">
-                <a:solidFill>
-                  <a:srgbClr val="000000"/>
-                </a:solidFill>
-                <a:latin typeface="Calibri"/>
+                <a:latin typeface="Arial"/>
               </a:rPr>
               <a:t>Seventh Outline Level</a:t>
             </a:r>
             <a:endParaRPr b="0" lang="en-US" sz="2000" spc="-1" strike="noStrike">
-              <a:solidFill>
-                <a:srgbClr val="000000"/>
-              </a:solidFill>
-              <a:latin typeface="Calibri"/>
+              <a:latin typeface="Arial"/>
             </a:endParaRPr>
           </a:p>
         </p:txBody>
@@ -7346,7 +6480,7 @@
       </p:grpSpPr>
       <p:sp>
         <p:nvSpPr>
-          <p:cNvPr id="82" name="PlaceHolder 1"/>
+          <p:cNvPr id="76" name="PlaceHolder 1"/>
           <p:cNvSpPr>
             <a:spLocks noGrp="1"/>
           </p:cNvSpPr>
@@ -7356,44 +6490,34 @@
         </p:nvSpPr>
         <p:spPr>
           <a:xfrm>
-            <a:off x="838080" y="365040"/>
-            <a:ext cx="10515240" cy="1325160"/>
-          </a:xfrm>
-          <a:prstGeom prst="rect">
-            <a:avLst/>
-          </a:prstGeom>
-        </p:spPr>
-        <p:txBody>
-          <a:bodyPr anchor="ctr">
+            <a:off x="609480" y="273600"/>
+            <a:ext cx="10972440" cy="1144800"/>
+          </a:xfrm>
+          <a:prstGeom prst="rect">
+            <a:avLst/>
+          </a:prstGeom>
+        </p:spPr>
+        <p:txBody>
+          <a:bodyPr lIns="0" rIns="0" tIns="0" bIns="0" anchor="ctr">
             <a:noAutofit/>
           </a:bodyPr>
           <a:p>
-            <a:pPr>
-              <a:lnSpc>
-                <a:spcPct val="90000"/>
-              </a:lnSpc>
-            </a:pPr>
+            <a:pPr algn="ctr"/>
             <a:r>
               <a:rPr b="0" lang="en-US" sz="4400" spc="-1" strike="noStrike">
-                <a:solidFill>
-                  <a:srgbClr val="000000"/>
-                </a:solidFill>
-                <a:latin typeface="Calibri Light"/>
+                <a:latin typeface="Arial"/>
               </a:rPr>
-              <a:t>Click to edit Master title style</a:t>
+              <a:t>Click to edit the title text format</a:t>
             </a:r>
             <a:endParaRPr b="0" lang="en-US" sz="4400" spc="-1" strike="noStrike">
-              <a:solidFill>
-                <a:srgbClr val="000000"/>
-              </a:solidFill>
-              <a:latin typeface="Calibri"/>
-            </a:endParaRPr>
-          </a:p>
-        </p:txBody>
-      </p:sp>
-      <p:sp>
-        <p:nvSpPr>
-          <p:cNvPr id="83" name="PlaceHolder 2"/>
+              <a:latin typeface="Arial"/>
+            </a:endParaRPr>
+          </a:p>
+        </p:txBody>
+      </p:sp>
+      <p:sp>
+        <p:nvSpPr>
+          <p:cNvPr id="77" name="PlaceHolder 2"/>
           <p:cNvSpPr>
             <a:spLocks noGrp="1"/>
           </p:cNvSpPr>
@@ -7403,283 +6527,169 @@
         </p:nvSpPr>
         <p:spPr>
           <a:xfrm>
-            <a:off x="838080" y="1825560"/>
-            <a:ext cx="10515240" cy="4350960"/>
-          </a:xfrm>
-          <a:prstGeom prst="rect">
-            <a:avLst/>
-          </a:prstGeom>
-        </p:spPr>
-        <p:txBody>
-          <a:bodyPr>
-            <a:noAutofit/>
-          </a:bodyPr>
-          <a:p>
-            <a:pPr marL="228600" indent="-228240">
-              <a:lnSpc>
-                <a:spcPct val="90000"/>
-              </a:lnSpc>
+            <a:off x="609480" y="1604520"/>
+            <a:ext cx="10972440" cy="3977280"/>
+          </a:xfrm>
+          <a:prstGeom prst="rect">
+            <a:avLst/>
+          </a:prstGeom>
+        </p:spPr>
+        <p:txBody>
+          <a:bodyPr lIns="0" rIns="0" tIns="0" bIns="0">
+            <a:normAutofit/>
+          </a:bodyPr>
+          <a:p>
+            <a:pPr marL="432000" indent="-324000">
               <a:spcBef>
-                <a:spcPts val="1001"/>
+                <a:spcPts val="1417"/>
               </a:spcBef>
               <a:buClr>
                 <a:srgbClr val="000000"/>
               </a:buClr>
-              <a:buFont typeface="Arial"/>
-              <a:buChar char="•"/>
+              <a:buSzPct val="45000"/>
+              <a:buFont typeface="Wingdings" charset="2"/>
+              <a:buChar char=""/>
             </a:pPr>
             <a:r>
-              <a:rPr b="0" lang="en-US" sz="2800" spc="-1" strike="noStrike">
-                <a:solidFill>
-                  <a:srgbClr val="000000"/>
-                </a:solidFill>
-                <a:latin typeface="Calibri"/>
+              <a:rPr b="0" lang="en-US" sz="3200" spc="-1" strike="noStrike">
+                <a:latin typeface="Arial"/>
               </a:rPr>
-              <a:t>Click to edit Master text styles</a:t>
+              <a:t>Click to edit the outline text format</a:t>
             </a:r>
-            <a:endParaRPr b="0" lang="en-US" sz="2800" spc="-1" strike="noStrike">
-              <a:solidFill>
-                <a:srgbClr val="000000"/>
-              </a:solidFill>
-              <a:latin typeface="Calibri"/>
-            </a:endParaRPr>
-          </a:p>
-          <a:p>
-            <a:pPr lvl="1" marL="685800" indent="-228240">
-              <a:lnSpc>
-                <a:spcPct val="90000"/>
-              </a:lnSpc>
+            <a:endParaRPr b="0" lang="en-US" sz="3200" spc="-1" strike="noStrike">
+              <a:latin typeface="Arial"/>
+            </a:endParaRPr>
+          </a:p>
+          <a:p>
+            <a:pPr lvl="1" marL="864000" indent="-324000">
               <a:spcBef>
-                <a:spcPts val="499"/>
+                <a:spcPts val="1134"/>
               </a:spcBef>
               <a:buClr>
                 <a:srgbClr val="000000"/>
               </a:buClr>
-              <a:buFont typeface="Arial"/>
-              <a:buChar char="•"/>
+              <a:buSzPct val="75000"/>
+              <a:buFont typeface="Symbol" charset="2"/>
+              <a:buChar char=""/>
             </a:pPr>
             <a:r>
-              <a:rPr b="0" lang="en-US" sz="2400" spc="-1" strike="noStrike">
-                <a:solidFill>
-                  <a:srgbClr val="000000"/>
-                </a:solidFill>
-                <a:latin typeface="Calibri"/>
+              <a:rPr b="0" lang="en-US" sz="2800" spc="-1" strike="noStrike">
+                <a:latin typeface="Arial"/>
               </a:rPr>
-              <a:t>Second level</a:t>
+              <a:t>Second Outline Level</a:t>
             </a:r>
-            <a:endParaRPr b="0" lang="en-US" sz="2400" spc="-1" strike="noStrike">
-              <a:solidFill>
-                <a:srgbClr val="000000"/>
-              </a:solidFill>
-              <a:latin typeface="Calibri"/>
-            </a:endParaRPr>
-          </a:p>
-          <a:p>
-            <a:pPr lvl="2" marL="1143000" indent="-228240">
-              <a:lnSpc>
-                <a:spcPct val="90000"/>
-              </a:lnSpc>
+            <a:endParaRPr b="0" lang="en-US" sz="2800" spc="-1" strike="noStrike">
+              <a:latin typeface="Arial"/>
+            </a:endParaRPr>
+          </a:p>
+          <a:p>
+            <a:pPr lvl="2" marL="1296000" indent="-288000">
               <a:spcBef>
-                <a:spcPts val="499"/>
+                <a:spcPts val="850"/>
               </a:spcBef>
               <a:buClr>
                 <a:srgbClr val="000000"/>
               </a:buClr>
-              <a:buFont typeface="Arial"/>
-              <a:buChar char="•"/>
+              <a:buSzPct val="45000"/>
+              <a:buFont typeface="Wingdings" charset="2"/>
+              <a:buChar char=""/>
             </a:pPr>
             <a:r>
-              <a:rPr b="0" lang="en-US" sz="2000" spc="-1" strike="noStrike">
-                <a:solidFill>
-                  <a:srgbClr val="000000"/>
-                </a:solidFill>
-                <a:latin typeface="Calibri"/>
+              <a:rPr b="0" lang="en-US" sz="2400" spc="-1" strike="noStrike">
+                <a:latin typeface="Arial"/>
               </a:rPr>
-              <a:t>Third level</a:t>
+              <a:t>Third Outline Level</a:t>
             </a:r>
-            <a:endParaRPr b="0" lang="en-US" sz="2000" spc="-1" strike="noStrike">
-              <a:solidFill>
-                <a:srgbClr val="000000"/>
-              </a:solidFill>
-              <a:latin typeface="Calibri"/>
-            </a:endParaRPr>
-          </a:p>
-          <a:p>
-            <a:pPr lvl="3" marL="1600200" indent="-228240">
-              <a:lnSpc>
-                <a:spcPct val="90000"/>
-              </a:lnSpc>
+            <a:endParaRPr b="0" lang="en-US" sz="2400" spc="-1" strike="noStrike">
+              <a:latin typeface="Arial"/>
+            </a:endParaRPr>
+          </a:p>
+          <a:p>
+            <a:pPr lvl="3" marL="1728000" indent="-216000">
               <a:spcBef>
-                <a:spcPts val="499"/>
+                <a:spcPts val="567"/>
               </a:spcBef>
               <a:buClr>
                 <a:srgbClr val="000000"/>
               </a:buClr>
-              <a:buFont typeface="Arial"/>
-              <a:buChar char="•"/>
+              <a:buSzPct val="75000"/>
+              <a:buFont typeface="Symbol" charset="2"/>
+              <a:buChar char=""/>
             </a:pPr>
             <a:r>
-              <a:rPr b="0" lang="en-US" sz="1800" spc="-1" strike="noStrike">
-                <a:solidFill>
-                  <a:srgbClr val="000000"/>
-                </a:solidFill>
-                <a:latin typeface="Calibri"/>
+              <a:rPr b="0" lang="en-US" sz="2000" spc="-1" strike="noStrike">
+                <a:latin typeface="Arial"/>
               </a:rPr>
-              <a:t>Fourth level</a:t>
+              <a:t>Fourth Outline Level</a:t>
             </a:r>
-            <a:endParaRPr b="0" lang="en-US" sz="1800" spc="-1" strike="noStrike">
-              <a:solidFill>
-                <a:srgbClr val="000000"/>
-              </a:solidFill>
-              <a:latin typeface="Calibri"/>
-            </a:endParaRPr>
-          </a:p>
-          <a:p>
-            <a:pPr lvl="4" marL="2057400" indent="-228240">
-              <a:lnSpc>
-                <a:spcPct val="90000"/>
-              </a:lnSpc>
+            <a:endParaRPr b="0" lang="en-US" sz="2000" spc="-1" strike="noStrike">
+              <a:latin typeface="Arial"/>
+            </a:endParaRPr>
+          </a:p>
+          <a:p>
+            <a:pPr lvl="4" marL="2160000" indent="-216000">
               <a:spcBef>
-                <a:spcPts val="499"/>
+                <a:spcPts val="283"/>
               </a:spcBef>
               <a:buClr>
                 <a:srgbClr val="000000"/>
               </a:buClr>
-              <a:buFont typeface="Arial"/>
-              <a:buChar char="•"/>
+              <a:buSzPct val="45000"/>
+              <a:buFont typeface="Wingdings" charset="2"/>
+              <a:buChar char=""/>
             </a:pPr>
             <a:r>
-              <a:rPr b="0" lang="en-US" sz="1800" spc="-1" strike="noStrike">
-                <a:solidFill>
-                  <a:srgbClr val="000000"/>
-                </a:solidFill>
-                <a:latin typeface="Calibri"/>
+              <a:rPr b="0" lang="en-US" sz="2000" spc="-1" strike="noStrike">
+                <a:latin typeface="Arial"/>
               </a:rPr>
-              <a:t>Fifth level</a:t>
+              <a:t>Fifth Outline Level</a:t>
             </a:r>
-            <a:endParaRPr b="0" lang="en-US" sz="1800" spc="-1" strike="noStrike">
-              <a:solidFill>
+            <a:endParaRPr b="0" lang="en-US" sz="2000" spc="-1" strike="noStrike">
+              <a:latin typeface="Arial"/>
+            </a:endParaRPr>
+          </a:p>
+          <a:p>
+            <a:pPr lvl="5" marL="2592000" indent="-216000">
+              <a:spcBef>
+                <a:spcPts val="283"/>
+              </a:spcBef>
+              <a:buClr>
                 <a:srgbClr val="000000"/>
-              </a:solidFill>
-              <a:latin typeface="Calibri"/>
-            </a:endParaRPr>
-          </a:p>
-        </p:txBody>
-      </p:sp>
-      <p:sp>
-        <p:nvSpPr>
-          <p:cNvPr id="84" name="PlaceHolder 3"/>
-          <p:cNvSpPr>
-            <a:spLocks noGrp="1"/>
-          </p:cNvSpPr>
-          <p:nvPr>
-            <p:ph type="dt"/>
-          </p:nvPr>
-        </p:nvSpPr>
-        <p:spPr>
-          <a:xfrm>
-            <a:off x="838080" y="6356520"/>
-            <a:ext cx="2742840" cy="364680"/>
-          </a:xfrm>
-          <a:prstGeom prst="rect">
-            <a:avLst/>
-          </a:prstGeom>
-        </p:spPr>
-        <p:txBody>
-          <a:bodyPr anchor="ctr">
-            <a:noAutofit/>
-          </a:bodyPr>
-          <a:p>
-            <a:pPr>
-              <a:lnSpc>
-                <a:spcPct val="100000"/>
-              </a:lnSpc>
+              </a:buClr>
+              <a:buSzPct val="45000"/>
+              <a:buFont typeface="Wingdings" charset="2"/>
+              <a:buChar char=""/>
             </a:pPr>
-            <a:fld id="{2EEC049A-C134-47AB-915E-6FDF970F6C8B}" type="datetime">
-              <a:rPr b="0" lang="en-US" sz="1200" spc="-1" strike="noStrike">
-                <a:solidFill>
-                  <a:srgbClr val="8b8b8b"/>
-                </a:solidFill>
-                <a:latin typeface="Calibri"/>
+            <a:r>
+              <a:rPr b="0" lang="en-US" sz="2000" spc="-1" strike="noStrike">
+                <a:latin typeface="Arial"/>
               </a:rPr>
-              <a:t>9/7/20</a:t>
-            </a:fld>
-            <a:endParaRPr b="0" lang="en-US" sz="1200" spc="-1" strike="noStrike">
-              <a:latin typeface="Times New Roman"/>
-            </a:endParaRPr>
-          </a:p>
-        </p:txBody>
-      </p:sp>
-      <p:sp>
-        <p:nvSpPr>
-          <p:cNvPr id="85" name="PlaceHolder 4"/>
-          <p:cNvSpPr>
-            <a:spLocks noGrp="1"/>
-          </p:cNvSpPr>
-          <p:nvPr>
-            <p:ph type="ftr"/>
-          </p:nvPr>
-        </p:nvSpPr>
-        <p:spPr>
-          <a:xfrm>
-            <a:off x="4038480" y="6356520"/>
-            <a:ext cx="4114440" cy="364680"/>
-          </a:xfrm>
-          <a:prstGeom prst="rect">
-            <a:avLst/>
-          </a:prstGeom>
-        </p:spPr>
-        <p:txBody>
-          <a:bodyPr anchor="ctr">
-            <a:noAutofit/>
-          </a:bodyPr>
-          <a:p>
-            <a:endParaRPr b="0" lang="en-US" sz="2400" spc="-1" strike="noStrike">
-              <a:latin typeface="Times New Roman"/>
-            </a:endParaRPr>
-          </a:p>
-        </p:txBody>
-      </p:sp>
-      <p:sp>
-        <p:nvSpPr>
-          <p:cNvPr id="86" name="PlaceHolder 5"/>
-          <p:cNvSpPr>
-            <a:spLocks noGrp="1"/>
-          </p:cNvSpPr>
-          <p:nvPr>
-            <p:ph type="sldNum"/>
-          </p:nvPr>
-        </p:nvSpPr>
-        <p:spPr>
-          <a:xfrm>
-            <a:off x="8610480" y="6356520"/>
-            <a:ext cx="2742840" cy="364680"/>
-          </a:xfrm>
-          <a:prstGeom prst="rect">
-            <a:avLst/>
-          </a:prstGeom>
-        </p:spPr>
-        <p:txBody>
-          <a:bodyPr anchor="ctr">
-            <a:noAutofit/>
-          </a:bodyPr>
-          <a:p>
-            <a:pPr algn="r">
-              <a:lnSpc>
-                <a:spcPct val="100000"/>
-              </a:lnSpc>
+              <a:t>Sixth Outline Level</a:t>
+            </a:r>
+            <a:endParaRPr b="0" lang="en-US" sz="2000" spc="-1" strike="noStrike">
+              <a:latin typeface="Arial"/>
+            </a:endParaRPr>
+          </a:p>
+          <a:p>
+            <a:pPr lvl="6" marL="3024000" indent="-216000">
+              <a:spcBef>
+                <a:spcPts val="283"/>
+              </a:spcBef>
+              <a:buClr>
+                <a:srgbClr val="000000"/>
+              </a:buClr>
+              <a:buSzPct val="45000"/>
+              <a:buFont typeface="Wingdings" charset="2"/>
+              <a:buChar char=""/>
             </a:pPr>
-            <a:fld id="{A100CF64-2149-4498-B3B3-A3AD17B934B5}" type="slidenum">
-              <a:rPr b="0" lang="en-US" sz="1200" spc="-1" strike="noStrike">
-                <a:solidFill>
-                  <a:srgbClr val="8b8b8b"/>
-                </a:solidFill>
-                <a:latin typeface="Calibri"/>
+            <a:r>
+              <a:rPr b="0" lang="en-US" sz="2000" spc="-1" strike="noStrike">
+                <a:latin typeface="Arial"/>
               </a:rPr>
-              <a:t>&lt;number&gt;</a:t>
-            </a:fld>
-            <a:endParaRPr b="0" lang="en-US" sz="1200" spc="-1" strike="noStrike">
-              <a:latin typeface="Times New Roman"/>
+              <a:t>Seventh Outline Level</a:t>
+            </a:r>
+            <a:endParaRPr b="0" lang="en-US" sz="2000" spc="-1" strike="noStrike">
+              <a:latin typeface="Arial"/>
             </a:endParaRPr>
           </a:p>
         </p:txBody>
@@ -7723,14 +6733,14 @@
       </p:grpSpPr>
       <p:sp>
         <p:nvSpPr>
-          <p:cNvPr id="129" name="TextShape 1"/>
-          <p:cNvSpPr txBox="1"/>
+          <p:cNvPr id="120" name="CustomShape 1"/>
+          <p:cNvSpPr/>
           <p:nvPr/>
         </p:nvSpPr>
         <p:spPr>
           <a:xfrm>
             <a:off x="1523880" y="1122480"/>
-            <a:ext cx="9143640" cy="2387160"/>
+            <a:ext cx="9143280" cy="2386800"/>
           </a:xfrm>
           <a:prstGeom prst="rect">
             <a:avLst/>
@@ -7740,8 +6750,14 @@
             <a:noFill/>
           </a:ln>
         </p:spPr>
-        <p:txBody>
-          <a:bodyPr anchor="b">
+        <p:style>
+          <a:lnRef idx="0"/>
+          <a:fillRef idx="0"/>
+          <a:effectRef idx="0"/>
+          <a:fontRef idx="minor"/>
+        </p:style>
+        <p:txBody>
+          <a:bodyPr lIns="90000" rIns="90000" tIns="45000" bIns="45000" anchor="b">
             <a:noAutofit/>
           </a:bodyPr>
           <a:p>
@@ -7760,24 +6776,21 @@
               <a:t>An Example Visual Aid</a:t>
             </a:r>
             <a:endParaRPr b="0" lang="en-US" sz="6000" spc="-1" strike="noStrike">
-              <a:solidFill>
-                <a:srgbClr val="000000"/>
-              </a:solidFill>
-              <a:latin typeface="Calibri"/>
-            </a:endParaRPr>
-          </a:p>
-        </p:txBody>
-      </p:sp>
-      <p:sp>
-        <p:nvSpPr>
-          <p:cNvPr id="130" name="TextShape 2"/>
-          <p:cNvSpPr txBox="1"/>
+              <a:latin typeface="Arial"/>
+            </a:endParaRPr>
+          </a:p>
+        </p:txBody>
+      </p:sp>
+      <p:sp>
+        <p:nvSpPr>
+          <p:cNvPr id="121" name="CustomShape 2"/>
+          <p:cNvSpPr/>
           <p:nvPr/>
         </p:nvSpPr>
         <p:spPr>
           <a:xfrm>
             <a:off x="1523880" y="3602160"/>
-            <a:ext cx="9143640" cy="1655280"/>
+            <a:ext cx="9143280" cy="1654920"/>
           </a:xfrm>
           <a:prstGeom prst="rect">
             <a:avLst/>
@@ -7787,8 +6800,14 @@
             <a:noFill/>
           </a:ln>
         </p:spPr>
-        <p:txBody>
-          <a:bodyPr>
+        <p:style>
+          <a:lnRef idx="0"/>
+          <a:fillRef idx="0"/>
+          <a:effectRef idx="0"/>
+          <a:fontRef idx="minor"/>
+        </p:style>
+        <p:txBody>
+          <a:bodyPr lIns="90000" rIns="90000" tIns="45000" bIns="45000">
             <a:normAutofit/>
           </a:bodyPr>
           <a:p>
@@ -7810,16 +6829,7 @@
                 </a:solidFill>
                 <a:latin typeface="Calibri"/>
               </a:rPr>
-              <a:t>How to Use the Assertion-Evidence Structure with Different </a:t>
-            </a:r>
-            <a:r>
-              <a:rPr b="0" lang="en-US" sz="3200" spc="-1" strike="noStrike">
-                <a:solidFill>
-                  <a:srgbClr val="000000"/>
-                </a:solidFill>
-                <a:latin typeface="Calibri"/>
-              </a:rPr>
-              <a:t>Forms of Visual Evidence</a:t>
+              <a:t>How to Use the Assertion-Evidence Structure with Different Forms of Visual Evidence</a:t>
             </a:r>
             <a:endParaRPr b="0" lang="en-US" sz="3200" spc="-1" strike="noStrike">
               <a:latin typeface="Arial"/>
@@ -7859,14 +6869,14 @@
       </p:grpSpPr>
       <p:sp>
         <p:nvSpPr>
-          <p:cNvPr id="131" name="TextShape 1"/>
-          <p:cNvSpPr txBox="1"/>
+          <p:cNvPr id="122" name="CustomShape 1"/>
+          <p:cNvSpPr/>
           <p:nvPr/>
         </p:nvSpPr>
         <p:spPr>
           <a:xfrm>
             <a:off x="838080" y="365040"/>
-            <a:ext cx="10515240" cy="1325160"/>
+            <a:ext cx="10514880" cy="1324800"/>
           </a:xfrm>
           <a:prstGeom prst="rect">
             <a:avLst/>
@@ -7876,8 +6886,14 @@
             <a:noFill/>
           </a:ln>
         </p:spPr>
-        <p:txBody>
-          <a:bodyPr anchor="ctr">
+        <p:style>
+          <a:lnRef idx="0"/>
+          <a:fillRef idx="0"/>
+          <a:effectRef idx="0"/>
+          <a:fontRef idx="minor"/>
+        </p:style>
+        <p:txBody>
+          <a:bodyPr lIns="90000" rIns="90000" tIns="45000" bIns="45000" anchor="ctr">
             <a:normAutofit fontScale="56000"/>
           </a:bodyPr>
           <a:p>
@@ -7896,17 +6912,14 @@
               <a:t>Things, numbers, and other people’s words are all forms of evidence which translate well visually.</a:t>
             </a:r>
             <a:endParaRPr b="0" lang="en-US" sz="4400" spc="-1" strike="noStrike">
-              <a:solidFill>
-                <a:srgbClr val="000000"/>
-              </a:solidFill>
-              <a:latin typeface="Calibri"/>
+              <a:latin typeface="Arial"/>
             </a:endParaRPr>
           </a:p>
         </p:txBody>
       </p:sp>
       <p:pic>
         <p:nvPicPr>
-          <p:cNvPr id="132" name="Picture 4" descr=""/>
+          <p:cNvPr id="123" name="Picture 4" descr=""/>
           <p:cNvPicPr/>
           <p:nvPr/>
         </p:nvPicPr>
@@ -7917,7 +6930,7 @@
         <p:spPr>
           <a:xfrm>
             <a:off x="639360" y="1690560"/>
-            <a:ext cx="2664720" cy="1498680"/>
+            <a:ext cx="2664360" cy="1498320"/>
           </a:xfrm>
           <a:prstGeom prst="rect">
             <a:avLst/>
@@ -7931,7 +6944,7 @@
       </p:pic>
       <p:pic>
         <p:nvPicPr>
-          <p:cNvPr id="133" name="Picture 5" descr=""/>
+          <p:cNvPr id="124" name="Picture 5" descr=""/>
           <p:cNvPicPr/>
           <p:nvPr/>
         </p:nvPicPr>
@@ -7942,7 +6955,7 @@
         <p:spPr>
           <a:xfrm>
             <a:off x="639360" y="3290400"/>
-            <a:ext cx="2664720" cy="1498680"/>
+            <a:ext cx="2664360" cy="1498320"/>
           </a:xfrm>
           <a:prstGeom prst="rect">
             <a:avLst/>
@@ -7956,7 +6969,7 @@
       </p:pic>
       <p:pic>
         <p:nvPicPr>
-          <p:cNvPr id="134" name="Picture 6" descr=""/>
+          <p:cNvPr id="125" name="Picture 6" descr=""/>
           <p:cNvPicPr/>
           <p:nvPr/>
         </p:nvPicPr>
@@ -7967,7 +6980,7 @@
         <p:spPr>
           <a:xfrm>
             <a:off x="639360" y="4892760"/>
-            <a:ext cx="2664720" cy="1498680"/>
+            <a:ext cx="2664360" cy="1498320"/>
           </a:xfrm>
           <a:prstGeom prst="rect">
             <a:avLst/>
@@ -7981,14 +6994,14 @@
       </p:pic>
       <p:sp>
         <p:nvSpPr>
-          <p:cNvPr id="135" name="CustomShape 2"/>
+          <p:cNvPr id="126" name="CustomShape 2"/>
           <p:cNvSpPr/>
           <p:nvPr/>
         </p:nvSpPr>
         <p:spPr>
           <a:xfrm>
             <a:off x="3534480" y="2176560"/>
-            <a:ext cx="4542840" cy="516960"/>
+            <a:ext cx="4542480" cy="516600"/>
           </a:xfrm>
           <a:prstGeom prst="rect">
             <a:avLst/>
@@ -8020,6 +7033,7 @@
                   <a:srgbClr val="000000"/>
                 </a:solidFill>
                 <a:latin typeface="Calibri"/>
+                <a:ea typeface="DejaVu Sans"/>
               </a:rPr>
               <a:t>Things used as visual evidence</a:t>
             </a:r>
@@ -8031,14 +7045,14 @@
       </p:sp>
       <p:sp>
         <p:nvSpPr>
-          <p:cNvPr id="136" name="CustomShape 3"/>
+          <p:cNvPr id="127" name="CustomShape 3"/>
           <p:cNvSpPr/>
           <p:nvPr/>
         </p:nvSpPr>
         <p:spPr>
           <a:xfrm>
             <a:off x="3538080" y="3778560"/>
-            <a:ext cx="4926960" cy="516960"/>
+            <a:ext cx="4926600" cy="516600"/>
           </a:xfrm>
           <a:prstGeom prst="rect">
             <a:avLst/>
@@ -8070,6 +7084,7 @@
                   <a:srgbClr val="000000"/>
                 </a:solidFill>
                 <a:latin typeface="Calibri"/>
+                <a:ea typeface="DejaVu Sans"/>
               </a:rPr>
               <a:t>Numbers used as visual evidence</a:t>
             </a:r>
@@ -8081,14 +7096,14 @@
       </p:sp>
       <p:sp>
         <p:nvSpPr>
-          <p:cNvPr id="137" name="CustomShape 4"/>
+          <p:cNvPr id="128" name="CustomShape 4"/>
           <p:cNvSpPr/>
           <p:nvPr/>
         </p:nvSpPr>
         <p:spPr>
           <a:xfrm>
             <a:off x="3568680" y="5380560"/>
-            <a:ext cx="6691680" cy="516960"/>
+            <a:ext cx="6691320" cy="516600"/>
           </a:xfrm>
           <a:prstGeom prst="rect">
             <a:avLst/>
@@ -8120,6 +7135,7 @@
                   <a:srgbClr val="000000"/>
                 </a:solidFill>
                 <a:latin typeface="Calibri"/>
+                <a:ea typeface="DejaVu Sans"/>
               </a:rPr>
               <a:t>Other people’s words used as visual evidence</a:t>
             </a:r>
@@ -8161,14 +7177,14 @@
       </p:grpSpPr>
       <p:sp>
         <p:nvSpPr>
-          <p:cNvPr id="138" name="TextShape 1"/>
-          <p:cNvSpPr txBox="1"/>
+          <p:cNvPr id="129" name="CustomShape 1"/>
+          <p:cNvSpPr/>
           <p:nvPr/>
         </p:nvSpPr>
         <p:spPr>
           <a:xfrm>
             <a:off x="838080" y="365040"/>
-            <a:ext cx="10515240" cy="1325160"/>
+            <a:ext cx="10514880" cy="1324800"/>
           </a:xfrm>
           <a:prstGeom prst="rect">
             <a:avLst/>
@@ -8178,9 +7194,15 @@
             <a:noFill/>
           </a:ln>
         </p:spPr>
-        <p:txBody>
-          <a:bodyPr anchor="ctr">
-            <a:normAutofit fontScale="56000"/>
+        <p:style>
+          <a:lnRef idx="0"/>
+          <a:fillRef idx="0"/>
+          <a:effectRef idx="0"/>
+          <a:fontRef idx="minor"/>
+        </p:style>
+        <p:txBody>
+          <a:bodyPr lIns="90000" rIns="90000" tIns="45000" bIns="45000" anchor="ctr">
+            <a:noAutofit/>
           </a:bodyPr>
           <a:p>
             <a:pPr>
@@ -8195,51 +7217,49 @@
                 </a:solidFill>
                 <a:latin typeface="Calibri Light"/>
               </a:rPr>
-              <a:t>During the Civil War, Greeneville tried to secede from Tennessee to rejoin the Union.</a:t>
+              <a:t>An Assertion-Evidence Structure slide must have three parts.</a:t>
             </a:r>
             <a:endParaRPr b="0" lang="en-US" sz="4400" spc="-1" strike="noStrike">
-              <a:solidFill>
-                <a:srgbClr val="000000"/>
-              </a:solidFill>
-              <a:latin typeface="Calibri"/>
+              <a:latin typeface="Arial"/>
             </a:endParaRPr>
           </a:p>
         </p:txBody>
       </p:sp>
       <p:pic>
         <p:nvPicPr>
-          <p:cNvPr id="139" name="Content Placeholder 4" descr=""/>
+          <p:cNvPr id="130" name="Picture 4_0" descr=""/>
           <p:cNvPicPr/>
           <p:nvPr/>
         </p:nvPicPr>
         <p:blipFill>
           <a:blip r:embed="rId1"/>
-          <a:srcRect l="0" t="0" r="0" b="11513"/>
           <a:stretch/>
         </p:blipFill>
         <p:spPr>
           <a:xfrm>
-            <a:off x="2265480" y="1690560"/>
-            <a:ext cx="7660800" cy="5083920"/>
+            <a:off x="639360" y="1690920"/>
+            <a:ext cx="8778600" cy="4937040"/>
           </a:xfrm>
           <a:prstGeom prst="rect">
             <a:avLst/>
           </a:prstGeom>
           <a:ln>
-            <a:noFill/>
+            <a:solidFill>
+              <a:schemeClr val="tx1"/>
+            </a:solidFill>
           </a:ln>
         </p:spPr>
       </p:pic>
       <p:sp>
         <p:nvSpPr>
-          <p:cNvPr id="140" name="CustomShape 2"/>
+          <p:cNvPr id="131" name="CustomShape 2"/>
           <p:cNvSpPr/>
           <p:nvPr/>
         </p:nvSpPr>
         <p:spPr>
           <a:xfrm>
-            <a:off x="10251720" y="5943960"/>
-            <a:ext cx="1723320" cy="821880"/>
+            <a:off x="9491760" y="2022480"/>
+            <a:ext cx="2559960" cy="639720"/>
           </a:xfrm>
           <a:prstGeom prst="rect">
             <a:avLst/>
@@ -8256,8 +7276,8 @@
           <a:fontRef idx="minor"/>
         </p:style>
         <p:txBody>
-          <a:bodyPr wrap="none" lIns="90000" rIns="90000" tIns="45000" bIns="45000">
-            <a:spAutoFit/>
+          <a:bodyPr lIns="90000" rIns="90000" tIns="45000" bIns="45000">
+            <a:noAutofit/>
           </a:bodyPr>
           <a:p>
             <a:pPr>
@@ -8266,18 +7286,46 @@
               </a:lnSpc>
             </a:pPr>
             <a:r>
-              <a:rPr b="0" lang="en-US" sz="2400" spc="-1" strike="noStrike">
-                <a:solidFill>
-                  <a:srgbClr val="000000"/>
-                </a:solidFill>
-                <a:latin typeface="Calibri"/>
+              <a:rPr b="0" lang="en-US" sz="1800" spc="-1" strike="noStrike">
+                <a:latin typeface="Arial"/>
               </a:rPr>
-              <a:t>Miller, 2017</a:t>
+              <a:t>Full-sentence heading that makes a clam</a:t>
             </a:r>
-            <a:endParaRPr b="0" lang="en-US" sz="2400" spc="-1" strike="noStrike">
-              <a:latin typeface="Arial"/>
-            </a:endParaRPr>
-          </a:p>
+            <a:endParaRPr b="0" lang="en-US" sz="1800" spc="-1" strike="noStrike">
+              <a:latin typeface="Arial"/>
+            </a:endParaRPr>
+          </a:p>
+        </p:txBody>
+      </p:sp>
+      <p:sp>
+        <p:nvSpPr>
+          <p:cNvPr id="132" name="CustomShape 3"/>
+          <p:cNvSpPr/>
+          <p:nvPr/>
+        </p:nvSpPr>
+        <p:spPr>
+          <a:xfrm>
+            <a:off x="9491760" y="3828600"/>
+            <a:ext cx="2559960" cy="639720"/>
+          </a:xfrm>
+          <a:prstGeom prst="rect">
+            <a:avLst/>
+          </a:prstGeom>
+          <a:noFill/>
+          <a:ln>
+            <a:noFill/>
+          </a:ln>
+        </p:spPr>
+        <p:style>
+          <a:lnRef idx="0"/>
+          <a:fillRef idx="0"/>
+          <a:effectRef idx="0"/>
+          <a:fontRef idx="minor"/>
+        </p:style>
+        <p:txBody>
+          <a:bodyPr lIns="90000" rIns="90000" tIns="45000" bIns="45000">
+            <a:noAutofit/>
+          </a:bodyPr>
           <a:p>
             <a:pPr>
               <a:lnSpc>
@@ -8285,15 +7333,59 @@
               </a:lnSpc>
             </a:pPr>
             <a:r>
-              <a:rPr b="0" lang="en-US" sz="2400" spc="-1" strike="noStrike">
-                <a:solidFill>
-                  <a:srgbClr val="000000"/>
-                </a:solidFill>
-                <a:latin typeface="Calibri"/>
+              <a:rPr b="0" lang="en-US" sz="1800" spc="-1" strike="noStrike">
+                <a:latin typeface="Arial"/>
               </a:rPr>
-              <a:t>CC BY-SA 2.0</a:t>
+              <a:t>Visual evidence that supports the heading</a:t>
             </a:r>
-            <a:endParaRPr b="0" lang="en-US" sz="2400" spc="-1" strike="noStrike">
+            <a:endParaRPr b="0" lang="en-US" sz="1800" spc="-1" strike="noStrike">
+              <a:latin typeface="Arial"/>
+            </a:endParaRPr>
+          </a:p>
+        </p:txBody>
+      </p:sp>
+      <p:sp>
+        <p:nvSpPr>
+          <p:cNvPr id="133" name="CustomShape 4"/>
+          <p:cNvSpPr/>
+          <p:nvPr/>
+        </p:nvSpPr>
+        <p:spPr>
+          <a:xfrm>
+            <a:off x="9491760" y="5943600"/>
+            <a:ext cx="2559960" cy="639720"/>
+          </a:xfrm>
+          <a:prstGeom prst="rect">
+            <a:avLst/>
+          </a:prstGeom>
+          <a:noFill/>
+          <a:ln>
+            <a:noFill/>
+          </a:ln>
+        </p:spPr>
+        <p:style>
+          <a:lnRef idx="0"/>
+          <a:fillRef idx="0"/>
+          <a:effectRef idx="0"/>
+          <a:fontRef idx="minor"/>
+        </p:style>
+        <p:txBody>
+          <a:bodyPr lIns="90000" rIns="90000" tIns="45000" bIns="45000">
+            <a:noAutofit/>
+          </a:bodyPr>
+          <a:p>
+            <a:pPr>
+              <a:lnSpc>
+                <a:spcPct val="100000"/>
+              </a:lnSpc>
+            </a:pPr>
+            <a:r>
+              <a:rPr b="0" lang="en-US" sz="1800" spc="-1" strike="noStrike">
+                <a:latin typeface="Arial"/>
+              </a:rPr>
+              <a:t>Citation for the visual evidence</a:t>
+            </a:r>
+            <a:endParaRPr b="0" lang="en-US" sz="1800" spc="-1" strike="noStrike">
               <a:latin typeface="Arial"/>
             </a:endParaRPr>
           </a:p>
@@ -8331,14 +7423,14 @@
       </p:grpSpPr>
       <p:sp>
         <p:nvSpPr>
-          <p:cNvPr id="141" name="TextShape 1"/>
-          <p:cNvSpPr txBox="1"/>
+          <p:cNvPr id="134" name="CustomShape 1"/>
+          <p:cNvSpPr/>
           <p:nvPr/>
         </p:nvSpPr>
         <p:spPr>
           <a:xfrm>
             <a:off x="838080" y="365040"/>
-            <a:ext cx="10515240" cy="1325160"/>
+            <a:ext cx="10514880" cy="1324800"/>
           </a:xfrm>
           <a:prstGeom prst="rect">
             <a:avLst/>
@@ -8348,8 +7440,14 @@
             <a:noFill/>
           </a:ln>
         </p:spPr>
-        <p:txBody>
-          <a:bodyPr anchor="ctr">
+        <p:style>
+          <a:lnRef idx="0"/>
+          <a:fillRef idx="0"/>
+          <a:effectRef idx="0"/>
+          <a:fontRef idx="minor"/>
+        </p:style>
+        <p:txBody>
+          <a:bodyPr lIns="90000" rIns="90000" tIns="45000" bIns="45000" anchor="ctr">
             <a:noAutofit/>
           </a:bodyPr>
           <a:p>
@@ -8365,43 +7463,49 @@
                 </a:solidFill>
                 <a:latin typeface="Calibri Light"/>
               </a:rPr>
-              <a:t>We hear a lot about teen suicide, but suicides peak in middle age.</a:t>
+              <a:t>Call-outs may also be included, and are often helpful</a:t>
             </a:r>
             <a:endParaRPr b="0" lang="en-US" sz="4400" spc="-1" strike="noStrike">
-              <a:solidFill>
-                <a:srgbClr val="000000"/>
-              </a:solidFill>
-              <a:latin typeface="Calibri"/>
-            </a:endParaRPr>
-          </a:p>
-        </p:txBody>
-      </p:sp>
-      <p:graphicFrame>
-        <p:nvGraphicFramePr>
-          <p:cNvPr id="142" name="Content Placeholder 23"/>
-          <p:cNvGraphicFramePr/>
+              <a:latin typeface="Arial"/>
+            </a:endParaRPr>
+          </a:p>
+        </p:txBody>
+      </p:sp>
+      <p:pic>
+        <p:nvPicPr>
+          <p:cNvPr id="135" name="Picture 5_0" descr=""/>
+          <p:cNvPicPr/>
           <p:nvPr/>
-        </p:nvGraphicFramePr>
-        <p:xfrm>
-          <a:off x="838080" y="1825560"/>
-          <a:ext cx="10515240" cy="4350960"/>
-        </p:xfrm>
-        <a:graphic>
-          <a:graphicData uri="http://schemas.openxmlformats.org/drawingml/2006/chart">
-            <c:chart xmlns:c="http://schemas.openxmlformats.org/drawingml/2006/chart" xmlns:r="http://schemas.openxmlformats.org/officeDocument/2006/relationships" r:id="rId1"/>
-          </a:graphicData>
-        </a:graphic>
-      </p:graphicFrame>
-      <p:sp>
-        <p:nvSpPr>
-          <p:cNvPr id="143" name="CustomShape 2"/>
+        </p:nvPicPr>
+        <p:blipFill>
+          <a:blip r:embed="rId1"/>
+          <a:stretch/>
+        </p:blipFill>
+        <p:spPr>
+          <a:xfrm>
+            <a:off x="901440" y="1792080"/>
+            <a:ext cx="8519400" cy="4791240"/>
+          </a:xfrm>
+          <a:prstGeom prst="rect">
+            <a:avLst/>
+          </a:prstGeom>
+          <a:ln>
+            <a:solidFill>
+              <a:schemeClr val="tx1"/>
+            </a:solidFill>
+          </a:ln>
+        </p:spPr>
+      </p:pic>
+      <p:sp>
+        <p:nvSpPr>
+          <p:cNvPr id="136" name="CustomShape 2"/>
           <p:cNvSpPr/>
           <p:nvPr/>
         </p:nvSpPr>
         <p:spPr>
           <a:xfrm>
-            <a:off x="9809280" y="6278760"/>
-            <a:ext cx="2370960" cy="456120"/>
+            <a:off x="6309360" y="3164400"/>
+            <a:ext cx="2559960" cy="639720"/>
           </a:xfrm>
           <a:prstGeom prst="rect">
             <a:avLst/>
@@ -8418,8 +7522,8 @@
           <a:fontRef idx="minor"/>
         </p:style>
         <p:txBody>
-          <a:bodyPr wrap="none" lIns="90000" rIns="90000" tIns="45000" bIns="45000">
-            <a:spAutoFit/>
+          <a:bodyPr lIns="90000" rIns="90000" tIns="45000" bIns="45000">
+            <a:noAutofit/>
           </a:bodyPr>
           <a:p>
             <a:pPr>
@@ -8428,79 +7532,77 @@
               </a:lnSpc>
             </a:pPr>
             <a:r>
-              <a:rPr b="0" lang="en-US" sz="2400" spc="-1" strike="noStrike">
-                <a:solidFill>
-                  <a:srgbClr val="000000"/>
-                </a:solidFill>
-                <a:latin typeface="Calibri"/>
+              <a:rPr b="0" lang="en-US" sz="1800" spc="-1" strike="noStrike">
+                <a:latin typeface="Arial"/>
               </a:rPr>
-              <a:t>CDC, 2016, pp. 44</a:t>
+              <a:t>This is a call-out</a:t>
             </a:r>
-            <a:endParaRPr b="0" lang="en-US" sz="2400" spc="-1" strike="noStrike">
-              <a:latin typeface="Arial"/>
-            </a:endParaRPr>
-          </a:p>
-        </p:txBody>
-      </p:sp>
-      <p:sp>
-        <p:nvSpPr>
-          <p:cNvPr id="144" name="CustomShape 3"/>
+            <a:endParaRPr b="0" lang="en-US" sz="1800" spc="-1" strike="noStrike">
+              <a:latin typeface="Arial"/>
+            </a:endParaRPr>
+          </a:p>
+        </p:txBody>
+      </p:sp>
+      <p:sp>
+        <p:nvSpPr>
+          <p:cNvPr id="137" name="CustomShape 3"/>
           <p:cNvSpPr/>
           <p:nvPr/>
         </p:nvSpPr>
         <p:spPr>
-          <a:xfrm rot="16200000">
-            <a:off x="5200560" y="1010160"/>
-            <a:ext cx="352080" cy="2352240"/>
-          </a:xfrm>
-          <a:prstGeom prst="rightBracket">
-            <a:avLst>
-              <a:gd name="adj" fmla="val 170366"/>
-            </a:avLst>
-          </a:prstGeom>
-          <a:noFill/>
-          <a:ln w="38160">
+          <a:xfrm>
+            <a:off x="5577840" y="3108960"/>
+            <a:ext cx="731160" cy="456840"/>
+          </a:xfrm>
+          <a:custGeom>
+            <a:avLst/>
+            <a:gdLst/>
+            <a:ahLst/>
+            <a:rect l="l" t="t" r="r" b="b"/>
+            <a:pathLst>
+              <a:path w="2034" h="1272">
+                <a:moveTo>
+                  <a:pt x="2033" y="317"/>
+                </a:moveTo>
+                <a:lnTo>
+                  <a:pt x="508" y="317"/>
+                </a:lnTo>
+                <a:lnTo>
+                  <a:pt x="508" y="0"/>
+                </a:lnTo>
+                <a:lnTo>
+                  <a:pt x="0" y="635"/>
+                </a:lnTo>
+                <a:lnTo>
+                  <a:pt x="508" y="1271"/>
+                </a:lnTo>
+                <a:lnTo>
+                  <a:pt x="508" y="953"/>
+                </a:lnTo>
+                <a:lnTo>
+                  <a:pt x="2033" y="953"/>
+                </a:lnTo>
+                <a:lnTo>
+                  <a:pt x="2033" y="317"/>
+                </a:lnTo>
+              </a:path>
+            </a:pathLst>
+          </a:custGeom>
+          <a:solidFill>
+            <a:srgbClr val="729fcf"/>
+          </a:solidFill>
+          <a:ln>
             <a:solidFill>
-              <a:schemeClr val="tx1"/>
+              <a:srgbClr val="3465a4"/>
             </a:solidFill>
           </a:ln>
         </p:spPr>
         <p:style>
-          <a:lnRef idx="1">
-            <a:schemeClr val="accent1"/>
-          </a:lnRef>
-          <a:fillRef idx="0">
-            <a:schemeClr val="accent1"/>
-          </a:fillRef>
-          <a:effectRef idx="0">
-            <a:schemeClr val="accent1"/>
-          </a:effectRef>
+          <a:lnRef idx="0"/>
+          <a:fillRef idx="0"/>
+          <a:effectRef idx="0"/>
           <a:fontRef idx="minor"/>
         </p:style>
-        <p:txBody>
-          <a:bodyPr lIns="90000" rIns="90000" tIns="45000" bIns="45000" anchor="ctr" vert="vert" rot="5400000">
-            <a:noAutofit/>
-          </a:bodyPr>
-          <a:p>
-            <a:pPr algn="ctr">
-              <a:lnSpc>
-                <a:spcPct val="100000"/>
-              </a:lnSpc>
-            </a:pPr>
-            <a:r>
-              <a:rPr b="0" lang="en-US" sz="2400" spc="-1" strike="noStrike">
-                <a:solidFill>
-                  <a:srgbClr val="000000"/>
-                </a:solidFill>
-                <a:latin typeface="Calibri"/>
-              </a:rPr>
-              <a:t>Middle Age</a:t>
-            </a:r>
-            <a:endParaRPr b="0" lang="en-US" sz="2400" spc="-1" strike="noStrike">
-              <a:latin typeface="Arial"/>
-            </a:endParaRPr>
-          </a:p>
-        </p:txBody>
       </p:sp>
     </p:spTree>
   </p:cSld>
@@ -8534,14 +7636,14 @@
       </p:grpSpPr>
       <p:sp>
         <p:nvSpPr>
-          <p:cNvPr id="145" name="TextShape 1"/>
+          <p:cNvPr id="138" name="TextShape 1"/>
           <p:cNvSpPr txBox="1"/>
           <p:nvPr/>
         </p:nvSpPr>
         <p:spPr>
           <a:xfrm>
-            <a:off x="510840" y="365040"/>
-            <a:ext cx="11170440" cy="1325160"/>
+            <a:off x="838080" y="365040"/>
+            <a:ext cx="10514880" cy="6142320"/>
           </a:xfrm>
           <a:prstGeom prst="rect">
             <a:avLst/>
@@ -8552,8 +7654,81 @@
           </a:ln>
         </p:spPr>
         <p:txBody>
-          <a:bodyPr anchor="ctr">
+          <a:bodyPr lIns="0" rIns="0" tIns="0" bIns="0" anchor="ctr">
             <a:noAutofit/>
+          </a:bodyPr>
+          <a:p>
+            <a:pPr algn="ctr"/>
+            <a:r>
+              <a:rPr b="0" lang="en-US" sz="3200" spc="-1" strike="noStrike">
+                <a:latin typeface="Arial"/>
+              </a:rPr>
+              <a:t>There are full size examples on the next three slides.</a:t>
+            </a:r>
+            <a:endParaRPr b="0" lang="en-US" sz="3200" spc="-1" strike="noStrike">
+              <a:latin typeface="Arial"/>
+            </a:endParaRPr>
+          </a:p>
+        </p:txBody>
+      </p:sp>
+    </p:spTree>
+  </p:cSld>
+  <mc:AlternateContent>
+    <mc:Choice Requires="p14">
+      <p:transition spd="slow" p14:dur="2000"/>
+    </mc:Choice>
+    <mc:Fallback>
+      <p:transition spd="slow"/>
+    </mc:Fallback>
+  </mc:AlternateContent>
+</p:sld>
+</file>
+
+<file path=ppt/slides/slide6.xml><?xml version="1.0" encoding="utf-8"?>
+<p:sld xmlns:a="http://schemas.openxmlformats.org/drawingml/2006/main" xmlns:p="http://schemas.openxmlformats.org/presentationml/2006/main" xmlns:r="http://schemas.openxmlformats.org/officeDocument/2006/relationships" xmlns:p14="http://schemas.microsoft.com/office/powerpoint/2010/main" xmlns:p15="http://schemas.microsoft.com/office/powerpoint/2012/main" xmlns:mc="http://schemas.openxmlformats.org/markup-compatibility/2006">
+  <p:cSld>
+    <p:spTree>
+      <p:nvGrpSpPr>
+        <p:cNvPr id="1" name=""/>
+        <p:cNvGrpSpPr/>
+        <p:nvPr/>
+      </p:nvGrpSpPr>
+      <p:grpSpPr>
+        <a:xfrm>
+          <a:off x="0" y="0"/>
+          <a:ext cx="0" cy="0"/>
+          <a:chOff x="0" y="0"/>
+          <a:chExt cx="0" cy="0"/>
+        </a:xfrm>
+      </p:grpSpPr>
+      <p:sp>
+        <p:nvSpPr>
+          <p:cNvPr id="139" name="CustomShape 1"/>
+          <p:cNvSpPr/>
+          <p:nvPr/>
+        </p:nvSpPr>
+        <p:spPr>
+          <a:xfrm>
+            <a:off x="838080" y="365040"/>
+            <a:ext cx="10514880" cy="1324800"/>
+          </a:xfrm>
+          <a:prstGeom prst="rect">
+            <a:avLst/>
+          </a:prstGeom>
+          <a:noFill/>
+          <a:ln>
+            <a:noFill/>
+          </a:ln>
+        </p:spPr>
+        <p:style>
+          <a:lnRef idx="0"/>
+          <a:fillRef idx="0"/>
+          <a:effectRef idx="0"/>
+          <a:fontRef idx="minor"/>
+        </p:style>
+        <p:txBody>
+          <a:bodyPr lIns="90000" rIns="90000" tIns="45000" bIns="45000" anchor="ctr">
+            <a:normAutofit fontScale="56000"/>
           </a:bodyPr>
           <a:p>
             <a:pPr>
@@ -8568,27 +7743,48 @@
                 </a:solidFill>
                 <a:latin typeface="Calibri Light"/>
               </a:rPr>
-              <a:t>Samuel L. Jackson does not like snakes very much, especially while traveling.</a:t>
+              <a:t>During the Civil War, Greeneville tried to secede from Tennessee to rejoin the Union.</a:t>
             </a:r>
             <a:endParaRPr b="0" lang="en-US" sz="4400" spc="-1" strike="noStrike">
-              <a:solidFill>
-                <a:srgbClr val="000000"/>
-              </a:solidFill>
-              <a:latin typeface="Calibri"/>
-            </a:endParaRPr>
-          </a:p>
-        </p:txBody>
-      </p:sp>
-      <p:sp>
-        <p:nvSpPr>
-          <p:cNvPr id="146" name="TextShape 2"/>
-          <p:cNvSpPr txBox="1"/>
+              <a:latin typeface="Arial"/>
+            </a:endParaRPr>
+          </a:p>
+        </p:txBody>
+      </p:sp>
+      <p:pic>
+        <p:nvPicPr>
+          <p:cNvPr id="140" name="Content Placeholder 4" descr=""/>
+          <p:cNvPicPr/>
           <p:nvPr/>
-        </p:nvSpPr>
-        <p:spPr>
-          <a:xfrm>
-            <a:off x="838080" y="1825560"/>
-            <a:ext cx="10515240" cy="4350960"/>
+        </p:nvPicPr>
+        <p:blipFill>
+          <a:blip r:embed="rId1"/>
+          <a:srcRect l="0" t="0" r="0" b="11513"/>
+          <a:stretch/>
+        </p:blipFill>
+        <p:spPr>
+          <a:xfrm>
+            <a:off x="2265480" y="1690560"/>
+            <a:ext cx="7660440" cy="5083560"/>
+          </a:xfrm>
+          <a:prstGeom prst="rect">
+            <a:avLst/>
+          </a:prstGeom>
+          <a:ln>
+            <a:noFill/>
+          </a:ln>
+        </p:spPr>
+      </p:pic>
+      <p:sp>
+        <p:nvSpPr>
+          <p:cNvPr id="141" name="CustomShape 2"/>
+          <p:cNvSpPr/>
+          <p:nvPr/>
+        </p:nvSpPr>
+        <p:spPr>
+          <a:xfrm>
+            <a:off x="10251720" y="5943960"/>
+            <a:ext cx="1722960" cy="821520"/>
           </a:xfrm>
           <a:prstGeom prst="rect">
             <a:avLst/>
@@ -8598,8 +7794,373 @@
             <a:noFill/>
           </a:ln>
         </p:spPr>
-        <p:txBody>
-          <a:bodyPr anchor="ctr">
+        <p:style>
+          <a:lnRef idx="0"/>
+          <a:fillRef idx="0"/>
+          <a:effectRef idx="0"/>
+          <a:fontRef idx="minor"/>
+        </p:style>
+        <p:txBody>
+          <a:bodyPr wrap="none" lIns="90000" rIns="90000" tIns="45000" bIns="45000">
+            <a:spAutoFit/>
+          </a:bodyPr>
+          <a:p>
+            <a:pPr>
+              <a:lnSpc>
+                <a:spcPct val="100000"/>
+              </a:lnSpc>
+            </a:pPr>
+            <a:r>
+              <a:rPr b="0" lang="en-US" sz="2400" spc="-1" strike="noStrike">
+                <a:solidFill>
+                  <a:srgbClr val="000000"/>
+                </a:solidFill>
+                <a:latin typeface="Calibri"/>
+                <a:ea typeface="DejaVu Sans"/>
+              </a:rPr>
+              <a:t>Miller, 2017</a:t>
+            </a:r>
+            <a:endParaRPr b="0" lang="en-US" sz="2400" spc="-1" strike="noStrike">
+              <a:latin typeface="Arial"/>
+            </a:endParaRPr>
+          </a:p>
+          <a:p>
+            <a:pPr>
+              <a:lnSpc>
+                <a:spcPct val="100000"/>
+              </a:lnSpc>
+            </a:pPr>
+            <a:r>
+              <a:rPr b="0" lang="en-US" sz="2400" spc="-1" strike="noStrike">
+                <a:solidFill>
+                  <a:srgbClr val="000000"/>
+                </a:solidFill>
+                <a:latin typeface="Calibri"/>
+                <a:ea typeface="DejaVu Sans"/>
+              </a:rPr>
+              <a:t>CC BY-SA 2.0</a:t>
+            </a:r>
+            <a:endParaRPr b="0" lang="en-US" sz="2400" spc="-1" strike="noStrike">
+              <a:latin typeface="Arial"/>
+            </a:endParaRPr>
+          </a:p>
+        </p:txBody>
+      </p:sp>
+    </p:spTree>
+  </p:cSld>
+  <mc:AlternateContent>
+    <mc:Choice Requires="p14">
+      <p:transition spd="slow" p14:dur="2000"/>
+    </mc:Choice>
+    <mc:Fallback>
+      <p:transition spd="slow"/>
+    </mc:Fallback>
+  </mc:AlternateContent>
+</p:sld>
+</file>
+
+<file path=ppt/slides/slide7.xml><?xml version="1.0" encoding="utf-8"?>
+<p:sld xmlns:a="http://schemas.openxmlformats.org/drawingml/2006/main" xmlns:p="http://schemas.openxmlformats.org/presentationml/2006/main" xmlns:r="http://schemas.openxmlformats.org/officeDocument/2006/relationships" xmlns:p14="http://schemas.microsoft.com/office/powerpoint/2010/main" xmlns:p15="http://schemas.microsoft.com/office/powerpoint/2012/main" xmlns:mc="http://schemas.openxmlformats.org/markup-compatibility/2006">
+  <p:cSld>
+    <p:spTree>
+      <p:nvGrpSpPr>
+        <p:cNvPr id="1" name=""/>
+        <p:cNvGrpSpPr/>
+        <p:nvPr/>
+      </p:nvGrpSpPr>
+      <p:grpSpPr>
+        <a:xfrm>
+          <a:off x="0" y="0"/>
+          <a:ext cx="0" cy="0"/>
+          <a:chOff x="0" y="0"/>
+          <a:chExt cx="0" cy="0"/>
+        </a:xfrm>
+      </p:grpSpPr>
+      <p:sp>
+        <p:nvSpPr>
+          <p:cNvPr id="142" name="CustomShape 1"/>
+          <p:cNvSpPr/>
+          <p:nvPr/>
+        </p:nvSpPr>
+        <p:spPr>
+          <a:xfrm>
+            <a:off x="838080" y="365040"/>
+            <a:ext cx="10514880" cy="1324800"/>
+          </a:xfrm>
+          <a:prstGeom prst="rect">
+            <a:avLst/>
+          </a:prstGeom>
+          <a:noFill/>
+          <a:ln>
+            <a:noFill/>
+          </a:ln>
+        </p:spPr>
+        <p:style>
+          <a:lnRef idx="0"/>
+          <a:fillRef idx="0"/>
+          <a:effectRef idx="0"/>
+          <a:fontRef idx="minor"/>
+        </p:style>
+        <p:txBody>
+          <a:bodyPr lIns="90000" rIns="90000" tIns="45000" bIns="45000" anchor="ctr">
+            <a:noAutofit/>
+          </a:bodyPr>
+          <a:p>
+            <a:pPr>
+              <a:lnSpc>
+                <a:spcPct val="90000"/>
+              </a:lnSpc>
+            </a:pPr>
+            <a:r>
+              <a:rPr b="0" lang="en-US" sz="4400" spc="-1" strike="noStrike">
+                <a:solidFill>
+                  <a:srgbClr val="000000"/>
+                </a:solidFill>
+                <a:latin typeface="Calibri Light"/>
+              </a:rPr>
+              <a:t>We hear a lot about teen suicide, but suicides peak in middle age.</a:t>
+            </a:r>
+            <a:endParaRPr b="0" lang="en-US" sz="4400" spc="-1" strike="noStrike">
+              <a:latin typeface="Arial"/>
+            </a:endParaRPr>
+          </a:p>
+        </p:txBody>
+      </p:sp>
+      <p:graphicFrame>
+        <p:nvGraphicFramePr>
+          <p:cNvPr id="143" name="Content Placeholder 23"/>
+          <p:cNvGraphicFramePr/>
+          <p:nvPr/>
+        </p:nvGraphicFramePr>
+        <p:xfrm>
+          <a:off x="838080" y="1825560"/>
+          <a:ext cx="10514880" cy="4350600"/>
+        </p:xfrm>
+        <a:graphic>
+          <a:graphicData uri="http://schemas.openxmlformats.org/drawingml/2006/chart">
+            <c:chart xmlns:c="http://schemas.openxmlformats.org/drawingml/2006/chart" xmlns:r="http://schemas.openxmlformats.org/officeDocument/2006/relationships" r:id="rId1"/>
+          </a:graphicData>
+        </a:graphic>
+      </p:graphicFrame>
+      <p:sp>
+        <p:nvSpPr>
+          <p:cNvPr id="144" name="CustomShape 2"/>
+          <p:cNvSpPr/>
+          <p:nvPr/>
+        </p:nvSpPr>
+        <p:spPr>
+          <a:xfrm>
+            <a:off x="9809280" y="6278760"/>
+            <a:ext cx="2370600" cy="455760"/>
+          </a:xfrm>
+          <a:prstGeom prst="rect">
+            <a:avLst/>
+          </a:prstGeom>
+          <a:noFill/>
+          <a:ln>
+            <a:noFill/>
+          </a:ln>
+        </p:spPr>
+        <p:style>
+          <a:lnRef idx="0"/>
+          <a:fillRef idx="0"/>
+          <a:effectRef idx="0"/>
+          <a:fontRef idx="minor"/>
+        </p:style>
+        <p:txBody>
+          <a:bodyPr wrap="none" lIns="90000" rIns="90000" tIns="45000" bIns="45000">
+            <a:spAutoFit/>
+          </a:bodyPr>
+          <a:p>
+            <a:pPr>
+              <a:lnSpc>
+                <a:spcPct val="100000"/>
+              </a:lnSpc>
+            </a:pPr>
+            <a:r>
+              <a:rPr b="0" lang="en-US" sz="2400" spc="-1" strike="noStrike">
+                <a:solidFill>
+                  <a:srgbClr val="000000"/>
+                </a:solidFill>
+                <a:latin typeface="Calibri"/>
+                <a:ea typeface="DejaVu Sans"/>
+              </a:rPr>
+              <a:t>CDC, 2016, pp. 44</a:t>
+            </a:r>
+            <a:endParaRPr b="0" lang="en-US" sz="2400" spc="-1" strike="noStrike">
+              <a:latin typeface="Arial"/>
+            </a:endParaRPr>
+          </a:p>
+        </p:txBody>
+      </p:sp>
+      <p:sp>
+        <p:nvSpPr>
+          <p:cNvPr id="145" name="CustomShape 3"/>
+          <p:cNvSpPr/>
+          <p:nvPr/>
+        </p:nvSpPr>
+        <p:spPr>
+          <a:xfrm rot="16200000">
+            <a:off x="5200560" y="1010520"/>
+            <a:ext cx="351720" cy="2351880"/>
+          </a:xfrm>
+          <a:prstGeom prst="rightBracket">
+            <a:avLst>
+              <a:gd name="adj" fmla="val 170366"/>
+            </a:avLst>
+          </a:prstGeom>
+          <a:noFill/>
+          <a:ln w="38160">
+            <a:solidFill>
+              <a:schemeClr val="tx1"/>
+            </a:solidFill>
+          </a:ln>
+        </p:spPr>
+        <p:style>
+          <a:lnRef idx="1">
+            <a:schemeClr val="accent1"/>
+          </a:lnRef>
+          <a:fillRef idx="0">
+            <a:schemeClr val="accent1"/>
+          </a:fillRef>
+          <a:effectRef idx="0">
+            <a:schemeClr val="accent1"/>
+          </a:effectRef>
+          <a:fontRef idx="minor"/>
+        </p:style>
+        <p:txBody>
+          <a:bodyPr lIns="45000" rIns="45000" tIns="90000" bIns="90000" anchor="ctr" vert="vert" rot="5400000">
+            <a:noAutofit/>
+          </a:bodyPr>
+          <a:p>
+            <a:pPr algn="ctr">
+              <a:lnSpc>
+                <a:spcPct val="100000"/>
+              </a:lnSpc>
+            </a:pPr>
+            <a:r>
+              <a:rPr b="0" lang="en-US" sz="2400" spc="-1" strike="noStrike">
+                <a:solidFill>
+                  <a:srgbClr val="000000"/>
+                </a:solidFill>
+                <a:latin typeface="Calibri"/>
+                <a:ea typeface="DejaVu Sans"/>
+              </a:rPr>
+              <a:t>Middle Age</a:t>
+            </a:r>
+            <a:endParaRPr b="0" lang="en-US" sz="2400" spc="-1" strike="noStrike">
+              <a:latin typeface="Arial"/>
+            </a:endParaRPr>
+          </a:p>
+        </p:txBody>
+      </p:sp>
+    </p:spTree>
+  </p:cSld>
+  <mc:AlternateContent>
+    <mc:Choice Requires="p14">
+      <p:transition spd="slow" p14:dur="2000"/>
+    </mc:Choice>
+    <mc:Fallback>
+      <p:transition spd="slow"/>
+    </mc:Fallback>
+  </mc:AlternateContent>
+</p:sld>
+</file>
+
+<file path=ppt/slides/slide8.xml><?xml version="1.0" encoding="utf-8"?>
+<p:sld xmlns:a="http://schemas.openxmlformats.org/drawingml/2006/main" xmlns:p="http://schemas.openxmlformats.org/presentationml/2006/main" xmlns:r="http://schemas.openxmlformats.org/officeDocument/2006/relationships" xmlns:p14="http://schemas.microsoft.com/office/powerpoint/2010/main" xmlns:p15="http://schemas.microsoft.com/office/powerpoint/2012/main" xmlns:mc="http://schemas.openxmlformats.org/markup-compatibility/2006">
+  <p:cSld>
+    <p:spTree>
+      <p:nvGrpSpPr>
+        <p:cNvPr id="1" name=""/>
+        <p:cNvGrpSpPr/>
+        <p:nvPr/>
+      </p:nvGrpSpPr>
+      <p:grpSpPr>
+        <a:xfrm>
+          <a:off x="0" y="0"/>
+          <a:ext cx="0" cy="0"/>
+          <a:chOff x="0" y="0"/>
+          <a:chExt cx="0" cy="0"/>
+        </a:xfrm>
+      </p:grpSpPr>
+      <p:sp>
+        <p:nvSpPr>
+          <p:cNvPr id="146" name="CustomShape 1"/>
+          <p:cNvSpPr/>
+          <p:nvPr/>
+        </p:nvSpPr>
+        <p:spPr>
+          <a:xfrm>
+            <a:off x="510840" y="365040"/>
+            <a:ext cx="11170080" cy="1324800"/>
+          </a:xfrm>
+          <a:prstGeom prst="rect">
+            <a:avLst/>
+          </a:prstGeom>
+          <a:noFill/>
+          <a:ln>
+            <a:noFill/>
+          </a:ln>
+        </p:spPr>
+        <p:style>
+          <a:lnRef idx="0"/>
+          <a:fillRef idx="0"/>
+          <a:effectRef idx="0"/>
+          <a:fontRef idx="minor"/>
+        </p:style>
+        <p:txBody>
+          <a:bodyPr lIns="90000" rIns="90000" tIns="45000" bIns="45000" anchor="ctr">
+            <a:noAutofit/>
+          </a:bodyPr>
+          <a:p>
+            <a:pPr>
+              <a:lnSpc>
+                <a:spcPct val="90000"/>
+              </a:lnSpc>
+            </a:pPr>
+            <a:r>
+              <a:rPr b="0" lang="en-US" sz="4400" spc="-1" strike="noStrike">
+                <a:solidFill>
+                  <a:srgbClr val="000000"/>
+                </a:solidFill>
+                <a:latin typeface="Calibri Light"/>
+              </a:rPr>
+              <a:t>Snakes can be quite aggravating during air travel.</a:t>
+            </a:r>
+            <a:endParaRPr b="0" lang="en-US" sz="4400" spc="-1" strike="noStrike">
+              <a:latin typeface="Arial"/>
+            </a:endParaRPr>
+          </a:p>
+        </p:txBody>
+      </p:sp>
+      <p:sp>
+        <p:nvSpPr>
+          <p:cNvPr id="147" name="CustomShape 2"/>
+          <p:cNvSpPr/>
+          <p:nvPr/>
+        </p:nvSpPr>
+        <p:spPr>
+          <a:xfrm>
+            <a:off x="838080" y="1825560"/>
+            <a:ext cx="10514880" cy="4350600"/>
+          </a:xfrm>
+          <a:prstGeom prst="rect">
+            <a:avLst/>
+          </a:prstGeom>
+          <a:noFill/>
+          <a:ln>
+            <a:noFill/>
+          </a:ln>
+        </p:spPr>
+        <p:style>
+          <a:lnRef idx="0"/>
+          <a:fillRef idx="0"/>
+          <a:effectRef idx="0"/>
+          <a:fontRef idx="minor"/>
+        </p:style>
+        <p:txBody>
+          <a:bodyPr lIns="90000" rIns="90000" tIns="45000" bIns="45000" anchor="ctr">
             <a:normAutofit/>
           </a:bodyPr>
           <a:p>
@@ -8633,10 +8194,7 @@
               <a:t>I have had it with these monkey fighting snakes on this Monday through Friday plane.”</a:t>
             </a:r>
             <a:endParaRPr b="0" lang="en-US" sz="3600" spc="-1" strike="noStrike">
-              <a:solidFill>
-                <a:srgbClr val="000000"/>
-              </a:solidFill>
-              <a:latin typeface="Calibri"/>
+              <a:latin typeface="Arial"/>
             </a:endParaRPr>
           </a:p>
           <a:p>
@@ -8706,24 +8264,21 @@
               <a:t>Samuel L. Jackson, as Neville Flynn</a:t>
             </a:r>
             <a:endParaRPr b="0" lang="en-US" sz="3600" spc="-1" strike="noStrike">
-              <a:solidFill>
-                <a:srgbClr val="000000"/>
-              </a:solidFill>
-              <a:latin typeface="Calibri"/>
-            </a:endParaRPr>
-          </a:p>
-        </p:txBody>
-      </p:sp>
-      <p:sp>
-        <p:nvSpPr>
-          <p:cNvPr id="147" name="CustomShape 3"/>
+              <a:latin typeface="Arial"/>
+            </a:endParaRPr>
+          </a:p>
+        </p:txBody>
+      </p:sp>
+      <p:sp>
+        <p:nvSpPr>
+          <p:cNvPr id="148" name="CustomShape 3"/>
           <p:cNvSpPr/>
           <p:nvPr/>
         </p:nvSpPr>
         <p:spPr>
           <a:xfrm>
             <a:off x="8410680" y="6311880"/>
-            <a:ext cx="3646440" cy="395280"/>
+            <a:ext cx="3646080" cy="394920"/>
           </a:xfrm>
           <a:prstGeom prst="rect">
             <a:avLst/>
@@ -8755,6 +8310,7 @@
                   <a:srgbClr val="000000"/>
                 </a:solidFill>
                 <a:latin typeface="Calibri"/>
+                <a:ea typeface="DejaVu Sans"/>
               </a:rPr>
               <a:t>Snakes on a Plane [TV Edit], 2006</a:t>
             </a:r>
@@ -8777,7 +8333,7 @@
 </p:sld>
 </file>
 
-<file path=ppt/slides/slide6.xml><?xml version="1.0" encoding="utf-8"?>
+<file path=ppt/slides/slide9.xml><?xml version="1.0" encoding="utf-8"?>
 <p:sld xmlns:a="http://schemas.openxmlformats.org/drawingml/2006/main" xmlns:p="http://schemas.openxmlformats.org/presentationml/2006/main" xmlns:r="http://schemas.openxmlformats.org/officeDocument/2006/relationships" xmlns:p14="http://schemas.microsoft.com/office/powerpoint/2010/main" xmlns:p15="http://schemas.microsoft.com/office/powerpoint/2012/main" xmlns:mc="http://schemas.openxmlformats.org/markup-compatibility/2006">
   <p:cSld>
     <p:spTree>
@@ -8796,14 +8352,14 @@
       </p:grpSpPr>
       <p:sp>
         <p:nvSpPr>
-          <p:cNvPr id="148" name="TextShape 1"/>
-          <p:cNvSpPr txBox="1"/>
+          <p:cNvPr id="149" name="CustomShape 1"/>
+          <p:cNvSpPr/>
           <p:nvPr/>
         </p:nvSpPr>
         <p:spPr>
           <a:xfrm>
             <a:off x="838080" y="365040"/>
-            <a:ext cx="10515240" cy="1325160"/>
+            <a:ext cx="10514880" cy="1324800"/>
           </a:xfrm>
           <a:prstGeom prst="rect">
             <a:avLst/>
@@ -8811,359 +8367,6 @@
           <a:noFill/>
           <a:ln>
             <a:noFill/>
-          </a:ln>
-        </p:spPr>
-        <p:txBody>
-          <a:bodyPr anchor="ctr">
-            <a:noAutofit/>
-          </a:bodyPr>
-          <a:p>
-            <a:pPr>
-              <a:lnSpc>
-                <a:spcPct val="90000"/>
-              </a:lnSpc>
-            </a:pPr>
-            <a:r>
-              <a:rPr b="0" lang="en-US" sz="4400" spc="-1" strike="noStrike">
-                <a:solidFill>
-                  <a:srgbClr val="000000"/>
-                </a:solidFill>
-                <a:latin typeface="Calibri Light"/>
-              </a:rPr>
-              <a:t>An Assertion-Evidence Structure slide must have three parts.</a:t>
-            </a:r>
-            <a:endParaRPr b="0" lang="en-US" sz="4400" spc="-1" strike="noStrike">
-              <a:solidFill>
-                <a:srgbClr val="000000"/>
-              </a:solidFill>
-              <a:latin typeface="Calibri"/>
-            </a:endParaRPr>
-          </a:p>
-        </p:txBody>
-      </p:sp>
-      <p:pic>
-        <p:nvPicPr>
-          <p:cNvPr id="149" name="Picture 4_0" descr=""/>
-          <p:cNvPicPr/>
-          <p:nvPr/>
-        </p:nvPicPr>
-        <p:blipFill>
-          <a:blip r:embed="rId1"/>
-          <a:stretch/>
-        </p:blipFill>
-        <p:spPr>
-          <a:xfrm>
-            <a:off x="639360" y="1690920"/>
-            <a:ext cx="8778960" cy="4937400"/>
-          </a:xfrm>
-          <a:prstGeom prst="rect">
-            <a:avLst/>
-          </a:prstGeom>
-          <a:ln>
-            <a:solidFill>
-              <a:schemeClr val="tx1"/>
-            </a:solidFill>
-          </a:ln>
-        </p:spPr>
-      </p:pic>
-      <p:sp>
-        <p:nvSpPr>
-          <p:cNvPr id="150" name="TextShape 2"/>
-          <p:cNvSpPr txBox="1"/>
-          <p:nvPr/>
-        </p:nvSpPr>
-        <p:spPr>
-          <a:xfrm>
-            <a:off x="9491760" y="2022480"/>
-            <a:ext cx="2560320" cy="640080"/>
-          </a:xfrm>
-          <a:prstGeom prst="rect">
-            <a:avLst/>
-          </a:prstGeom>
-          <a:noFill/>
-          <a:ln>
-            <a:noFill/>
-          </a:ln>
-        </p:spPr>
-        <p:txBody>
-          <a:bodyPr lIns="90000" rIns="90000" tIns="45000" bIns="45000">
-            <a:noAutofit/>
-          </a:bodyPr>
-          <a:p>
-            <a:r>
-              <a:rPr b="0" lang="en-US" sz="1800" spc="-1" strike="noStrike">
-                <a:latin typeface="Arial"/>
-              </a:rPr>
-              <a:t>Full-sentence heading that makes a clam</a:t>
-            </a:r>
-            <a:endParaRPr b="0" lang="en-US" sz="1800" spc="-1" strike="noStrike">
-              <a:latin typeface="Arial"/>
-            </a:endParaRPr>
-          </a:p>
-        </p:txBody>
-      </p:sp>
-      <p:sp>
-        <p:nvSpPr>
-          <p:cNvPr id="151" name="TextShape 3"/>
-          <p:cNvSpPr txBox="1"/>
-          <p:nvPr/>
-        </p:nvSpPr>
-        <p:spPr>
-          <a:xfrm>
-            <a:off x="9491760" y="3828600"/>
-            <a:ext cx="2560320" cy="640080"/>
-          </a:xfrm>
-          <a:prstGeom prst="rect">
-            <a:avLst/>
-          </a:prstGeom>
-          <a:noFill/>
-          <a:ln>
-            <a:noFill/>
-          </a:ln>
-        </p:spPr>
-        <p:txBody>
-          <a:bodyPr lIns="90000" rIns="90000" tIns="45000" bIns="45000">
-            <a:noAutofit/>
-          </a:bodyPr>
-          <a:p>
-            <a:r>
-              <a:rPr b="0" lang="en-US" sz="1800" spc="-1" strike="noStrike">
-                <a:latin typeface="Arial"/>
-              </a:rPr>
-              <a:t>Visual evidence that supports the heading</a:t>
-            </a:r>
-            <a:endParaRPr b="0" lang="en-US" sz="1800" spc="-1" strike="noStrike">
-              <a:latin typeface="Arial"/>
-            </a:endParaRPr>
-          </a:p>
-        </p:txBody>
-      </p:sp>
-      <p:sp>
-        <p:nvSpPr>
-          <p:cNvPr id="152" name="TextShape 4"/>
-          <p:cNvSpPr txBox="1"/>
-          <p:nvPr/>
-        </p:nvSpPr>
-        <p:spPr>
-          <a:xfrm>
-            <a:off x="9491760" y="5943600"/>
-            <a:ext cx="2560320" cy="640080"/>
-          </a:xfrm>
-          <a:prstGeom prst="rect">
-            <a:avLst/>
-          </a:prstGeom>
-          <a:noFill/>
-          <a:ln>
-            <a:noFill/>
-          </a:ln>
-        </p:spPr>
-        <p:txBody>
-          <a:bodyPr lIns="90000" rIns="90000" tIns="45000" bIns="45000">
-            <a:noAutofit/>
-          </a:bodyPr>
-          <a:p>
-            <a:r>
-              <a:rPr b="0" lang="en-US" sz="1800" spc="-1" strike="noStrike">
-                <a:latin typeface="Arial"/>
-              </a:rPr>
-              <a:t>Citation for the visual evidence</a:t>
-            </a:r>
-            <a:endParaRPr b="0" lang="en-US" sz="1800" spc="-1" strike="noStrike">
-              <a:latin typeface="Arial"/>
-            </a:endParaRPr>
-          </a:p>
-        </p:txBody>
-      </p:sp>
-    </p:spTree>
-  </p:cSld>
-  <mc:AlternateContent>
-    <mc:Choice Requires="p14">
-      <p:transition spd="slow" p14:dur="2000"/>
-    </mc:Choice>
-    <mc:Fallback>
-      <p:transition spd="slow"/>
-    </mc:Fallback>
-  </mc:AlternateContent>
-</p:sld>
-</file>
-
-<file path=ppt/slides/slide7.xml><?xml version="1.0" encoding="utf-8"?>
-<p:sld xmlns:a="http://schemas.openxmlformats.org/drawingml/2006/main" xmlns:p="http://schemas.openxmlformats.org/presentationml/2006/main" xmlns:r="http://schemas.openxmlformats.org/officeDocument/2006/relationships" xmlns:p14="http://schemas.microsoft.com/office/powerpoint/2010/main" xmlns:p15="http://schemas.microsoft.com/office/powerpoint/2012/main" xmlns:mc="http://schemas.openxmlformats.org/markup-compatibility/2006">
-  <p:cSld>
-    <p:spTree>
-      <p:nvGrpSpPr>
-        <p:cNvPr id="1" name=""/>
-        <p:cNvGrpSpPr/>
-        <p:nvPr/>
-      </p:nvGrpSpPr>
-      <p:grpSpPr>
-        <a:xfrm>
-          <a:off x="0" y="0"/>
-          <a:ext cx="0" cy="0"/>
-          <a:chOff x="0" y="0"/>
-          <a:chExt cx="0" cy="0"/>
-        </a:xfrm>
-      </p:grpSpPr>
-      <p:sp>
-        <p:nvSpPr>
-          <p:cNvPr id="153" name="TextShape 1"/>
-          <p:cNvSpPr txBox="1"/>
-          <p:nvPr/>
-        </p:nvSpPr>
-        <p:spPr>
-          <a:xfrm>
-            <a:off x="838080" y="365040"/>
-            <a:ext cx="10515240" cy="1325160"/>
-          </a:xfrm>
-          <a:prstGeom prst="rect">
-            <a:avLst/>
-          </a:prstGeom>
-          <a:noFill/>
-          <a:ln>
-            <a:noFill/>
-          </a:ln>
-        </p:spPr>
-        <p:txBody>
-          <a:bodyPr anchor="ctr">
-            <a:noAutofit/>
-          </a:bodyPr>
-          <a:p>
-            <a:pPr>
-              <a:lnSpc>
-                <a:spcPct val="90000"/>
-              </a:lnSpc>
-            </a:pPr>
-            <a:r>
-              <a:rPr b="0" lang="en-US" sz="4400" spc="-1" strike="noStrike">
-                <a:solidFill>
-                  <a:srgbClr val="000000"/>
-                </a:solidFill>
-                <a:latin typeface="Calibri Light"/>
-              </a:rPr>
-              <a:t>Call-outs may also be included, and are often helpful</a:t>
-            </a:r>
-            <a:endParaRPr b="0" lang="en-US" sz="4400" spc="-1" strike="noStrike">
-              <a:solidFill>
-                <a:srgbClr val="000000"/>
-              </a:solidFill>
-              <a:latin typeface="Calibri"/>
-            </a:endParaRPr>
-          </a:p>
-        </p:txBody>
-      </p:sp>
-      <p:pic>
-        <p:nvPicPr>
-          <p:cNvPr id="154" name="Picture 5_0" descr=""/>
-          <p:cNvPicPr/>
-          <p:nvPr/>
-        </p:nvPicPr>
-        <p:blipFill>
-          <a:blip r:embed="rId1"/>
-          <a:stretch/>
-        </p:blipFill>
-        <p:spPr>
-          <a:xfrm>
-            <a:off x="901440" y="1792080"/>
-            <a:ext cx="8519760" cy="4791600"/>
-          </a:xfrm>
-          <a:prstGeom prst="rect">
-            <a:avLst/>
-          </a:prstGeom>
-          <a:ln>
-            <a:solidFill>
-              <a:schemeClr val="tx1"/>
-            </a:solidFill>
-          </a:ln>
-        </p:spPr>
-      </p:pic>
-      <p:sp>
-        <p:nvSpPr>
-          <p:cNvPr id="155" name="TextShape 2"/>
-          <p:cNvSpPr txBox="1"/>
-          <p:nvPr/>
-        </p:nvSpPr>
-        <p:spPr>
-          <a:xfrm>
-            <a:off x="6309360" y="3164400"/>
-            <a:ext cx="2560320" cy="640080"/>
-          </a:xfrm>
-          <a:prstGeom prst="rect">
-            <a:avLst/>
-          </a:prstGeom>
-          <a:noFill/>
-          <a:ln>
-            <a:noFill/>
-          </a:ln>
-        </p:spPr>
-        <p:txBody>
-          <a:bodyPr lIns="90000" rIns="90000" tIns="45000" bIns="45000">
-            <a:noAutofit/>
-          </a:bodyPr>
-          <a:p>
-            <a:r>
-              <a:rPr b="0" lang="en-US" sz="1800" spc="-1" strike="noStrike">
-                <a:latin typeface="Arial"/>
-              </a:rPr>
-              <a:t>This is a call-out</a:t>
-            </a:r>
-            <a:endParaRPr b="0" lang="en-US" sz="1800" spc="-1" strike="noStrike">
-              <a:latin typeface="Arial"/>
-            </a:endParaRPr>
-          </a:p>
-        </p:txBody>
-      </p:sp>
-      <p:sp>
-        <p:nvSpPr>
-          <p:cNvPr id="156" name="CustomShape 3"/>
-          <p:cNvSpPr/>
-          <p:nvPr/>
-        </p:nvSpPr>
-        <p:spPr>
-          <a:xfrm>
-            <a:off x="5577840" y="3108960"/>
-            <a:ext cx="731520" cy="457200"/>
-          </a:xfrm>
-          <a:custGeom>
-            <a:avLst/>
-            <a:gdLst/>
-            <a:ahLst/>
-            <a:rect l="0" t="0" r="r" b="b"/>
-            <a:pathLst>
-              <a:path w="2034" h="1272">
-                <a:moveTo>
-                  <a:pt x="2033" y="317"/>
-                </a:moveTo>
-                <a:lnTo>
-                  <a:pt x="508" y="317"/>
-                </a:lnTo>
-                <a:lnTo>
-                  <a:pt x="508" y="0"/>
-                </a:lnTo>
-                <a:lnTo>
-                  <a:pt x="0" y="635"/>
-                </a:lnTo>
-                <a:lnTo>
-                  <a:pt x="508" y="1271"/>
-                </a:lnTo>
-                <a:lnTo>
-                  <a:pt x="508" y="953"/>
-                </a:lnTo>
-                <a:lnTo>
-                  <a:pt x="2033" y="953"/>
-                </a:lnTo>
-                <a:lnTo>
-                  <a:pt x="2033" y="317"/>
-                </a:lnTo>
-              </a:path>
-            </a:pathLst>
-          </a:custGeom>
-          <a:solidFill>
-            <a:srgbClr val="729fcf"/>
-          </a:solidFill>
-          <a:ln>
-            <a:solidFill>
-              <a:srgbClr val="3465a4"/>
-            </a:solidFill>
           </a:ln>
         </p:spPr>
         <p:style>
@@ -9172,58 +8375,8 @@
           <a:effectRef idx="0"/>
           <a:fontRef idx="minor"/>
         </p:style>
-      </p:sp>
-    </p:spTree>
-  </p:cSld>
-  <mc:AlternateContent>
-    <mc:Choice Requires="p14">
-      <p:transition spd="slow" p14:dur="2000"/>
-    </mc:Choice>
-    <mc:Fallback>
-      <p:transition spd="slow"/>
-    </mc:Fallback>
-  </mc:AlternateContent>
-</p:sld>
-</file>
-
-<file path=ppt/slides/slide8.xml><?xml version="1.0" encoding="utf-8"?>
-<p:sld xmlns:a="http://schemas.openxmlformats.org/drawingml/2006/main" xmlns:p="http://schemas.openxmlformats.org/presentationml/2006/main" xmlns:r="http://schemas.openxmlformats.org/officeDocument/2006/relationships" xmlns:p14="http://schemas.microsoft.com/office/powerpoint/2010/main" xmlns:p15="http://schemas.microsoft.com/office/powerpoint/2012/main" xmlns:mc="http://schemas.openxmlformats.org/markup-compatibility/2006">
-  <p:cSld>
-    <p:spTree>
-      <p:nvGrpSpPr>
-        <p:cNvPr id="1" name=""/>
-        <p:cNvGrpSpPr/>
-        <p:nvPr/>
-      </p:nvGrpSpPr>
-      <p:grpSpPr>
-        <a:xfrm>
-          <a:off x="0" y="0"/>
-          <a:ext cx="0" cy="0"/>
-          <a:chOff x="0" y="0"/>
-          <a:chExt cx="0" cy="0"/>
-        </a:xfrm>
-      </p:grpSpPr>
-      <p:sp>
-        <p:nvSpPr>
-          <p:cNvPr id="157" name="TextShape 1"/>
-          <p:cNvSpPr txBox="1"/>
-          <p:nvPr/>
-        </p:nvSpPr>
-        <p:spPr>
-          <a:xfrm>
-            <a:off x="838080" y="365040"/>
-            <a:ext cx="10515240" cy="1325160"/>
-          </a:xfrm>
-          <a:prstGeom prst="rect">
-            <a:avLst/>
-          </a:prstGeom>
-          <a:noFill/>
-          <a:ln>
-            <a:noFill/>
-          </a:ln>
-        </p:spPr>
-        <p:txBody>
-          <a:bodyPr anchor="ctr">
+        <p:txBody>
+          <a:bodyPr lIns="90000" rIns="90000" tIns="45000" bIns="45000" anchor="ctr">
             <a:noAutofit/>
           </a:bodyPr>
           <a:p>
@@ -9242,24 +8395,21 @@
               <a:t>References</a:t>
             </a:r>
             <a:endParaRPr b="0" lang="en-US" sz="4400" spc="-1" strike="noStrike">
-              <a:solidFill>
-                <a:srgbClr val="000000"/>
-              </a:solidFill>
-              <a:latin typeface="Calibri"/>
-            </a:endParaRPr>
-          </a:p>
-        </p:txBody>
-      </p:sp>
-      <p:sp>
-        <p:nvSpPr>
-          <p:cNvPr id="158" name="TextShape 2"/>
-          <p:cNvSpPr txBox="1"/>
+              <a:latin typeface="Arial"/>
+            </a:endParaRPr>
+          </a:p>
+        </p:txBody>
+      </p:sp>
+      <p:sp>
+        <p:nvSpPr>
+          <p:cNvPr id="150" name="CustomShape 2"/>
+          <p:cNvSpPr/>
           <p:nvPr/>
         </p:nvSpPr>
         <p:spPr>
           <a:xfrm>
             <a:off x="838080" y="1825560"/>
-            <a:ext cx="10515240" cy="4350960"/>
+            <a:ext cx="10514880" cy="4350600"/>
           </a:xfrm>
           <a:prstGeom prst="rect">
             <a:avLst/>
@@ -9269,12 +8419,18 @@
             <a:noFill/>
           </a:ln>
         </p:spPr>
-        <p:txBody>
-          <a:bodyPr>
+        <p:style>
+          <a:lnRef idx="0"/>
+          <a:fillRef idx="0"/>
+          <a:effectRef idx="0"/>
+          <a:fontRef idx="minor"/>
+        </p:style>
+        <p:txBody>
+          <a:bodyPr lIns="90000" rIns="90000" tIns="45000" bIns="45000">
             <a:noAutofit/>
           </a:bodyPr>
           <a:p>
-            <a:pPr marL="457200" indent="-456840">
+            <a:pPr marL="457200" indent="-456480">
               <a:lnSpc>
                 <a:spcPct val="90000"/>
               </a:lnSpc>
@@ -9313,14 +8469,11 @@
               <a:t>[Motion picture, television edit]. United States: New Line Cinema.</a:t>
             </a:r>
             <a:endParaRPr b="0" lang="en-US" sz="2800" spc="-1" strike="noStrike">
-              <a:solidFill>
-                <a:srgbClr val="000000"/>
-              </a:solidFill>
-              <a:latin typeface="Calibri"/>
-            </a:endParaRPr>
-          </a:p>
-          <a:p>
-            <a:pPr marL="457200" indent="-456840">
+              <a:latin typeface="Arial"/>
+            </a:endParaRPr>
+          </a:p>
+          <a:p>
+            <a:pPr marL="457200" indent="-456480">
               <a:lnSpc>
                 <a:spcPct val="90000"/>
               </a:lnSpc>
@@ -9356,17 +8509,14 @@
                 </a:solidFill>
                 <a:latin typeface="Calibri"/>
               </a:rPr>
-              <a:t>[Digital Photograph]. Retrieved from https://www.flickr.com/photos/140911330@N07/37432735836</a:t>
+              <a:t>[Digital Photograph]. https://www.flickr.com/photos/140911330@N07/37432735836</a:t>
             </a:r>
             <a:endParaRPr b="0" lang="en-US" sz="2800" spc="-1" strike="noStrike">
-              <a:solidFill>
-                <a:srgbClr val="000000"/>
-              </a:solidFill>
-              <a:latin typeface="Calibri"/>
-            </a:endParaRPr>
-          </a:p>
-          <a:p>
-            <a:pPr marL="457200" indent="-456840">
+              <a:latin typeface="Arial"/>
+            </a:endParaRPr>
+          </a:p>
+          <a:p>
+            <a:pPr marL="457200" indent="-456480">
               <a:lnSpc>
                 <a:spcPct val="90000"/>
               </a:lnSpc>
@@ -9402,13 +8552,10 @@
                 </a:solidFill>
                 <a:latin typeface="Calibri"/>
               </a:rPr>
-              <a:t>(4). Retrieved from https://www.cdc.gov/nchs/data/nvsr/nvsr65/nvsr65_04.pdf</a:t>
+              <a:t>(4). https://www.cdc.gov/nchs/data/nvsr/nvsr65/nvsr65_04.pdf</a:t>
             </a:r>
             <a:endParaRPr b="0" lang="en-US" sz="2800" spc="-1" strike="noStrike">
-              <a:solidFill>
-                <a:srgbClr val="000000"/>
-              </a:solidFill>
-              <a:latin typeface="Calibri"/>
+              <a:latin typeface="Arial"/>
             </a:endParaRPr>
           </a:p>
         </p:txBody>
